--- a/Pictures/Pictures.pptx
+++ b/Pictures/Pictures.pptx
@@ -5,17 +5,21 @@
     <p:sldMasterId id="2147483648" r:id="rId1"/>
   </p:sldMasterIdLst>
   <p:notesMasterIdLst>
-    <p:notesMasterId r:id="rId10"/>
+    <p:notesMasterId r:id="rId14"/>
   </p:notesMasterIdLst>
   <p:sldIdLst>
     <p:sldId id="256" r:id="rId2"/>
     <p:sldId id="258" r:id="rId3"/>
     <p:sldId id="259" r:id="rId4"/>
     <p:sldId id="260" r:id="rId5"/>
-    <p:sldId id="261" r:id="rId6"/>
-    <p:sldId id="262" r:id="rId7"/>
-    <p:sldId id="263" r:id="rId8"/>
-    <p:sldId id="257" r:id="rId9"/>
+    <p:sldId id="264" r:id="rId6"/>
+    <p:sldId id="261" r:id="rId7"/>
+    <p:sldId id="267" r:id="rId8"/>
+    <p:sldId id="262" r:id="rId9"/>
+    <p:sldId id="266" r:id="rId10"/>
+    <p:sldId id="263" r:id="rId11"/>
+    <p:sldId id="265" r:id="rId12"/>
+    <p:sldId id="257" r:id="rId13"/>
   </p:sldIdLst>
   <p:sldSz cx="9144000" cy="6858000" type="screen4x3"/>
   <p:notesSz cx="6858000" cy="9144000"/>
@@ -532,7 +536,7 @@
           <a:p>
             <a:fld id="{59E917ED-6ECC-B444-A1F4-2F4F0C4F768C}" type="slidenum">
               <a:rPr lang="en-US" smtClean="0"/>
-              <a:t>8</a:t>
+              <a:t>12</a:t>
             </a:fld>
             <a:endParaRPr lang="en-US"/>
           </a:p>
@@ -3612,1373 +3616,7 @@
 </p:sld>
 </file>
 
-<file path=ppt/slides/slide2.xml><?xml version="1.0" encoding="utf-8"?>
-<p:sld xmlns:a="http://schemas.openxmlformats.org/drawingml/2006/main" xmlns:r="http://schemas.openxmlformats.org/officeDocument/2006/relationships" xmlns:p="http://schemas.openxmlformats.org/presentationml/2006/main">
-  <p:cSld>
-    <p:spTree>
-      <p:nvGrpSpPr>
-        <p:cNvPr id="1" name=""/>
-        <p:cNvGrpSpPr/>
-        <p:nvPr/>
-      </p:nvGrpSpPr>
-      <p:grpSpPr>
-        <a:xfrm>
-          <a:off x="0" y="0"/>
-          <a:ext cx="0" cy="0"/>
-          <a:chOff x="0" y="0"/>
-          <a:chExt cx="0" cy="0"/>
-        </a:xfrm>
-      </p:grpSpPr>
-      <p:sp>
-        <p:nvSpPr>
-          <p:cNvPr id="5" name="Pie 4"/>
-          <p:cNvSpPr>
-            <a:spLocks noChangeAspect="1"/>
-          </p:cNvSpPr>
-          <p:nvPr/>
-        </p:nvSpPr>
-        <p:spPr>
-          <a:xfrm rot="1372434">
-            <a:off x="1004955" y="0"/>
-            <a:ext cx="6858000" cy="6858000"/>
-          </a:xfrm>
-          <a:prstGeom prst="pie">
-            <a:avLst>
-              <a:gd name="adj1" fmla="val 0"/>
-              <a:gd name="adj2" fmla="val 18872836"/>
-            </a:avLst>
-          </a:prstGeom>
-          <a:solidFill>
-            <a:srgbClr val="FFFF00"/>
-          </a:solidFill>
-          <a:ln>
-            <a:solidFill>
-              <a:srgbClr val="FFFF00"/>
-            </a:solidFill>
-          </a:ln>
-          <a:effectLst/>
-        </p:spPr>
-        <p:style>
-          <a:lnRef idx="1">
-            <a:schemeClr val="accent1"/>
-          </a:lnRef>
-          <a:fillRef idx="3">
-            <a:schemeClr val="accent1"/>
-          </a:fillRef>
-          <a:effectRef idx="2">
-            <a:schemeClr val="accent1"/>
-          </a:effectRef>
-          <a:fontRef idx="minor">
-            <a:schemeClr val="lt1"/>
-          </a:fontRef>
-        </p:style>
-        <p:txBody>
-          <a:bodyPr rtlCol="0" anchor="ctr"/>
-          <a:lstStyle/>
-          <a:p>
-            <a:pPr algn="ctr"/>
-            <a:endParaRPr lang="en-US">
-              <a:solidFill>
-                <a:schemeClr val="tx1"/>
-              </a:solidFill>
-            </a:endParaRPr>
-          </a:p>
-        </p:txBody>
-      </p:sp>
-    </p:spTree>
-    <p:extLst>
-      <p:ext uri="{BB962C8B-B14F-4D97-AF65-F5344CB8AC3E}">
-        <p14:creationId xmlns:p14="http://schemas.microsoft.com/office/powerpoint/2010/main" val="876052163"/>
-      </p:ext>
-    </p:extLst>
-  </p:cSld>
-  <p:clrMapOvr>
-    <a:masterClrMapping/>
-  </p:clrMapOvr>
-  <p:timing>
-    <p:tnLst>
-      <p:par>
-        <p:cTn xmlns:p14="http://schemas.microsoft.com/office/powerpoint/2010/main" id="1" dur="indefinite" restart="never" nodeType="tmRoot"/>
-      </p:par>
-    </p:tnLst>
-  </p:timing>
-</p:sld>
-</file>
-
-<file path=ppt/slides/slide3.xml><?xml version="1.0" encoding="utf-8"?>
-<p:sld xmlns:a="http://schemas.openxmlformats.org/drawingml/2006/main" xmlns:r="http://schemas.openxmlformats.org/officeDocument/2006/relationships" xmlns:p="http://schemas.openxmlformats.org/presentationml/2006/main">
-  <p:cSld>
-    <p:spTree>
-      <p:nvGrpSpPr>
-        <p:cNvPr id="1" name=""/>
-        <p:cNvGrpSpPr/>
-        <p:nvPr/>
-      </p:nvGrpSpPr>
-      <p:grpSpPr>
-        <a:xfrm>
-          <a:off x="0" y="0"/>
-          <a:ext cx="0" cy="0"/>
-          <a:chOff x="0" y="0"/>
-          <a:chExt cx="0" cy="0"/>
-        </a:xfrm>
-      </p:grpSpPr>
-      <p:sp>
-        <p:nvSpPr>
-          <p:cNvPr id="5" name="Pie 4"/>
-          <p:cNvSpPr>
-            <a:spLocks noChangeAspect="1"/>
-          </p:cNvSpPr>
-          <p:nvPr/>
-        </p:nvSpPr>
-        <p:spPr>
-          <a:xfrm rot="2700000">
-            <a:off x="1004955" y="0"/>
-            <a:ext cx="6858000" cy="6858000"/>
-          </a:xfrm>
-          <a:prstGeom prst="pie">
-            <a:avLst>
-              <a:gd name="adj1" fmla="val 0"/>
-              <a:gd name="adj2" fmla="val 21590729"/>
-            </a:avLst>
-          </a:prstGeom>
-          <a:solidFill>
-            <a:srgbClr val="FFFF00"/>
-          </a:solidFill>
-          <a:ln>
-            <a:solidFill>
-              <a:srgbClr val="FFFF00"/>
-            </a:solidFill>
-          </a:ln>
-          <a:effectLst/>
-        </p:spPr>
-        <p:style>
-          <a:lnRef idx="1">
-            <a:schemeClr val="accent1"/>
-          </a:lnRef>
-          <a:fillRef idx="3">
-            <a:schemeClr val="accent1"/>
-          </a:fillRef>
-          <a:effectRef idx="2">
-            <a:schemeClr val="accent1"/>
-          </a:effectRef>
-          <a:fontRef idx="minor">
-            <a:schemeClr val="lt1"/>
-          </a:fontRef>
-        </p:style>
-        <p:txBody>
-          <a:bodyPr rtlCol="0" anchor="ctr"/>
-          <a:lstStyle/>
-          <a:p>
-            <a:pPr algn="ctr"/>
-            <a:endParaRPr lang="en-US">
-              <a:solidFill>
-                <a:schemeClr val="tx1"/>
-              </a:solidFill>
-            </a:endParaRPr>
-          </a:p>
-        </p:txBody>
-      </p:sp>
-    </p:spTree>
-    <p:extLst>
-      <p:ext uri="{BB962C8B-B14F-4D97-AF65-F5344CB8AC3E}">
-        <p14:creationId xmlns:p14="http://schemas.microsoft.com/office/powerpoint/2010/main" val="947080130"/>
-      </p:ext>
-    </p:extLst>
-  </p:cSld>
-  <p:clrMapOvr>
-    <a:masterClrMapping/>
-  </p:clrMapOvr>
-  <p:timing>
-    <p:tnLst>
-      <p:par>
-        <p:cTn xmlns:p14="http://schemas.microsoft.com/office/powerpoint/2010/main" id="1" dur="indefinite" restart="never" nodeType="tmRoot"/>
-      </p:par>
-    </p:tnLst>
-  </p:timing>
-</p:sld>
-</file>
-
-<file path=ppt/slides/slide4.xml><?xml version="1.0" encoding="utf-8"?>
-<p:sld xmlns:a="http://schemas.openxmlformats.org/drawingml/2006/main" xmlns:r="http://schemas.openxmlformats.org/officeDocument/2006/relationships" xmlns:p="http://schemas.openxmlformats.org/presentationml/2006/main">
-  <p:cSld>
-    <p:spTree>
-      <p:nvGrpSpPr>
-        <p:cNvPr id="1" name=""/>
-        <p:cNvGrpSpPr/>
-        <p:nvPr/>
-      </p:nvGrpSpPr>
-      <p:grpSpPr>
-        <a:xfrm>
-          <a:off x="0" y="0"/>
-          <a:ext cx="0" cy="0"/>
-          <a:chOff x="0" y="0"/>
-          <a:chExt cx="0" cy="0"/>
-        </a:xfrm>
-      </p:grpSpPr>
-      <p:pic>
-        <p:nvPicPr>
-          <p:cNvPr id="2" name="Picture 1"/>
-          <p:cNvPicPr>
-            <a:picLocks noChangeAspect="1"/>
-          </p:cNvPicPr>
-          <p:nvPr/>
-        </p:nvPicPr>
-        <p:blipFill rotWithShape="1">
-          <a:blip r:embed="rId2"/>
-          <a:srcRect l="25362" t="23833" r="26650" b="29790"/>
-          <a:stretch/>
-        </p:blipFill>
-        <p:spPr>
-          <a:xfrm>
-            <a:off x="9542815" y="-226778"/>
-            <a:ext cx="7089913" cy="6852000"/>
-          </a:xfrm>
-          <a:prstGeom prst="rect">
-            <a:avLst/>
-          </a:prstGeom>
-        </p:spPr>
-      </p:pic>
-      <p:grpSp>
-        <p:nvGrpSpPr>
-          <p:cNvPr id="13" name="Group 12"/>
-          <p:cNvGrpSpPr>
-            <a:grpSpLocks noChangeAspect="1"/>
-          </p:cNvGrpSpPr>
-          <p:nvPr/>
-        </p:nvGrpSpPr>
-        <p:grpSpPr>
-          <a:xfrm>
-            <a:off x="1496057" y="36424"/>
-            <a:ext cx="6059638" cy="6822218"/>
-            <a:chOff x="1583277" y="-146397"/>
-            <a:chExt cx="6195257" cy="6974904"/>
-          </a:xfrm>
-        </p:grpSpPr>
-        <p:sp>
-          <p:nvSpPr>
-            <p:cNvPr id="5" name="Chord 4"/>
-            <p:cNvSpPr>
-              <a:spLocks noChangeAspect="1"/>
-            </p:cNvSpPr>
-            <p:nvPr/>
-          </p:nvSpPr>
-          <p:spPr>
-            <a:xfrm rot="5400000">
-              <a:off x="1583278" y="-146397"/>
-              <a:ext cx="6195256" cy="6195256"/>
-            </a:xfrm>
-            <a:prstGeom prst="chord">
-              <a:avLst>
-                <a:gd name="adj1" fmla="val 5396808"/>
-                <a:gd name="adj2" fmla="val 16200000"/>
-              </a:avLst>
-            </a:prstGeom>
-            <a:solidFill>
-              <a:srgbClr val="FF0000"/>
-            </a:solidFill>
-            <a:ln>
-              <a:solidFill>
-                <a:srgbClr val="FF0000"/>
-              </a:solidFill>
-            </a:ln>
-            <a:effectLst/>
-          </p:spPr>
-          <p:style>
-            <a:lnRef idx="1">
-              <a:schemeClr val="accent1"/>
-            </a:lnRef>
-            <a:fillRef idx="3">
-              <a:schemeClr val="accent1"/>
-            </a:fillRef>
-            <a:effectRef idx="2">
-              <a:schemeClr val="accent1"/>
-            </a:effectRef>
-            <a:fontRef idx="minor">
-              <a:schemeClr val="lt1"/>
-            </a:fontRef>
-          </p:style>
-          <p:txBody>
-            <a:bodyPr rtlCol="0" anchor="ctr"/>
-            <a:lstStyle/>
-            <a:p>
-              <a:pPr algn="ctr"/>
-              <a:endParaRPr lang="en-US"/>
-            </a:p>
-          </p:txBody>
-        </p:sp>
-        <p:sp>
-          <p:nvSpPr>
-            <p:cNvPr id="6" name="Rectangle 5"/>
-            <p:cNvSpPr/>
-            <p:nvPr/>
-          </p:nvSpPr>
-          <p:spPr>
-            <a:xfrm>
-              <a:off x="1583278" y="2959652"/>
-              <a:ext cx="6195256" cy="2584173"/>
-            </a:xfrm>
-            <a:prstGeom prst="rect">
-              <a:avLst/>
-            </a:prstGeom>
-            <a:solidFill>
-              <a:srgbClr val="FF0000"/>
-            </a:solidFill>
-            <a:ln>
-              <a:solidFill>
-                <a:srgbClr val="FF0000"/>
-              </a:solidFill>
-            </a:ln>
-            <a:effectLst/>
-          </p:spPr>
-          <p:style>
-            <a:lnRef idx="1">
-              <a:schemeClr val="accent1"/>
-            </a:lnRef>
-            <a:fillRef idx="3">
-              <a:schemeClr val="accent1"/>
-            </a:fillRef>
-            <a:effectRef idx="2">
-              <a:schemeClr val="accent1"/>
-            </a:effectRef>
-            <a:fontRef idx="minor">
-              <a:schemeClr val="lt1"/>
-            </a:fontRef>
-          </p:style>
-          <p:txBody>
-            <a:bodyPr rtlCol="0" anchor="ctr"/>
-            <a:lstStyle/>
-            <a:p>
-              <a:pPr algn="ctr"/>
-              <a:endParaRPr lang="en-US"/>
-            </a:p>
-          </p:txBody>
-        </p:sp>
-        <p:grpSp>
-          <p:nvGrpSpPr>
-            <p:cNvPr id="9" name="Group 8"/>
-            <p:cNvGrpSpPr>
-              <a:grpSpLocks noChangeAspect="1"/>
-            </p:cNvGrpSpPr>
-            <p:nvPr/>
-          </p:nvGrpSpPr>
-          <p:grpSpPr>
-            <a:xfrm>
-              <a:off x="1583277" y="5543824"/>
-              <a:ext cx="2560320" cy="1280161"/>
-              <a:chOff x="1583277" y="5543824"/>
-              <a:chExt cx="2224594" cy="1112298"/>
-            </a:xfrm>
-          </p:grpSpPr>
-          <p:sp>
-            <p:nvSpPr>
-              <p:cNvPr id="7" name="Right Triangle 6"/>
-              <p:cNvSpPr/>
-              <p:nvPr/>
-            </p:nvSpPr>
-            <p:spPr>
-              <a:xfrm rot="5400000">
-                <a:off x="1583277" y="5543824"/>
-                <a:ext cx="1112297" cy="1112297"/>
-              </a:xfrm>
-              <a:prstGeom prst="rtTriangle">
-                <a:avLst/>
-              </a:prstGeom>
-              <a:solidFill>
-                <a:srgbClr val="FF0000"/>
-              </a:solidFill>
-              <a:ln>
-                <a:solidFill>
-                  <a:srgbClr val="FF0000"/>
-                </a:solidFill>
-              </a:ln>
-              <a:effectLst/>
-            </p:spPr>
-            <p:style>
-              <a:lnRef idx="1">
-                <a:schemeClr val="accent1"/>
-              </a:lnRef>
-              <a:fillRef idx="3">
-                <a:schemeClr val="accent1"/>
-              </a:fillRef>
-              <a:effectRef idx="2">
-                <a:schemeClr val="accent1"/>
-              </a:effectRef>
-              <a:fontRef idx="minor">
-                <a:schemeClr val="lt1"/>
-              </a:fontRef>
-            </p:style>
-            <p:txBody>
-              <a:bodyPr rtlCol="0" anchor="ctr"/>
-              <a:lstStyle/>
-              <a:p>
-                <a:pPr algn="ctr"/>
-                <a:endParaRPr lang="en-US"/>
-              </a:p>
-            </p:txBody>
-          </p:sp>
-          <p:sp>
-            <p:nvSpPr>
-              <p:cNvPr id="8" name="Right Triangle 7"/>
-              <p:cNvSpPr/>
-              <p:nvPr/>
-            </p:nvSpPr>
-            <p:spPr>
-              <a:xfrm rot="10800000">
-                <a:off x="2695574" y="5543825"/>
-                <a:ext cx="1112297" cy="1112297"/>
-              </a:xfrm>
-              <a:prstGeom prst="rtTriangle">
-                <a:avLst/>
-              </a:prstGeom>
-              <a:solidFill>
-                <a:srgbClr val="FF0000"/>
-              </a:solidFill>
-              <a:ln>
-                <a:solidFill>
-                  <a:srgbClr val="FF0000"/>
-                </a:solidFill>
-              </a:ln>
-              <a:effectLst/>
-            </p:spPr>
-            <p:style>
-              <a:lnRef idx="1">
-                <a:schemeClr val="accent1"/>
-              </a:lnRef>
-              <a:fillRef idx="3">
-                <a:schemeClr val="accent1"/>
-              </a:fillRef>
-              <a:effectRef idx="2">
-                <a:schemeClr val="accent1"/>
-              </a:effectRef>
-              <a:fontRef idx="minor">
-                <a:schemeClr val="lt1"/>
-              </a:fontRef>
-            </p:style>
-            <p:txBody>
-              <a:bodyPr rtlCol="0" anchor="ctr"/>
-              <a:lstStyle/>
-              <a:p>
-                <a:pPr algn="ctr"/>
-                <a:endParaRPr lang="en-US"/>
-              </a:p>
-            </p:txBody>
-          </p:sp>
-        </p:grpSp>
-        <p:grpSp>
-          <p:nvGrpSpPr>
-            <p:cNvPr id="10" name="Group 9"/>
-            <p:cNvGrpSpPr>
-              <a:grpSpLocks noChangeAspect="1"/>
-            </p:cNvGrpSpPr>
-            <p:nvPr/>
-          </p:nvGrpSpPr>
-          <p:grpSpPr>
-            <a:xfrm>
-              <a:off x="5218214" y="5548346"/>
-              <a:ext cx="2560320" cy="1280161"/>
-              <a:chOff x="1583277" y="5543824"/>
-              <a:chExt cx="2224594" cy="1112298"/>
-            </a:xfrm>
-          </p:grpSpPr>
-          <p:sp>
-            <p:nvSpPr>
-              <p:cNvPr id="11" name="Right Triangle 10"/>
-              <p:cNvSpPr/>
-              <p:nvPr/>
-            </p:nvSpPr>
-            <p:spPr>
-              <a:xfrm rot="5400000">
-                <a:off x="1583277" y="5543824"/>
-                <a:ext cx="1112297" cy="1112297"/>
-              </a:xfrm>
-              <a:prstGeom prst="rtTriangle">
-                <a:avLst/>
-              </a:prstGeom>
-              <a:solidFill>
-                <a:srgbClr val="FF0000"/>
-              </a:solidFill>
-              <a:ln>
-                <a:solidFill>
-                  <a:srgbClr val="FF0000"/>
-                </a:solidFill>
-              </a:ln>
-              <a:effectLst/>
-            </p:spPr>
-            <p:style>
-              <a:lnRef idx="1">
-                <a:schemeClr val="accent1"/>
-              </a:lnRef>
-              <a:fillRef idx="3">
-                <a:schemeClr val="accent1"/>
-              </a:fillRef>
-              <a:effectRef idx="2">
-                <a:schemeClr val="accent1"/>
-              </a:effectRef>
-              <a:fontRef idx="minor">
-                <a:schemeClr val="lt1"/>
-              </a:fontRef>
-            </p:style>
-            <p:txBody>
-              <a:bodyPr rtlCol="0" anchor="ctr"/>
-              <a:lstStyle/>
-              <a:p>
-                <a:pPr algn="ctr"/>
-                <a:endParaRPr lang="en-US"/>
-              </a:p>
-            </p:txBody>
-          </p:sp>
-          <p:sp>
-            <p:nvSpPr>
-              <p:cNvPr id="12" name="Right Triangle 11"/>
-              <p:cNvSpPr/>
-              <p:nvPr/>
-            </p:nvSpPr>
-            <p:spPr>
-              <a:xfrm rot="10800000">
-                <a:off x="2695574" y="5543825"/>
-                <a:ext cx="1112297" cy="1112297"/>
-              </a:xfrm>
-              <a:prstGeom prst="rtTriangle">
-                <a:avLst/>
-              </a:prstGeom>
-              <a:solidFill>
-                <a:srgbClr val="FF0000"/>
-              </a:solidFill>
-              <a:ln>
-                <a:solidFill>
-                  <a:srgbClr val="FF0000"/>
-                </a:solidFill>
-              </a:ln>
-              <a:effectLst/>
-            </p:spPr>
-            <p:style>
-              <a:lnRef idx="1">
-                <a:schemeClr val="accent1"/>
-              </a:lnRef>
-              <a:fillRef idx="3">
-                <a:schemeClr val="accent1"/>
-              </a:fillRef>
-              <a:effectRef idx="2">
-                <a:schemeClr val="accent1"/>
-              </a:effectRef>
-              <a:fontRef idx="minor">
-                <a:schemeClr val="lt1"/>
-              </a:fontRef>
-            </p:style>
-            <p:txBody>
-              <a:bodyPr rtlCol="0" anchor="ctr"/>
-              <a:lstStyle/>
-              <a:p>
-                <a:pPr algn="ctr"/>
-                <a:endParaRPr lang="en-US"/>
-              </a:p>
-            </p:txBody>
-          </p:sp>
-        </p:grpSp>
-      </p:grpSp>
-    </p:spTree>
-    <p:extLst>
-      <p:ext uri="{BB962C8B-B14F-4D97-AF65-F5344CB8AC3E}">
-        <p14:creationId xmlns:p14="http://schemas.microsoft.com/office/powerpoint/2010/main" val="710897636"/>
-      </p:ext>
-    </p:extLst>
-  </p:cSld>
-  <p:clrMapOvr>
-    <a:masterClrMapping/>
-  </p:clrMapOvr>
-  <p:timing>
-    <p:tnLst>
-      <p:par>
-        <p:cTn xmlns:p14="http://schemas.microsoft.com/office/powerpoint/2010/main" id="1" dur="indefinite" restart="never" nodeType="tmRoot"/>
-      </p:par>
-    </p:tnLst>
-  </p:timing>
-</p:sld>
-</file>
-
-<file path=ppt/slides/slide5.xml><?xml version="1.0" encoding="utf-8"?>
-<p:sld xmlns:a="http://schemas.openxmlformats.org/drawingml/2006/main" xmlns:r="http://schemas.openxmlformats.org/officeDocument/2006/relationships" xmlns:p="http://schemas.openxmlformats.org/presentationml/2006/main">
-  <p:cSld>
-    <p:spTree>
-      <p:nvGrpSpPr>
-        <p:cNvPr id="1" name=""/>
-        <p:cNvGrpSpPr/>
-        <p:nvPr/>
-      </p:nvGrpSpPr>
-      <p:grpSpPr>
-        <a:xfrm>
-          <a:off x="0" y="0"/>
-          <a:ext cx="0" cy="0"/>
-          <a:chOff x="0" y="0"/>
-          <a:chExt cx="0" cy="0"/>
-        </a:xfrm>
-      </p:grpSpPr>
-      <p:pic>
-        <p:nvPicPr>
-          <p:cNvPr id="2" name="Picture 1"/>
-          <p:cNvPicPr>
-            <a:picLocks noChangeAspect="1"/>
-          </p:cNvPicPr>
-          <p:nvPr/>
-        </p:nvPicPr>
-        <p:blipFill rotWithShape="1">
-          <a:blip r:embed="rId2"/>
-          <a:srcRect l="25362" t="23833" r="26650" b="29790"/>
-          <a:stretch/>
-        </p:blipFill>
-        <p:spPr>
-          <a:xfrm>
-            <a:off x="9542815" y="-226778"/>
-            <a:ext cx="7089913" cy="6852000"/>
-          </a:xfrm>
-          <a:prstGeom prst="rect">
-            <a:avLst/>
-          </a:prstGeom>
-        </p:spPr>
-      </p:pic>
-      <p:grpSp>
-        <p:nvGrpSpPr>
-          <p:cNvPr id="13" name="Group 12"/>
-          <p:cNvGrpSpPr>
-            <a:grpSpLocks noChangeAspect="1"/>
-          </p:cNvGrpSpPr>
-          <p:nvPr/>
-        </p:nvGrpSpPr>
-        <p:grpSpPr>
-          <a:xfrm>
-            <a:off x="1496057" y="36424"/>
-            <a:ext cx="6059638" cy="6822218"/>
-            <a:chOff x="1583277" y="-146397"/>
-            <a:chExt cx="6195257" cy="6974904"/>
-          </a:xfrm>
-          <a:solidFill>
-            <a:srgbClr val="2BE8DC"/>
-          </a:solidFill>
-        </p:grpSpPr>
-        <p:sp>
-          <p:nvSpPr>
-            <p:cNvPr id="5" name="Chord 4"/>
-            <p:cNvSpPr>
-              <a:spLocks noChangeAspect="1"/>
-            </p:cNvSpPr>
-            <p:nvPr/>
-          </p:nvSpPr>
-          <p:spPr>
-            <a:xfrm rot="5400000">
-              <a:off x="1583278" y="-146397"/>
-              <a:ext cx="6195256" cy="6195256"/>
-            </a:xfrm>
-            <a:prstGeom prst="chord">
-              <a:avLst>
-                <a:gd name="adj1" fmla="val 5396808"/>
-                <a:gd name="adj2" fmla="val 16200000"/>
-              </a:avLst>
-            </a:prstGeom>
-            <a:grpFill/>
-            <a:ln>
-              <a:solidFill>
-                <a:srgbClr val="2BE8DC"/>
-              </a:solidFill>
-            </a:ln>
-            <a:effectLst/>
-          </p:spPr>
-          <p:style>
-            <a:lnRef idx="1">
-              <a:schemeClr val="accent1"/>
-            </a:lnRef>
-            <a:fillRef idx="3">
-              <a:schemeClr val="accent1"/>
-            </a:fillRef>
-            <a:effectRef idx="2">
-              <a:schemeClr val="accent1"/>
-            </a:effectRef>
-            <a:fontRef idx="minor">
-              <a:schemeClr val="lt1"/>
-            </a:fontRef>
-          </p:style>
-          <p:txBody>
-            <a:bodyPr rtlCol="0" anchor="ctr"/>
-            <a:lstStyle/>
-            <a:p>
-              <a:pPr algn="ctr"/>
-              <a:endParaRPr lang="en-US"/>
-            </a:p>
-          </p:txBody>
-        </p:sp>
-        <p:sp>
-          <p:nvSpPr>
-            <p:cNvPr id="6" name="Rectangle 5"/>
-            <p:cNvSpPr/>
-            <p:nvPr/>
-          </p:nvSpPr>
-          <p:spPr>
-            <a:xfrm>
-              <a:off x="1583278" y="2959652"/>
-              <a:ext cx="6195256" cy="2584173"/>
-            </a:xfrm>
-            <a:prstGeom prst="rect">
-              <a:avLst/>
-            </a:prstGeom>
-            <a:grpFill/>
-            <a:ln>
-              <a:solidFill>
-                <a:srgbClr val="2BE8DC"/>
-              </a:solidFill>
-            </a:ln>
-            <a:effectLst/>
-          </p:spPr>
-          <p:style>
-            <a:lnRef idx="1">
-              <a:schemeClr val="accent1"/>
-            </a:lnRef>
-            <a:fillRef idx="3">
-              <a:schemeClr val="accent1"/>
-            </a:fillRef>
-            <a:effectRef idx="2">
-              <a:schemeClr val="accent1"/>
-            </a:effectRef>
-            <a:fontRef idx="minor">
-              <a:schemeClr val="lt1"/>
-            </a:fontRef>
-          </p:style>
-          <p:txBody>
-            <a:bodyPr rtlCol="0" anchor="ctr"/>
-            <a:lstStyle/>
-            <a:p>
-              <a:pPr algn="ctr"/>
-              <a:endParaRPr lang="en-US"/>
-            </a:p>
-          </p:txBody>
-        </p:sp>
-        <p:grpSp>
-          <p:nvGrpSpPr>
-            <p:cNvPr id="9" name="Group 8"/>
-            <p:cNvGrpSpPr>
-              <a:grpSpLocks noChangeAspect="1"/>
-            </p:cNvGrpSpPr>
-            <p:nvPr/>
-          </p:nvGrpSpPr>
-          <p:grpSpPr>
-            <a:xfrm>
-              <a:off x="1583277" y="5543824"/>
-              <a:ext cx="2560320" cy="1280161"/>
-              <a:chOff x="1583277" y="5543824"/>
-              <a:chExt cx="2224594" cy="1112298"/>
-            </a:xfrm>
-            <a:grpFill/>
-          </p:grpSpPr>
-          <p:sp>
-            <p:nvSpPr>
-              <p:cNvPr id="7" name="Right Triangle 6"/>
-              <p:cNvSpPr/>
-              <p:nvPr/>
-            </p:nvSpPr>
-            <p:spPr>
-              <a:xfrm rot="5400000">
-                <a:off x="1583277" y="5543824"/>
-                <a:ext cx="1112297" cy="1112297"/>
-              </a:xfrm>
-              <a:prstGeom prst="rtTriangle">
-                <a:avLst/>
-              </a:prstGeom>
-              <a:grpFill/>
-              <a:ln>
-                <a:solidFill>
-                  <a:srgbClr val="2BE8DC"/>
-                </a:solidFill>
-              </a:ln>
-              <a:effectLst/>
-            </p:spPr>
-            <p:style>
-              <a:lnRef idx="1">
-                <a:schemeClr val="accent1"/>
-              </a:lnRef>
-              <a:fillRef idx="3">
-                <a:schemeClr val="accent1"/>
-              </a:fillRef>
-              <a:effectRef idx="2">
-                <a:schemeClr val="accent1"/>
-              </a:effectRef>
-              <a:fontRef idx="minor">
-                <a:schemeClr val="lt1"/>
-              </a:fontRef>
-            </p:style>
-            <p:txBody>
-              <a:bodyPr rtlCol="0" anchor="ctr"/>
-              <a:lstStyle/>
-              <a:p>
-                <a:pPr algn="ctr"/>
-                <a:endParaRPr lang="en-US"/>
-              </a:p>
-            </p:txBody>
-          </p:sp>
-          <p:sp>
-            <p:nvSpPr>
-              <p:cNvPr id="8" name="Right Triangle 7"/>
-              <p:cNvSpPr/>
-              <p:nvPr/>
-            </p:nvSpPr>
-            <p:spPr>
-              <a:xfrm rot="10800000">
-                <a:off x="2695574" y="5543825"/>
-                <a:ext cx="1112297" cy="1112297"/>
-              </a:xfrm>
-              <a:prstGeom prst="rtTriangle">
-                <a:avLst/>
-              </a:prstGeom>
-              <a:grpFill/>
-              <a:ln>
-                <a:solidFill>
-                  <a:srgbClr val="2BE8DC"/>
-                </a:solidFill>
-              </a:ln>
-              <a:effectLst/>
-            </p:spPr>
-            <p:style>
-              <a:lnRef idx="1">
-                <a:schemeClr val="accent1"/>
-              </a:lnRef>
-              <a:fillRef idx="3">
-                <a:schemeClr val="accent1"/>
-              </a:fillRef>
-              <a:effectRef idx="2">
-                <a:schemeClr val="accent1"/>
-              </a:effectRef>
-              <a:fontRef idx="minor">
-                <a:schemeClr val="lt1"/>
-              </a:fontRef>
-            </p:style>
-            <p:txBody>
-              <a:bodyPr rtlCol="0" anchor="ctr"/>
-              <a:lstStyle/>
-              <a:p>
-                <a:pPr algn="ctr"/>
-                <a:endParaRPr lang="en-US"/>
-              </a:p>
-            </p:txBody>
-          </p:sp>
-        </p:grpSp>
-        <p:grpSp>
-          <p:nvGrpSpPr>
-            <p:cNvPr id="10" name="Group 9"/>
-            <p:cNvGrpSpPr>
-              <a:grpSpLocks noChangeAspect="1"/>
-            </p:cNvGrpSpPr>
-            <p:nvPr/>
-          </p:nvGrpSpPr>
-          <p:grpSpPr>
-            <a:xfrm>
-              <a:off x="5218214" y="5548346"/>
-              <a:ext cx="2560320" cy="1280161"/>
-              <a:chOff x="1583277" y="5543824"/>
-              <a:chExt cx="2224594" cy="1112298"/>
-            </a:xfrm>
-            <a:grpFill/>
-          </p:grpSpPr>
-          <p:sp>
-            <p:nvSpPr>
-              <p:cNvPr id="11" name="Right Triangle 10"/>
-              <p:cNvSpPr/>
-              <p:nvPr/>
-            </p:nvSpPr>
-            <p:spPr>
-              <a:xfrm rot="5400000">
-                <a:off x="1583277" y="5543824"/>
-                <a:ext cx="1112297" cy="1112297"/>
-              </a:xfrm>
-              <a:prstGeom prst="rtTriangle">
-                <a:avLst/>
-              </a:prstGeom>
-              <a:grpFill/>
-              <a:ln>
-                <a:solidFill>
-                  <a:srgbClr val="2BE8DC"/>
-                </a:solidFill>
-              </a:ln>
-              <a:effectLst/>
-            </p:spPr>
-            <p:style>
-              <a:lnRef idx="1">
-                <a:schemeClr val="accent1"/>
-              </a:lnRef>
-              <a:fillRef idx="3">
-                <a:schemeClr val="accent1"/>
-              </a:fillRef>
-              <a:effectRef idx="2">
-                <a:schemeClr val="accent1"/>
-              </a:effectRef>
-              <a:fontRef idx="minor">
-                <a:schemeClr val="lt1"/>
-              </a:fontRef>
-            </p:style>
-            <p:txBody>
-              <a:bodyPr rtlCol="0" anchor="ctr"/>
-              <a:lstStyle/>
-              <a:p>
-                <a:pPr algn="ctr"/>
-                <a:endParaRPr lang="en-US"/>
-              </a:p>
-            </p:txBody>
-          </p:sp>
-          <p:sp>
-            <p:nvSpPr>
-              <p:cNvPr id="12" name="Right Triangle 11"/>
-              <p:cNvSpPr/>
-              <p:nvPr/>
-            </p:nvSpPr>
-            <p:spPr>
-              <a:xfrm rot="10800000">
-                <a:off x="2695574" y="5543825"/>
-                <a:ext cx="1112297" cy="1112297"/>
-              </a:xfrm>
-              <a:prstGeom prst="rtTriangle">
-                <a:avLst/>
-              </a:prstGeom>
-              <a:grpFill/>
-              <a:ln>
-                <a:solidFill>
-                  <a:srgbClr val="2BE8DC"/>
-                </a:solidFill>
-              </a:ln>
-              <a:effectLst/>
-            </p:spPr>
-            <p:style>
-              <a:lnRef idx="1">
-                <a:schemeClr val="accent1"/>
-              </a:lnRef>
-              <a:fillRef idx="3">
-                <a:schemeClr val="accent1"/>
-              </a:fillRef>
-              <a:effectRef idx="2">
-                <a:schemeClr val="accent1"/>
-              </a:effectRef>
-              <a:fontRef idx="minor">
-                <a:schemeClr val="lt1"/>
-              </a:fontRef>
-            </p:style>
-            <p:txBody>
-              <a:bodyPr rtlCol="0" anchor="ctr"/>
-              <a:lstStyle/>
-              <a:p>
-                <a:pPr algn="ctr"/>
-                <a:endParaRPr lang="en-US"/>
-              </a:p>
-            </p:txBody>
-          </p:sp>
-        </p:grpSp>
-      </p:grpSp>
-    </p:spTree>
-    <p:extLst>
-      <p:ext uri="{BB962C8B-B14F-4D97-AF65-F5344CB8AC3E}">
-        <p14:creationId xmlns:p14="http://schemas.microsoft.com/office/powerpoint/2010/main" val="3724331711"/>
-      </p:ext>
-    </p:extLst>
-  </p:cSld>
-  <p:clrMapOvr>
-    <a:masterClrMapping/>
-  </p:clrMapOvr>
-  <p:timing>
-    <p:tnLst>
-      <p:par>
-        <p:cTn xmlns:p14="http://schemas.microsoft.com/office/powerpoint/2010/main" id="1" dur="indefinite" restart="never" nodeType="tmRoot"/>
-      </p:par>
-    </p:tnLst>
-  </p:timing>
-</p:sld>
-</file>
-
-<file path=ppt/slides/slide6.xml><?xml version="1.0" encoding="utf-8"?>
-<p:sld xmlns:a="http://schemas.openxmlformats.org/drawingml/2006/main" xmlns:r="http://schemas.openxmlformats.org/officeDocument/2006/relationships" xmlns:p="http://schemas.openxmlformats.org/presentationml/2006/main">
-  <p:cSld>
-    <p:spTree>
-      <p:nvGrpSpPr>
-        <p:cNvPr id="1" name=""/>
-        <p:cNvGrpSpPr/>
-        <p:nvPr/>
-      </p:nvGrpSpPr>
-      <p:grpSpPr>
-        <a:xfrm>
-          <a:off x="0" y="0"/>
-          <a:ext cx="0" cy="0"/>
-          <a:chOff x="0" y="0"/>
-          <a:chExt cx="0" cy="0"/>
-        </a:xfrm>
-      </p:grpSpPr>
-      <p:pic>
-        <p:nvPicPr>
-          <p:cNvPr id="2" name="Picture 1"/>
-          <p:cNvPicPr>
-            <a:picLocks noChangeAspect="1"/>
-          </p:cNvPicPr>
-          <p:nvPr/>
-        </p:nvPicPr>
-        <p:blipFill rotWithShape="1">
-          <a:blip r:embed="rId2"/>
-          <a:srcRect l="25362" t="23833" r="26650" b="29790"/>
-          <a:stretch/>
-        </p:blipFill>
-        <p:spPr>
-          <a:xfrm>
-            <a:off x="9542815" y="-226778"/>
-            <a:ext cx="7089913" cy="6852000"/>
-          </a:xfrm>
-          <a:prstGeom prst="rect">
-            <a:avLst/>
-          </a:prstGeom>
-        </p:spPr>
-      </p:pic>
-      <p:grpSp>
-        <p:nvGrpSpPr>
-          <p:cNvPr id="13" name="Group 12"/>
-          <p:cNvGrpSpPr>
-            <a:grpSpLocks noChangeAspect="1"/>
-          </p:cNvGrpSpPr>
-          <p:nvPr/>
-        </p:nvGrpSpPr>
-        <p:grpSpPr>
-          <a:xfrm>
-            <a:off x="1496057" y="36424"/>
-            <a:ext cx="6059638" cy="6822218"/>
-            <a:chOff x="1583277" y="-146397"/>
-            <a:chExt cx="6195257" cy="6974904"/>
-          </a:xfrm>
-          <a:solidFill>
-            <a:srgbClr val="FFCE23"/>
-          </a:solidFill>
-        </p:grpSpPr>
-        <p:sp>
-          <p:nvSpPr>
-            <p:cNvPr id="5" name="Chord 4"/>
-            <p:cNvSpPr>
-              <a:spLocks noChangeAspect="1"/>
-            </p:cNvSpPr>
-            <p:nvPr/>
-          </p:nvSpPr>
-          <p:spPr>
-            <a:xfrm rot="5400000">
-              <a:off x="1583278" y="-146397"/>
-              <a:ext cx="6195256" cy="6195256"/>
-            </a:xfrm>
-            <a:prstGeom prst="chord">
-              <a:avLst>
-                <a:gd name="adj1" fmla="val 5396808"/>
-                <a:gd name="adj2" fmla="val 16200000"/>
-              </a:avLst>
-            </a:prstGeom>
-            <a:grpFill/>
-            <a:ln>
-              <a:solidFill>
-                <a:srgbClr val="FFCE23"/>
-              </a:solidFill>
-            </a:ln>
-            <a:effectLst/>
-          </p:spPr>
-          <p:style>
-            <a:lnRef idx="1">
-              <a:schemeClr val="accent1"/>
-            </a:lnRef>
-            <a:fillRef idx="3">
-              <a:schemeClr val="accent1"/>
-            </a:fillRef>
-            <a:effectRef idx="2">
-              <a:schemeClr val="accent1"/>
-            </a:effectRef>
-            <a:fontRef idx="minor">
-              <a:schemeClr val="lt1"/>
-            </a:fontRef>
-          </p:style>
-          <p:txBody>
-            <a:bodyPr rtlCol="0" anchor="ctr"/>
-            <a:lstStyle/>
-            <a:p>
-              <a:pPr algn="ctr"/>
-              <a:endParaRPr lang="en-US"/>
-            </a:p>
-          </p:txBody>
-        </p:sp>
-        <p:sp>
-          <p:nvSpPr>
-            <p:cNvPr id="6" name="Rectangle 5"/>
-            <p:cNvSpPr/>
-            <p:nvPr/>
-          </p:nvSpPr>
-          <p:spPr>
-            <a:xfrm>
-              <a:off x="1583278" y="2959652"/>
-              <a:ext cx="6195256" cy="2584173"/>
-            </a:xfrm>
-            <a:prstGeom prst="rect">
-              <a:avLst/>
-            </a:prstGeom>
-            <a:grpFill/>
-            <a:ln>
-              <a:solidFill>
-                <a:srgbClr val="FFCE23"/>
-              </a:solidFill>
-            </a:ln>
-            <a:effectLst/>
-          </p:spPr>
-          <p:style>
-            <a:lnRef idx="1">
-              <a:schemeClr val="accent1"/>
-            </a:lnRef>
-            <a:fillRef idx="3">
-              <a:schemeClr val="accent1"/>
-            </a:fillRef>
-            <a:effectRef idx="2">
-              <a:schemeClr val="accent1"/>
-            </a:effectRef>
-            <a:fontRef idx="minor">
-              <a:schemeClr val="lt1"/>
-            </a:fontRef>
-          </p:style>
-          <p:txBody>
-            <a:bodyPr rtlCol="0" anchor="ctr"/>
-            <a:lstStyle/>
-            <a:p>
-              <a:pPr algn="ctr"/>
-              <a:endParaRPr lang="en-US"/>
-            </a:p>
-          </p:txBody>
-        </p:sp>
-        <p:grpSp>
-          <p:nvGrpSpPr>
-            <p:cNvPr id="9" name="Group 8"/>
-            <p:cNvGrpSpPr>
-              <a:grpSpLocks noChangeAspect="1"/>
-            </p:cNvGrpSpPr>
-            <p:nvPr/>
-          </p:nvGrpSpPr>
-          <p:grpSpPr>
-            <a:xfrm>
-              <a:off x="1583277" y="5543824"/>
-              <a:ext cx="2560320" cy="1280161"/>
-              <a:chOff x="1583277" y="5543824"/>
-              <a:chExt cx="2224594" cy="1112298"/>
-            </a:xfrm>
-            <a:grpFill/>
-          </p:grpSpPr>
-          <p:sp>
-            <p:nvSpPr>
-              <p:cNvPr id="7" name="Right Triangle 6"/>
-              <p:cNvSpPr/>
-              <p:nvPr/>
-            </p:nvSpPr>
-            <p:spPr>
-              <a:xfrm rot="5400000">
-                <a:off x="1583277" y="5543824"/>
-                <a:ext cx="1112297" cy="1112297"/>
-              </a:xfrm>
-              <a:prstGeom prst="rtTriangle">
-                <a:avLst/>
-              </a:prstGeom>
-              <a:grpFill/>
-              <a:ln>
-                <a:solidFill>
-                  <a:srgbClr val="FFCE23"/>
-                </a:solidFill>
-              </a:ln>
-              <a:effectLst/>
-            </p:spPr>
-            <p:style>
-              <a:lnRef idx="1">
-                <a:schemeClr val="accent1"/>
-              </a:lnRef>
-              <a:fillRef idx="3">
-                <a:schemeClr val="accent1"/>
-              </a:fillRef>
-              <a:effectRef idx="2">
-                <a:schemeClr val="accent1"/>
-              </a:effectRef>
-              <a:fontRef idx="minor">
-                <a:schemeClr val="lt1"/>
-              </a:fontRef>
-            </p:style>
-            <p:txBody>
-              <a:bodyPr rtlCol="0" anchor="ctr"/>
-              <a:lstStyle/>
-              <a:p>
-                <a:pPr algn="ctr"/>
-                <a:endParaRPr lang="en-US"/>
-              </a:p>
-            </p:txBody>
-          </p:sp>
-          <p:sp>
-            <p:nvSpPr>
-              <p:cNvPr id="8" name="Right Triangle 7"/>
-              <p:cNvSpPr/>
-              <p:nvPr/>
-            </p:nvSpPr>
-            <p:spPr>
-              <a:xfrm rot="10800000">
-                <a:off x="2695574" y="5543825"/>
-                <a:ext cx="1112297" cy="1112297"/>
-              </a:xfrm>
-              <a:prstGeom prst="rtTriangle">
-                <a:avLst/>
-              </a:prstGeom>
-              <a:grpFill/>
-              <a:ln>
-                <a:solidFill>
-                  <a:srgbClr val="FFCE23"/>
-                </a:solidFill>
-              </a:ln>
-              <a:effectLst/>
-            </p:spPr>
-            <p:style>
-              <a:lnRef idx="1">
-                <a:schemeClr val="accent1"/>
-              </a:lnRef>
-              <a:fillRef idx="3">
-                <a:schemeClr val="accent1"/>
-              </a:fillRef>
-              <a:effectRef idx="2">
-                <a:schemeClr val="accent1"/>
-              </a:effectRef>
-              <a:fontRef idx="minor">
-                <a:schemeClr val="lt1"/>
-              </a:fontRef>
-            </p:style>
-            <p:txBody>
-              <a:bodyPr rtlCol="0" anchor="ctr"/>
-              <a:lstStyle/>
-              <a:p>
-                <a:pPr algn="ctr"/>
-                <a:endParaRPr lang="en-US"/>
-              </a:p>
-            </p:txBody>
-          </p:sp>
-        </p:grpSp>
-        <p:grpSp>
-          <p:nvGrpSpPr>
-            <p:cNvPr id="10" name="Group 9"/>
-            <p:cNvGrpSpPr>
-              <a:grpSpLocks noChangeAspect="1"/>
-            </p:cNvGrpSpPr>
-            <p:nvPr/>
-          </p:nvGrpSpPr>
-          <p:grpSpPr>
-            <a:xfrm>
-              <a:off x="5218214" y="5548346"/>
-              <a:ext cx="2560320" cy="1280161"/>
-              <a:chOff x="1583277" y="5543824"/>
-              <a:chExt cx="2224594" cy="1112298"/>
-            </a:xfrm>
-            <a:grpFill/>
-          </p:grpSpPr>
-          <p:sp>
-            <p:nvSpPr>
-              <p:cNvPr id="11" name="Right Triangle 10"/>
-              <p:cNvSpPr/>
-              <p:nvPr/>
-            </p:nvSpPr>
-            <p:spPr>
-              <a:xfrm rot="5400000">
-                <a:off x="1583277" y="5543824"/>
-                <a:ext cx="1112297" cy="1112297"/>
-              </a:xfrm>
-              <a:prstGeom prst="rtTriangle">
-                <a:avLst/>
-              </a:prstGeom>
-              <a:grpFill/>
-              <a:ln>
-                <a:solidFill>
-                  <a:srgbClr val="FFCE23"/>
-                </a:solidFill>
-              </a:ln>
-              <a:effectLst/>
-            </p:spPr>
-            <p:style>
-              <a:lnRef idx="1">
-                <a:schemeClr val="accent1"/>
-              </a:lnRef>
-              <a:fillRef idx="3">
-                <a:schemeClr val="accent1"/>
-              </a:fillRef>
-              <a:effectRef idx="2">
-                <a:schemeClr val="accent1"/>
-              </a:effectRef>
-              <a:fontRef idx="minor">
-                <a:schemeClr val="lt1"/>
-              </a:fontRef>
-            </p:style>
-            <p:txBody>
-              <a:bodyPr rtlCol="0" anchor="ctr"/>
-              <a:lstStyle/>
-              <a:p>
-                <a:pPr algn="ctr"/>
-                <a:endParaRPr lang="en-US"/>
-              </a:p>
-            </p:txBody>
-          </p:sp>
-          <p:sp>
-            <p:nvSpPr>
-              <p:cNvPr id="12" name="Right Triangle 11"/>
-              <p:cNvSpPr/>
-              <p:nvPr/>
-            </p:nvSpPr>
-            <p:spPr>
-              <a:xfrm rot="10800000">
-                <a:off x="2695574" y="5543825"/>
-                <a:ext cx="1112297" cy="1112297"/>
-              </a:xfrm>
-              <a:prstGeom prst="rtTriangle">
-                <a:avLst/>
-              </a:prstGeom>
-              <a:grpFill/>
-              <a:ln>
-                <a:solidFill>
-                  <a:srgbClr val="FFCE23"/>
-                </a:solidFill>
-              </a:ln>
-              <a:effectLst/>
-            </p:spPr>
-            <p:style>
-              <a:lnRef idx="1">
-                <a:schemeClr val="accent1"/>
-              </a:lnRef>
-              <a:fillRef idx="3">
-                <a:schemeClr val="accent1"/>
-              </a:fillRef>
-              <a:effectRef idx="2">
-                <a:schemeClr val="accent1"/>
-              </a:effectRef>
-              <a:fontRef idx="minor">
-                <a:schemeClr val="lt1"/>
-              </a:fontRef>
-            </p:style>
-            <p:txBody>
-              <a:bodyPr rtlCol="0" anchor="ctr"/>
-              <a:lstStyle/>
-              <a:p>
-                <a:pPr algn="ctr"/>
-                <a:endParaRPr lang="en-US"/>
-              </a:p>
-            </p:txBody>
-          </p:sp>
-        </p:grpSp>
-      </p:grpSp>
-    </p:spTree>
-    <p:extLst>
-      <p:ext uri="{BB962C8B-B14F-4D97-AF65-F5344CB8AC3E}">
-        <p14:creationId xmlns:p14="http://schemas.microsoft.com/office/powerpoint/2010/main" val="2625621909"/>
-      </p:ext>
-    </p:extLst>
-  </p:cSld>
-  <p:clrMapOvr>
-    <a:masterClrMapping/>
-  </p:clrMapOvr>
-  <p:timing>
-    <p:tnLst>
-      <p:par>
-        <p:cTn xmlns:p14="http://schemas.microsoft.com/office/powerpoint/2010/main" id="1" dur="indefinite" restart="never" nodeType="tmRoot"/>
-      </p:par>
-    </p:tnLst>
-  </p:timing>
-</p:sld>
-</file>
-
-<file path=ppt/slides/slide7.xml><?xml version="1.0" encoding="utf-8"?>
+<file path=ppt/slides/slide10.xml><?xml version="1.0" encoding="utf-8"?>
 <p:sld xmlns:a="http://schemas.openxmlformats.org/drawingml/2006/main" xmlns:r="http://schemas.openxmlformats.org/officeDocument/2006/relationships" xmlns:p="http://schemas.openxmlformats.org/presentationml/2006/main">
   <p:cSld>
     <p:spTree>
@@ -5369,7 +4007,452 @@
 </p:sld>
 </file>
 
-<file path=ppt/slides/slide8.xml><?xml version="1.0" encoding="utf-8"?>
+<file path=ppt/slides/slide11.xml><?xml version="1.0" encoding="utf-8"?>
+<p:sld xmlns:a="http://schemas.openxmlformats.org/drawingml/2006/main" xmlns:r="http://schemas.openxmlformats.org/officeDocument/2006/relationships" xmlns:p="http://schemas.openxmlformats.org/presentationml/2006/main">
+  <p:cSld>
+    <p:spTree>
+      <p:nvGrpSpPr>
+        <p:cNvPr id="1" name=""/>
+        <p:cNvGrpSpPr/>
+        <p:nvPr/>
+      </p:nvGrpSpPr>
+      <p:grpSpPr>
+        <a:xfrm>
+          <a:off x="0" y="0"/>
+          <a:ext cx="0" cy="0"/>
+          <a:chOff x="0" y="0"/>
+          <a:chExt cx="0" cy="0"/>
+        </a:xfrm>
+      </p:grpSpPr>
+      <p:pic>
+        <p:nvPicPr>
+          <p:cNvPr id="2" name="Picture 1"/>
+          <p:cNvPicPr>
+            <a:picLocks noChangeAspect="1"/>
+          </p:cNvPicPr>
+          <p:nvPr/>
+        </p:nvPicPr>
+        <p:blipFill rotWithShape="1">
+          <a:blip r:embed="rId2"/>
+          <a:srcRect l="25362" t="23833" r="26650" b="29790"/>
+          <a:stretch/>
+        </p:blipFill>
+        <p:spPr>
+          <a:xfrm>
+            <a:off x="9542815" y="-226778"/>
+            <a:ext cx="7089913" cy="6852000"/>
+          </a:xfrm>
+          <a:prstGeom prst="rect">
+            <a:avLst/>
+          </a:prstGeom>
+        </p:spPr>
+      </p:pic>
+      <p:grpSp>
+        <p:nvGrpSpPr>
+          <p:cNvPr id="3" name="Group 2"/>
+          <p:cNvGrpSpPr>
+            <a:grpSpLocks noChangeAspect="1"/>
+          </p:cNvGrpSpPr>
+          <p:nvPr/>
+        </p:nvGrpSpPr>
+        <p:grpSpPr>
+          <a:xfrm>
+            <a:off x="1496058" y="36424"/>
+            <a:ext cx="6059637" cy="6825359"/>
+            <a:chOff x="1496058" y="36424"/>
+            <a:chExt cx="6059637" cy="6825359"/>
+          </a:xfrm>
+          <a:solidFill>
+            <a:srgbClr val="FF9E9E"/>
+          </a:solidFill>
+        </p:grpSpPr>
+        <p:sp>
+          <p:nvSpPr>
+            <p:cNvPr id="5" name="Chord 4"/>
+            <p:cNvSpPr>
+              <a:spLocks noChangeAspect="1"/>
+            </p:cNvSpPr>
+            <p:nvPr/>
+          </p:nvSpPr>
+          <p:spPr>
+            <a:xfrm rot="5400000">
+              <a:off x="1496058" y="36424"/>
+              <a:ext cx="6059637" cy="6059637"/>
+            </a:xfrm>
+            <a:prstGeom prst="chord">
+              <a:avLst>
+                <a:gd name="adj1" fmla="val 5396808"/>
+                <a:gd name="adj2" fmla="val 16200000"/>
+              </a:avLst>
+            </a:prstGeom>
+            <a:grpFill/>
+            <a:ln>
+              <a:solidFill>
+                <a:srgbClr val="FF9E9E"/>
+              </a:solidFill>
+            </a:ln>
+            <a:effectLst/>
+          </p:spPr>
+          <p:style>
+            <a:lnRef idx="1">
+              <a:schemeClr val="accent1"/>
+            </a:lnRef>
+            <a:fillRef idx="3">
+              <a:schemeClr val="accent1"/>
+            </a:fillRef>
+            <a:effectRef idx="2">
+              <a:schemeClr val="accent1"/>
+            </a:effectRef>
+            <a:fontRef idx="minor">
+              <a:schemeClr val="lt1"/>
+            </a:fontRef>
+          </p:style>
+          <p:txBody>
+            <a:bodyPr rtlCol="0" anchor="ctr"/>
+            <a:lstStyle/>
+            <a:p>
+              <a:pPr algn="ctr"/>
+              <a:endParaRPr lang="en-US"/>
+            </a:p>
+          </p:txBody>
+        </p:sp>
+        <p:sp>
+          <p:nvSpPr>
+            <p:cNvPr id="6" name="Rectangle 5"/>
+            <p:cNvSpPr/>
+            <p:nvPr/>
+          </p:nvSpPr>
+          <p:spPr>
+            <a:xfrm>
+              <a:off x="1496058" y="3074479"/>
+              <a:ext cx="6059637" cy="2527603"/>
+            </a:xfrm>
+            <a:prstGeom prst="rect">
+              <a:avLst/>
+            </a:prstGeom>
+            <a:grpFill/>
+            <a:ln>
+              <a:solidFill>
+                <a:srgbClr val="FF9E9E"/>
+              </a:solidFill>
+            </a:ln>
+            <a:effectLst/>
+          </p:spPr>
+          <p:style>
+            <a:lnRef idx="1">
+              <a:schemeClr val="accent1"/>
+            </a:lnRef>
+            <a:fillRef idx="3">
+              <a:schemeClr val="accent1"/>
+            </a:fillRef>
+            <a:effectRef idx="2">
+              <a:schemeClr val="accent1"/>
+            </a:effectRef>
+            <a:fontRef idx="minor">
+              <a:schemeClr val="lt1"/>
+            </a:fontRef>
+          </p:style>
+          <p:txBody>
+            <a:bodyPr rtlCol="0" anchor="ctr"/>
+            <a:lstStyle/>
+            <a:p>
+              <a:pPr algn="ctr"/>
+              <a:endParaRPr lang="en-US"/>
+            </a:p>
+          </p:txBody>
+        </p:sp>
+        <p:sp>
+          <p:nvSpPr>
+            <p:cNvPr id="8" name="Right Triangle 7"/>
+            <p:cNvSpPr/>
+            <p:nvPr/>
+          </p:nvSpPr>
+          <p:spPr>
+            <a:xfrm rot="10800000">
+              <a:off x="5544014" y="5605864"/>
+              <a:ext cx="1005840" cy="1252136"/>
+            </a:xfrm>
+            <a:prstGeom prst="rtTriangle">
+              <a:avLst/>
+            </a:prstGeom>
+            <a:grpFill/>
+            <a:ln>
+              <a:solidFill>
+                <a:srgbClr val="FF9E9E"/>
+              </a:solidFill>
+            </a:ln>
+            <a:effectLst/>
+          </p:spPr>
+          <p:style>
+            <a:lnRef idx="1">
+              <a:schemeClr val="accent1"/>
+            </a:lnRef>
+            <a:fillRef idx="3">
+              <a:schemeClr val="accent1"/>
+            </a:fillRef>
+            <a:effectRef idx="2">
+              <a:schemeClr val="accent1"/>
+            </a:effectRef>
+            <a:fontRef idx="minor">
+              <a:schemeClr val="lt1"/>
+            </a:fontRef>
+          </p:style>
+          <p:txBody>
+            <a:bodyPr rtlCol="0" anchor="ctr"/>
+            <a:lstStyle/>
+            <a:p>
+              <a:pPr algn="ctr"/>
+              <a:endParaRPr lang="en-US"/>
+            </a:p>
+          </p:txBody>
+        </p:sp>
+        <p:sp>
+          <p:nvSpPr>
+            <p:cNvPr id="11" name="Right Triangle 10"/>
+            <p:cNvSpPr/>
+            <p:nvPr/>
+          </p:nvSpPr>
+          <p:spPr>
+            <a:xfrm rot="5400000">
+              <a:off x="6426706" y="5725230"/>
+              <a:ext cx="1252136" cy="1005840"/>
+            </a:xfrm>
+            <a:prstGeom prst="rtTriangle">
+              <a:avLst/>
+            </a:prstGeom>
+            <a:grpFill/>
+            <a:ln>
+              <a:solidFill>
+                <a:srgbClr val="FF9E9E"/>
+              </a:solidFill>
+            </a:ln>
+            <a:effectLst/>
+          </p:spPr>
+          <p:style>
+            <a:lnRef idx="1">
+              <a:schemeClr val="accent1"/>
+            </a:lnRef>
+            <a:fillRef idx="3">
+              <a:schemeClr val="accent1"/>
+            </a:fillRef>
+            <a:effectRef idx="2">
+              <a:schemeClr val="accent1"/>
+            </a:effectRef>
+            <a:fontRef idx="minor">
+              <a:schemeClr val="lt1"/>
+            </a:fontRef>
+          </p:style>
+          <p:txBody>
+            <a:bodyPr rtlCol="0" anchor="ctr"/>
+            <a:lstStyle/>
+            <a:p>
+              <a:pPr algn="ctr"/>
+              <a:endParaRPr lang="en-US"/>
+            </a:p>
+          </p:txBody>
+        </p:sp>
+        <p:sp>
+          <p:nvSpPr>
+            <p:cNvPr id="17" name="Right Triangle 16"/>
+            <p:cNvSpPr/>
+            <p:nvPr/>
+          </p:nvSpPr>
+          <p:spPr>
+            <a:xfrm rot="10800000">
+              <a:off x="3522808" y="5606471"/>
+              <a:ext cx="1005840" cy="1252136"/>
+            </a:xfrm>
+            <a:prstGeom prst="rtTriangle">
+              <a:avLst/>
+            </a:prstGeom>
+            <a:grpFill/>
+            <a:ln>
+              <a:solidFill>
+                <a:srgbClr val="FF9E9E"/>
+              </a:solidFill>
+            </a:ln>
+            <a:effectLst/>
+          </p:spPr>
+          <p:style>
+            <a:lnRef idx="1">
+              <a:schemeClr val="accent1"/>
+            </a:lnRef>
+            <a:fillRef idx="3">
+              <a:schemeClr val="accent1"/>
+            </a:fillRef>
+            <a:effectRef idx="2">
+              <a:schemeClr val="accent1"/>
+            </a:effectRef>
+            <a:fontRef idx="minor">
+              <a:schemeClr val="lt1"/>
+            </a:fontRef>
+          </p:style>
+          <p:txBody>
+            <a:bodyPr rtlCol="0" anchor="ctr"/>
+            <a:lstStyle/>
+            <a:p>
+              <a:pPr algn="ctr"/>
+              <a:endParaRPr lang="en-US"/>
+            </a:p>
+          </p:txBody>
+        </p:sp>
+        <p:sp>
+          <p:nvSpPr>
+            <p:cNvPr id="18" name="Right Triangle 17"/>
+            <p:cNvSpPr/>
+            <p:nvPr/>
+          </p:nvSpPr>
+          <p:spPr>
+            <a:xfrm rot="5400000">
+              <a:off x="4405500" y="5725837"/>
+              <a:ext cx="1252136" cy="1005840"/>
+            </a:xfrm>
+            <a:prstGeom prst="rtTriangle">
+              <a:avLst/>
+            </a:prstGeom>
+            <a:grpFill/>
+            <a:ln>
+              <a:solidFill>
+                <a:srgbClr val="FF9E9E"/>
+              </a:solidFill>
+            </a:ln>
+            <a:effectLst/>
+          </p:spPr>
+          <p:style>
+            <a:lnRef idx="1">
+              <a:schemeClr val="accent1"/>
+            </a:lnRef>
+            <a:fillRef idx="3">
+              <a:schemeClr val="accent1"/>
+            </a:fillRef>
+            <a:effectRef idx="2">
+              <a:schemeClr val="accent1"/>
+            </a:effectRef>
+            <a:fontRef idx="minor">
+              <a:schemeClr val="lt1"/>
+            </a:fontRef>
+          </p:style>
+          <p:txBody>
+            <a:bodyPr rtlCol="0" anchor="ctr"/>
+            <a:lstStyle/>
+            <a:p>
+              <a:pPr algn="ctr"/>
+              <a:endParaRPr lang="en-US"/>
+            </a:p>
+          </p:txBody>
+        </p:sp>
+        <p:sp>
+          <p:nvSpPr>
+            <p:cNvPr id="19" name="Right Triangle 18"/>
+            <p:cNvSpPr/>
+            <p:nvPr/>
+          </p:nvSpPr>
+          <p:spPr>
+            <a:xfrm rot="10800000">
+              <a:off x="1496058" y="5609647"/>
+              <a:ext cx="1005840" cy="1252136"/>
+            </a:xfrm>
+            <a:prstGeom prst="rtTriangle">
+              <a:avLst/>
+            </a:prstGeom>
+            <a:grpFill/>
+            <a:ln>
+              <a:solidFill>
+                <a:srgbClr val="FF9E9E"/>
+              </a:solidFill>
+            </a:ln>
+            <a:effectLst/>
+          </p:spPr>
+          <p:style>
+            <a:lnRef idx="1">
+              <a:schemeClr val="accent1"/>
+            </a:lnRef>
+            <a:fillRef idx="3">
+              <a:schemeClr val="accent1"/>
+            </a:fillRef>
+            <a:effectRef idx="2">
+              <a:schemeClr val="accent1"/>
+            </a:effectRef>
+            <a:fontRef idx="minor">
+              <a:schemeClr val="lt1"/>
+            </a:fontRef>
+          </p:style>
+          <p:txBody>
+            <a:bodyPr rtlCol="0" anchor="ctr"/>
+            <a:lstStyle/>
+            <a:p>
+              <a:pPr algn="ctr"/>
+              <a:endParaRPr lang="en-US"/>
+            </a:p>
+          </p:txBody>
+        </p:sp>
+        <p:sp>
+          <p:nvSpPr>
+            <p:cNvPr id="20" name="Right Triangle 19"/>
+            <p:cNvSpPr/>
+            <p:nvPr/>
+          </p:nvSpPr>
+          <p:spPr>
+            <a:xfrm rot="5400000">
+              <a:off x="2378750" y="5729013"/>
+              <a:ext cx="1252136" cy="1005840"/>
+            </a:xfrm>
+            <a:prstGeom prst="rtTriangle">
+              <a:avLst/>
+            </a:prstGeom>
+            <a:grpFill/>
+            <a:ln>
+              <a:solidFill>
+                <a:srgbClr val="FF9E9E"/>
+              </a:solidFill>
+            </a:ln>
+            <a:effectLst/>
+          </p:spPr>
+          <p:style>
+            <a:lnRef idx="1">
+              <a:schemeClr val="accent1"/>
+            </a:lnRef>
+            <a:fillRef idx="3">
+              <a:schemeClr val="accent1"/>
+            </a:fillRef>
+            <a:effectRef idx="2">
+              <a:schemeClr val="accent1"/>
+            </a:effectRef>
+            <a:fontRef idx="minor">
+              <a:schemeClr val="lt1"/>
+            </a:fontRef>
+          </p:style>
+          <p:txBody>
+            <a:bodyPr rtlCol="0" anchor="ctr"/>
+            <a:lstStyle/>
+            <a:p>
+              <a:pPr algn="ctr"/>
+              <a:endParaRPr lang="en-US"/>
+            </a:p>
+          </p:txBody>
+        </p:sp>
+      </p:grpSp>
+    </p:spTree>
+    <p:extLst>
+      <p:ext uri="{BB962C8B-B14F-4D97-AF65-F5344CB8AC3E}">
+        <p14:creationId xmlns:p14="http://schemas.microsoft.com/office/powerpoint/2010/main" val="3380627397"/>
+      </p:ext>
+    </p:extLst>
+  </p:cSld>
+  <p:clrMapOvr>
+    <a:masterClrMapping/>
+  </p:clrMapOvr>
+  <p:timing>
+    <p:tnLst>
+      <p:par>
+        <p:cTn xmlns:p14="http://schemas.microsoft.com/office/powerpoint/2010/main" id="1" dur="indefinite" restart="never" nodeType="tmRoot"/>
+      </p:par>
+    </p:tnLst>
+  </p:timing>
+</p:sld>
+</file>
+
+<file path=ppt/slides/slide12.xml><?xml version="1.0" encoding="utf-8"?>
 <p:sld xmlns:a="http://schemas.openxmlformats.org/drawingml/2006/main" xmlns:r="http://schemas.openxmlformats.org/officeDocument/2006/relationships" xmlns:p="http://schemas.openxmlformats.org/presentationml/2006/main">
   <p:cSld>
     <p:bg>
@@ -16448,6 +15531,2720 @@
 </p:sld>
 </file>
 
+<file path=ppt/slides/slide2.xml><?xml version="1.0" encoding="utf-8"?>
+<p:sld xmlns:a="http://schemas.openxmlformats.org/drawingml/2006/main" xmlns:r="http://schemas.openxmlformats.org/officeDocument/2006/relationships" xmlns:p="http://schemas.openxmlformats.org/presentationml/2006/main">
+  <p:cSld>
+    <p:spTree>
+      <p:nvGrpSpPr>
+        <p:cNvPr id="1" name=""/>
+        <p:cNvGrpSpPr/>
+        <p:nvPr/>
+      </p:nvGrpSpPr>
+      <p:grpSpPr>
+        <a:xfrm>
+          <a:off x="0" y="0"/>
+          <a:ext cx="0" cy="0"/>
+          <a:chOff x="0" y="0"/>
+          <a:chExt cx="0" cy="0"/>
+        </a:xfrm>
+      </p:grpSpPr>
+      <p:sp>
+        <p:nvSpPr>
+          <p:cNvPr id="5" name="Pie 4"/>
+          <p:cNvSpPr>
+            <a:spLocks noChangeAspect="1"/>
+          </p:cNvSpPr>
+          <p:nvPr/>
+        </p:nvSpPr>
+        <p:spPr>
+          <a:xfrm rot="1372434">
+            <a:off x="1004955" y="0"/>
+            <a:ext cx="6858000" cy="6858000"/>
+          </a:xfrm>
+          <a:prstGeom prst="pie">
+            <a:avLst>
+              <a:gd name="adj1" fmla="val 0"/>
+              <a:gd name="adj2" fmla="val 18872836"/>
+            </a:avLst>
+          </a:prstGeom>
+          <a:solidFill>
+            <a:srgbClr val="FFFF00"/>
+          </a:solidFill>
+          <a:ln>
+            <a:solidFill>
+              <a:srgbClr val="FFFF00"/>
+            </a:solidFill>
+          </a:ln>
+          <a:effectLst/>
+        </p:spPr>
+        <p:style>
+          <a:lnRef idx="1">
+            <a:schemeClr val="accent1"/>
+          </a:lnRef>
+          <a:fillRef idx="3">
+            <a:schemeClr val="accent1"/>
+          </a:fillRef>
+          <a:effectRef idx="2">
+            <a:schemeClr val="accent1"/>
+          </a:effectRef>
+          <a:fontRef idx="minor">
+            <a:schemeClr val="lt1"/>
+          </a:fontRef>
+        </p:style>
+        <p:txBody>
+          <a:bodyPr rtlCol="0" anchor="ctr"/>
+          <a:lstStyle/>
+          <a:p>
+            <a:pPr algn="ctr"/>
+            <a:endParaRPr lang="en-US">
+              <a:solidFill>
+                <a:schemeClr val="tx1"/>
+              </a:solidFill>
+            </a:endParaRPr>
+          </a:p>
+        </p:txBody>
+      </p:sp>
+    </p:spTree>
+    <p:extLst>
+      <p:ext uri="{BB962C8B-B14F-4D97-AF65-F5344CB8AC3E}">
+        <p14:creationId xmlns:p14="http://schemas.microsoft.com/office/powerpoint/2010/main" val="876052163"/>
+      </p:ext>
+    </p:extLst>
+  </p:cSld>
+  <p:clrMapOvr>
+    <a:masterClrMapping/>
+  </p:clrMapOvr>
+  <p:timing>
+    <p:tnLst>
+      <p:par>
+        <p:cTn xmlns:p14="http://schemas.microsoft.com/office/powerpoint/2010/main" id="1" dur="indefinite" restart="never" nodeType="tmRoot"/>
+      </p:par>
+    </p:tnLst>
+  </p:timing>
+</p:sld>
+</file>
+
+<file path=ppt/slides/slide3.xml><?xml version="1.0" encoding="utf-8"?>
+<p:sld xmlns:a="http://schemas.openxmlformats.org/drawingml/2006/main" xmlns:r="http://schemas.openxmlformats.org/officeDocument/2006/relationships" xmlns:p="http://schemas.openxmlformats.org/presentationml/2006/main">
+  <p:cSld>
+    <p:spTree>
+      <p:nvGrpSpPr>
+        <p:cNvPr id="1" name=""/>
+        <p:cNvGrpSpPr/>
+        <p:nvPr/>
+      </p:nvGrpSpPr>
+      <p:grpSpPr>
+        <a:xfrm>
+          <a:off x="0" y="0"/>
+          <a:ext cx="0" cy="0"/>
+          <a:chOff x="0" y="0"/>
+          <a:chExt cx="0" cy="0"/>
+        </a:xfrm>
+      </p:grpSpPr>
+      <p:sp>
+        <p:nvSpPr>
+          <p:cNvPr id="5" name="Pie 4"/>
+          <p:cNvSpPr>
+            <a:spLocks noChangeAspect="1"/>
+          </p:cNvSpPr>
+          <p:nvPr/>
+        </p:nvSpPr>
+        <p:spPr>
+          <a:xfrm rot="2700000">
+            <a:off x="1004955" y="0"/>
+            <a:ext cx="6858000" cy="6858000"/>
+          </a:xfrm>
+          <a:prstGeom prst="pie">
+            <a:avLst>
+              <a:gd name="adj1" fmla="val 0"/>
+              <a:gd name="adj2" fmla="val 21590729"/>
+            </a:avLst>
+          </a:prstGeom>
+          <a:solidFill>
+            <a:srgbClr val="FFFF00"/>
+          </a:solidFill>
+          <a:ln>
+            <a:solidFill>
+              <a:srgbClr val="FFFF00"/>
+            </a:solidFill>
+          </a:ln>
+          <a:effectLst/>
+        </p:spPr>
+        <p:style>
+          <a:lnRef idx="1">
+            <a:schemeClr val="accent1"/>
+          </a:lnRef>
+          <a:fillRef idx="3">
+            <a:schemeClr val="accent1"/>
+          </a:fillRef>
+          <a:effectRef idx="2">
+            <a:schemeClr val="accent1"/>
+          </a:effectRef>
+          <a:fontRef idx="minor">
+            <a:schemeClr val="lt1"/>
+          </a:fontRef>
+        </p:style>
+        <p:txBody>
+          <a:bodyPr rtlCol="0" anchor="ctr"/>
+          <a:lstStyle/>
+          <a:p>
+            <a:pPr algn="ctr"/>
+            <a:endParaRPr lang="en-US">
+              <a:solidFill>
+                <a:schemeClr val="tx1"/>
+              </a:solidFill>
+            </a:endParaRPr>
+          </a:p>
+        </p:txBody>
+      </p:sp>
+    </p:spTree>
+    <p:extLst>
+      <p:ext uri="{BB962C8B-B14F-4D97-AF65-F5344CB8AC3E}">
+        <p14:creationId xmlns:p14="http://schemas.microsoft.com/office/powerpoint/2010/main" val="947080130"/>
+      </p:ext>
+    </p:extLst>
+  </p:cSld>
+  <p:clrMapOvr>
+    <a:masterClrMapping/>
+  </p:clrMapOvr>
+  <p:timing>
+    <p:tnLst>
+      <p:par>
+        <p:cTn xmlns:p14="http://schemas.microsoft.com/office/powerpoint/2010/main" id="1" dur="indefinite" restart="never" nodeType="tmRoot"/>
+      </p:par>
+    </p:tnLst>
+  </p:timing>
+</p:sld>
+</file>
+
+<file path=ppt/slides/slide4.xml><?xml version="1.0" encoding="utf-8"?>
+<p:sld xmlns:a="http://schemas.openxmlformats.org/drawingml/2006/main" xmlns:r="http://schemas.openxmlformats.org/officeDocument/2006/relationships" xmlns:p="http://schemas.openxmlformats.org/presentationml/2006/main">
+  <p:cSld>
+    <p:spTree>
+      <p:nvGrpSpPr>
+        <p:cNvPr id="1" name=""/>
+        <p:cNvGrpSpPr/>
+        <p:nvPr/>
+      </p:nvGrpSpPr>
+      <p:grpSpPr>
+        <a:xfrm>
+          <a:off x="0" y="0"/>
+          <a:ext cx="0" cy="0"/>
+          <a:chOff x="0" y="0"/>
+          <a:chExt cx="0" cy="0"/>
+        </a:xfrm>
+      </p:grpSpPr>
+      <p:pic>
+        <p:nvPicPr>
+          <p:cNvPr id="2" name="Picture 1"/>
+          <p:cNvPicPr>
+            <a:picLocks noChangeAspect="1"/>
+          </p:cNvPicPr>
+          <p:nvPr/>
+        </p:nvPicPr>
+        <p:blipFill rotWithShape="1">
+          <a:blip r:embed="rId2"/>
+          <a:srcRect l="25362" t="23833" r="26650" b="29790"/>
+          <a:stretch/>
+        </p:blipFill>
+        <p:spPr>
+          <a:xfrm>
+            <a:off x="9542815" y="-226778"/>
+            <a:ext cx="7089913" cy="6852000"/>
+          </a:xfrm>
+          <a:prstGeom prst="rect">
+            <a:avLst/>
+          </a:prstGeom>
+        </p:spPr>
+      </p:pic>
+      <p:grpSp>
+        <p:nvGrpSpPr>
+          <p:cNvPr id="13" name="Group 12"/>
+          <p:cNvGrpSpPr>
+            <a:grpSpLocks noChangeAspect="1"/>
+          </p:cNvGrpSpPr>
+          <p:nvPr/>
+        </p:nvGrpSpPr>
+        <p:grpSpPr>
+          <a:xfrm>
+            <a:off x="1496057" y="36424"/>
+            <a:ext cx="6059638" cy="6822218"/>
+            <a:chOff x="1583277" y="-146397"/>
+            <a:chExt cx="6195257" cy="6974904"/>
+          </a:xfrm>
+        </p:grpSpPr>
+        <p:sp>
+          <p:nvSpPr>
+            <p:cNvPr id="5" name="Chord 4"/>
+            <p:cNvSpPr>
+              <a:spLocks noChangeAspect="1"/>
+            </p:cNvSpPr>
+            <p:nvPr/>
+          </p:nvSpPr>
+          <p:spPr>
+            <a:xfrm rot="5400000">
+              <a:off x="1583278" y="-146397"/>
+              <a:ext cx="6195256" cy="6195256"/>
+            </a:xfrm>
+            <a:prstGeom prst="chord">
+              <a:avLst>
+                <a:gd name="adj1" fmla="val 5396808"/>
+                <a:gd name="adj2" fmla="val 16200000"/>
+              </a:avLst>
+            </a:prstGeom>
+            <a:solidFill>
+              <a:srgbClr val="FF0000"/>
+            </a:solidFill>
+            <a:ln>
+              <a:solidFill>
+                <a:srgbClr val="FF0000"/>
+              </a:solidFill>
+            </a:ln>
+            <a:effectLst/>
+          </p:spPr>
+          <p:style>
+            <a:lnRef idx="1">
+              <a:schemeClr val="accent1"/>
+            </a:lnRef>
+            <a:fillRef idx="3">
+              <a:schemeClr val="accent1"/>
+            </a:fillRef>
+            <a:effectRef idx="2">
+              <a:schemeClr val="accent1"/>
+            </a:effectRef>
+            <a:fontRef idx="minor">
+              <a:schemeClr val="lt1"/>
+            </a:fontRef>
+          </p:style>
+          <p:txBody>
+            <a:bodyPr rtlCol="0" anchor="ctr"/>
+            <a:lstStyle/>
+            <a:p>
+              <a:pPr algn="ctr"/>
+              <a:endParaRPr lang="en-US"/>
+            </a:p>
+          </p:txBody>
+        </p:sp>
+        <p:sp>
+          <p:nvSpPr>
+            <p:cNvPr id="6" name="Rectangle 5"/>
+            <p:cNvSpPr/>
+            <p:nvPr/>
+          </p:nvSpPr>
+          <p:spPr>
+            <a:xfrm>
+              <a:off x="1583278" y="2959652"/>
+              <a:ext cx="6195256" cy="2584173"/>
+            </a:xfrm>
+            <a:prstGeom prst="rect">
+              <a:avLst/>
+            </a:prstGeom>
+            <a:solidFill>
+              <a:srgbClr val="FF0000"/>
+            </a:solidFill>
+            <a:ln>
+              <a:solidFill>
+                <a:srgbClr val="FF0000"/>
+              </a:solidFill>
+            </a:ln>
+            <a:effectLst/>
+          </p:spPr>
+          <p:style>
+            <a:lnRef idx="1">
+              <a:schemeClr val="accent1"/>
+            </a:lnRef>
+            <a:fillRef idx="3">
+              <a:schemeClr val="accent1"/>
+            </a:fillRef>
+            <a:effectRef idx="2">
+              <a:schemeClr val="accent1"/>
+            </a:effectRef>
+            <a:fontRef idx="minor">
+              <a:schemeClr val="lt1"/>
+            </a:fontRef>
+          </p:style>
+          <p:txBody>
+            <a:bodyPr rtlCol="0" anchor="ctr"/>
+            <a:lstStyle/>
+            <a:p>
+              <a:pPr algn="ctr"/>
+              <a:endParaRPr lang="en-US"/>
+            </a:p>
+          </p:txBody>
+        </p:sp>
+        <p:grpSp>
+          <p:nvGrpSpPr>
+            <p:cNvPr id="9" name="Group 8"/>
+            <p:cNvGrpSpPr>
+              <a:grpSpLocks noChangeAspect="1"/>
+            </p:cNvGrpSpPr>
+            <p:nvPr/>
+          </p:nvGrpSpPr>
+          <p:grpSpPr>
+            <a:xfrm>
+              <a:off x="1583277" y="5543824"/>
+              <a:ext cx="2560320" cy="1280161"/>
+              <a:chOff x="1583277" y="5543824"/>
+              <a:chExt cx="2224594" cy="1112298"/>
+            </a:xfrm>
+          </p:grpSpPr>
+          <p:sp>
+            <p:nvSpPr>
+              <p:cNvPr id="7" name="Right Triangle 6"/>
+              <p:cNvSpPr/>
+              <p:nvPr/>
+            </p:nvSpPr>
+            <p:spPr>
+              <a:xfrm rot="5400000">
+                <a:off x="1583277" y="5543824"/>
+                <a:ext cx="1112297" cy="1112297"/>
+              </a:xfrm>
+              <a:prstGeom prst="rtTriangle">
+                <a:avLst/>
+              </a:prstGeom>
+              <a:solidFill>
+                <a:srgbClr val="FF0000"/>
+              </a:solidFill>
+              <a:ln>
+                <a:solidFill>
+                  <a:srgbClr val="FF0000"/>
+                </a:solidFill>
+              </a:ln>
+              <a:effectLst/>
+            </p:spPr>
+            <p:style>
+              <a:lnRef idx="1">
+                <a:schemeClr val="accent1"/>
+              </a:lnRef>
+              <a:fillRef idx="3">
+                <a:schemeClr val="accent1"/>
+              </a:fillRef>
+              <a:effectRef idx="2">
+                <a:schemeClr val="accent1"/>
+              </a:effectRef>
+              <a:fontRef idx="minor">
+                <a:schemeClr val="lt1"/>
+              </a:fontRef>
+            </p:style>
+            <p:txBody>
+              <a:bodyPr rtlCol="0" anchor="ctr"/>
+              <a:lstStyle/>
+              <a:p>
+                <a:pPr algn="ctr"/>
+                <a:endParaRPr lang="en-US"/>
+              </a:p>
+            </p:txBody>
+          </p:sp>
+          <p:sp>
+            <p:nvSpPr>
+              <p:cNvPr id="8" name="Right Triangle 7"/>
+              <p:cNvSpPr/>
+              <p:nvPr/>
+            </p:nvSpPr>
+            <p:spPr>
+              <a:xfrm rot="10800000">
+                <a:off x="2695574" y="5543825"/>
+                <a:ext cx="1112297" cy="1112297"/>
+              </a:xfrm>
+              <a:prstGeom prst="rtTriangle">
+                <a:avLst/>
+              </a:prstGeom>
+              <a:solidFill>
+                <a:srgbClr val="FF0000"/>
+              </a:solidFill>
+              <a:ln>
+                <a:solidFill>
+                  <a:srgbClr val="FF0000"/>
+                </a:solidFill>
+              </a:ln>
+              <a:effectLst/>
+            </p:spPr>
+            <p:style>
+              <a:lnRef idx="1">
+                <a:schemeClr val="accent1"/>
+              </a:lnRef>
+              <a:fillRef idx="3">
+                <a:schemeClr val="accent1"/>
+              </a:fillRef>
+              <a:effectRef idx="2">
+                <a:schemeClr val="accent1"/>
+              </a:effectRef>
+              <a:fontRef idx="minor">
+                <a:schemeClr val="lt1"/>
+              </a:fontRef>
+            </p:style>
+            <p:txBody>
+              <a:bodyPr rtlCol="0" anchor="ctr"/>
+              <a:lstStyle/>
+              <a:p>
+                <a:pPr algn="ctr"/>
+                <a:endParaRPr lang="en-US"/>
+              </a:p>
+            </p:txBody>
+          </p:sp>
+        </p:grpSp>
+        <p:grpSp>
+          <p:nvGrpSpPr>
+            <p:cNvPr id="10" name="Group 9"/>
+            <p:cNvGrpSpPr>
+              <a:grpSpLocks noChangeAspect="1"/>
+            </p:cNvGrpSpPr>
+            <p:nvPr/>
+          </p:nvGrpSpPr>
+          <p:grpSpPr>
+            <a:xfrm>
+              <a:off x="5218214" y="5548346"/>
+              <a:ext cx="2560320" cy="1280161"/>
+              <a:chOff x="1583277" y="5543824"/>
+              <a:chExt cx="2224594" cy="1112298"/>
+            </a:xfrm>
+          </p:grpSpPr>
+          <p:sp>
+            <p:nvSpPr>
+              <p:cNvPr id="11" name="Right Triangle 10"/>
+              <p:cNvSpPr/>
+              <p:nvPr/>
+            </p:nvSpPr>
+            <p:spPr>
+              <a:xfrm rot="5400000">
+                <a:off x="1583277" y="5543824"/>
+                <a:ext cx="1112297" cy="1112297"/>
+              </a:xfrm>
+              <a:prstGeom prst="rtTriangle">
+                <a:avLst/>
+              </a:prstGeom>
+              <a:solidFill>
+                <a:srgbClr val="FF0000"/>
+              </a:solidFill>
+              <a:ln>
+                <a:solidFill>
+                  <a:srgbClr val="FF0000"/>
+                </a:solidFill>
+              </a:ln>
+              <a:effectLst/>
+            </p:spPr>
+            <p:style>
+              <a:lnRef idx="1">
+                <a:schemeClr val="accent1"/>
+              </a:lnRef>
+              <a:fillRef idx="3">
+                <a:schemeClr val="accent1"/>
+              </a:fillRef>
+              <a:effectRef idx="2">
+                <a:schemeClr val="accent1"/>
+              </a:effectRef>
+              <a:fontRef idx="minor">
+                <a:schemeClr val="lt1"/>
+              </a:fontRef>
+            </p:style>
+            <p:txBody>
+              <a:bodyPr rtlCol="0" anchor="ctr"/>
+              <a:lstStyle/>
+              <a:p>
+                <a:pPr algn="ctr"/>
+                <a:endParaRPr lang="en-US"/>
+              </a:p>
+            </p:txBody>
+          </p:sp>
+          <p:sp>
+            <p:nvSpPr>
+              <p:cNvPr id="12" name="Right Triangle 11"/>
+              <p:cNvSpPr/>
+              <p:nvPr/>
+            </p:nvSpPr>
+            <p:spPr>
+              <a:xfrm rot="10800000">
+                <a:off x="2695574" y="5543825"/>
+                <a:ext cx="1112297" cy="1112297"/>
+              </a:xfrm>
+              <a:prstGeom prst="rtTriangle">
+                <a:avLst/>
+              </a:prstGeom>
+              <a:solidFill>
+                <a:srgbClr val="FF0000"/>
+              </a:solidFill>
+              <a:ln>
+                <a:solidFill>
+                  <a:srgbClr val="FF0000"/>
+                </a:solidFill>
+              </a:ln>
+              <a:effectLst/>
+            </p:spPr>
+            <p:style>
+              <a:lnRef idx="1">
+                <a:schemeClr val="accent1"/>
+              </a:lnRef>
+              <a:fillRef idx="3">
+                <a:schemeClr val="accent1"/>
+              </a:fillRef>
+              <a:effectRef idx="2">
+                <a:schemeClr val="accent1"/>
+              </a:effectRef>
+              <a:fontRef idx="minor">
+                <a:schemeClr val="lt1"/>
+              </a:fontRef>
+            </p:style>
+            <p:txBody>
+              <a:bodyPr rtlCol="0" anchor="ctr"/>
+              <a:lstStyle/>
+              <a:p>
+                <a:pPr algn="ctr"/>
+                <a:endParaRPr lang="en-US"/>
+              </a:p>
+            </p:txBody>
+          </p:sp>
+        </p:grpSp>
+      </p:grpSp>
+    </p:spTree>
+    <p:extLst>
+      <p:ext uri="{BB962C8B-B14F-4D97-AF65-F5344CB8AC3E}">
+        <p14:creationId xmlns:p14="http://schemas.microsoft.com/office/powerpoint/2010/main" val="710897636"/>
+      </p:ext>
+    </p:extLst>
+  </p:cSld>
+  <p:clrMapOvr>
+    <a:masterClrMapping/>
+  </p:clrMapOvr>
+  <p:timing>
+    <p:tnLst>
+      <p:par>
+        <p:cTn xmlns:p14="http://schemas.microsoft.com/office/powerpoint/2010/main" id="1" dur="indefinite" restart="never" nodeType="tmRoot"/>
+      </p:par>
+    </p:tnLst>
+  </p:timing>
+</p:sld>
+</file>
+
+<file path=ppt/slides/slide5.xml><?xml version="1.0" encoding="utf-8"?>
+<p:sld xmlns:a="http://schemas.openxmlformats.org/drawingml/2006/main" xmlns:r="http://schemas.openxmlformats.org/officeDocument/2006/relationships" xmlns:p="http://schemas.openxmlformats.org/presentationml/2006/main">
+  <p:cSld>
+    <p:spTree>
+      <p:nvGrpSpPr>
+        <p:cNvPr id="1" name=""/>
+        <p:cNvGrpSpPr/>
+        <p:nvPr/>
+      </p:nvGrpSpPr>
+      <p:grpSpPr>
+        <a:xfrm>
+          <a:off x="0" y="0"/>
+          <a:ext cx="0" cy="0"/>
+          <a:chOff x="0" y="0"/>
+          <a:chExt cx="0" cy="0"/>
+        </a:xfrm>
+      </p:grpSpPr>
+      <p:pic>
+        <p:nvPicPr>
+          <p:cNvPr id="2" name="Picture 1"/>
+          <p:cNvPicPr>
+            <a:picLocks noChangeAspect="1"/>
+          </p:cNvPicPr>
+          <p:nvPr/>
+        </p:nvPicPr>
+        <p:blipFill rotWithShape="1">
+          <a:blip r:embed="rId2"/>
+          <a:srcRect l="25362" t="23833" r="26650" b="29790"/>
+          <a:stretch/>
+        </p:blipFill>
+        <p:spPr>
+          <a:xfrm>
+            <a:off x="9542815" y="-226778"/>
+            <a:ext cx="7089913" cy="6852000"/>
+          </a:xfrm>
+          <a:prstGeom prst="rect">
+            <a:avLst/>
+          </a:prstGeom>
+        </p:spPr>
+      </p:pic>
+      <p:grpSp>
+        <p:nvGrpSpPr>
+          <p:cNvPr id="3" name="Group 2"/>
+          <p:cNvGrpSpPr>
+            <a:grpSpLocks noChangeAspect="1"/>
+          </p:cNvGrpSpPr>
+          <p:nvPr/>
+        </p:nvGrpSpPr>
+        <p:grpSpPr>
+          <a:xfrm>
+            <a:off x="1496058" y="36424"/>
+            <a:ext cx="6059637" cy="6825359"/>
+            <a:chOff x="1496058" y="36424"/>
+            <a:chExt cx="6059637" cy="6825359"/>
+          </a:xfrm>
+        </p:grpSpPr>
+        <p:sp>
+          <p:nvSpPr>
+            <p:cNvPr id="5" name="Chord 4"/>
+            <p:cNvSpPr>
+              <a:spLocks noChangeAspect="1"/>
+            </p:cNvSpPr>
+            <p:nvPr/>
+          </p:nvSpPr>
+          <p:spPr>
+            <a:xfrm rot="5400000">
+              <a:off x="1496058" y="36424"/>
+              <a:ext cx="6059637" cy="6059637"/>
+            </a:xfrm>
+            <a:prstGeom prst="chord">
+              <a:avLst>
+                <a:gd name="adj1" fmla="val 5396808"/>
+                <a:gd name="adj2" fmla="val 16200000"/>
+              </a:avLst>
+            </a:prstGeom>
+            <a:solidFill>
+              <a:srgbClr val="FF0000"/>
+            </a:solidFill>
+            <a:ln>
+              <a:solidFill>
+                <a:srgbClr val="FF0000"/>
+              </a:solidFill>
+            </a:ln>
+            <a:effectLst/>
+          </p:spPr>
+          <p:style>
+            <a:lnRef idx="1">
+              <a:schemeClr val="accent1"/>
+            </a:lnRef>
+            <a:fillRef idx="3">
+              <a:schemeClr val="accent1"/>
+            </a:fillRef>
+            <a:effectRef idx="2">
+              <a:schemeClr val="accent1"/>
+            </a:effectRef>
+            <a:fontRef idx="minor">
+              <a:schemeClr val="lt1"/>
+            </a:fontRef>
+          </p:style>
+          <p:txBody>
+            <a:bodyPr rtlCol="0" anchor="ctr"/>
+            <a:lstStyle/>
+            <a:p>
+              <a:pPr algn="ctr"/>
+              <a:endParaRPr lang="en-US"/>
+            </a:p>
+          </p:txBody>
+        </p:sp>
+        <p:sp>
+          <p:nvSpPr>
+            <p:cNvPr id="6" name="Rectangle 5"/>
+            <p:cNvSpPr/>
+            <p:nvPr/>
+          </p:nvSpPr>
+          <p:spPr>
+            <a:xfrm>
+              <a:off x="1496058" y="3074479"/>
+              <a:ext cx="6059637" cy="2527603"/>
+            </a:xfrm>
+            <a:prstGeom prst="rect">
+              <a:avLst/>
+            </a:prstGeom>
+            <a:solidFill>
+              <a:srgbClr val="FF0000"/>
+            </a:solidFill>
+            <a:ln>
+              <a:solidFill>
+                <a:srgbClr val="FF0000"/>
+              </a:solidFill>
+            </a:ln>
+            <a:effectLst/>
+          </p:spPr>
+          <p:style>
+            <a:lnRef idx="1">
+              <a:schemeClr val="accent1"/>
+            </a:lnRef>
+            <a:fillRef idx="3">
+              <a:schemeClr val="accent1"/>
+            </a:fillRef>
+            <a:effectRef idx="2">
+              <a:schemeClr val="accent1"/>
+            </a:effectRef>
+            <a:fontRef idx="minor">
+              <a:schemeClr val="lt1"/>
+            </a:fontRef>
+          </p:style>
+          <p:txBody>
+            <a:bodyPr rtlCol="0" anchor="ctr"/>
+            <a:lstStyle/>
+            <a:p>
+              <a:pPr algn="ctr"/>
+              <a:endParaRPr lang="en-US"/>
+            </a:p>
+          </p:txBody>
+        </p:sp>
+        <p:sp>
+          <p:nvSpPr>
+            <p:cNvPr id="8" name="Right Triangle 7"/>
+            <p:cNvSpPr/>
+            <p:nvPr/>
+          </p:nvSpPr>
+          <p:spPr>
+            <a:xfrm rot="10800000">
+              <a:off x="5544014" y="5605864"/>
+              <a:ext cx="1005840" cy="1252136"/>
+            </a:xfrm>
+            <a:prstGeom prst="rtTriangle">
+              <a:avLst/>
+            </a:prstGeom>
+            <a:solidFill>
+              <a:srgbClr val="FF0000"/>
+            </a:solidFill>
+            <a:ln>
+              <a:solidFill>
+                <a:srgbClr val="FF0000"/>
+              </a:solidFill>
+            </a:ln>
+            <a:effectLst/>
+          </p:spPr>
+          <p:style>
+            <a:lnRef idx="1">
+              <a:schemeClr val="accent1"/>
+            </a:lnRef>
+            <a:fillRef idx="3">
+              <a:schemeClr val="accent1"/>
+            </a:fillRef>
+            <a:effectRef idx="2">
+              <a:schemeClr val="accent1"/>
+            </a:effectRef>
+            <a:fontRef idx="minor">
+              <a:schemeClr val="lt1"/>
+            </a:fontRef>
+          </p:style>
+          <p:txBody>
+            <a:bodyPr rtlCol="0" anchor="ctr"/>
+            <a:lstStyle/>
+            <a:p>
+              <a:pPr algn="ctr"/>
+              <a:endParaRPr lang="en-US"/>
+            </a:p>
+          </p:txBody>
+        </p:sp>
+        <p:sp>
+          <p:nvSpPr>
+            <p:cNvPr id="11" name="Right Triangle 10"/>
+            <p:cNvSpPr/>
+            <p:nvPr/>
+          </p:nvSpPr>
+          <p:spPr>
+            <a:xfrm rot="5400000">
+              <a:off x="6426706" y="5725230"/>
+              <a:ext cx="1252136" cy="1005840"/>
+            </a:xfrm>
+            <a:prstGeom prst="rtTriangle">
+              <a:avLst/>
+            </a:prstGeom>
+            <a:solidFill>
+              <a:srgbClr val="FF0000"/>
+            </a:solidFill>
+            <a:ln>
+              <a:solidFill>
+                <a:srgbClr val="FF0000"/>
+              </a:solidFill>
+            </a:ln>
+            <a:effectLst/>
+          </p:spPr>
+          <p:style>
+            <a:lnRef idx="1">
+              <a:schemeClr val="accent1"/>
+            </a:lnRef>
+            <a:fillRef idx="3">
+              <a:schemeClr val="accent1"/>
+            </a:fillRef>
+            <a:effectRef idx="2">
+              <a:schemeClr val="accent1"/>
+            </a:effectRef>
+            <a:fontRef idx="minor">
+              <a:schemeClr val="lt1"/>
+            </a:fontRef>
+          </p:style>
+          <p:txBody>
+            <a:bodyPr rtlCol="0" anchor="ctr"/>
+            <a:lstStyle/>
+            <a:p>
+              <a:pPr algn="ctr"/>
+              <a:endParaRPr lang="en-US"/>
+            </a:p>
+          </p:txBody>
+        </p:sp>
+        <p:sp>
+          <p:nvSpPr>
+            <p:cNvPr id="17" name="Right Triangle 16"/>
+            <p:cNvSpPr/>
+            <p:nvPr/>
+          </p:nvSpPr>
+          <p:spPr>
+            <a:xfrm rot="10800000">
+              <a:off x="3522808" y="5606471"/>
+              <a:ext cx="1005840" cy="1252136"/>
+            </a:xfrm>
+            <a:prstGeom prst="rtTriangle">
+              <a:avLst/>
+            </a:prstGeom>
+            <a:solidFill>
+              <a:srgbClr val="FF0000"/>
+            </a:solidFill>
+            <a:ln>
+              <a:solidFill>
+                <a:srgbClr val="FF0000"/>
+              </a:solidFill>
+            </a:ln>
+            <a:effectLst/>
+          </p:spPr>
+          <p:style>
+            <a:lnRef idx="1">
+              <a:schemeClr val="accent1"/>
+            </a:lnRef>
+            <a:fillRef idx="3">
+              <a:schemeClr val="accent1"/>
+            </a:fillRef>
+            <a:effectRef idx="2">
+              <a:schemeClr val="accent1"/>
+            </a:effectRef>
+            <a:fontRef idx="minor">
+              <a:schemeClr val="lt1"/>
+            </a:fontRef>
+          </p:style>
+          <p:txBody>
+            <a:bodyPr rtlCol="0" anchor="ctr"/>
+            <a:lstStyle/>
+            <a:p>
+              <a:pPr algn="ctr"/>
+              <a:endParaRPr lang="en-US"/>
+            </a:p>
+          </p:txBody>
+        </p:sp>
+        <p:sp>
+          <p:nvSpPr>
+            <p:cNvPr id="18" name="Right Triangle 17"/>
+            <p:cNvSpPr/>
+            <p:nvPr/>
+          </p:nvSpPr>
+          <p:spPr>
+            <a:xfrm rot="5400000">
+              <a:off x="4405500" y="5725837"/>
+              <a:ext cx="1252136" cy="1005840"/>
+            </a:xfrm>
+            <a:prstGeom prst="rtTriangle">
+              <a:avLst/>
+            </a:prstGeom>
+            <a:solidFill>
+              <a:srgbClr val="FF0000"/>
+            </a:solidFill>
+            <a:ln>
+              <a:solidFill>
+                <a:srgbClr val="FF0000"/>
+              </a:solidFill>
+            </a:ln>
+            <a:effectLst/>
+          </p:spPr>
+          <p:style>
+            <a:lnRef idx="1">
+              <a:schemeClr val="accent1"/>
+            </a:lnRef>
+            <a:fillRef idx="3">
+              <a:schemeClr val="accent1"/>
+            </a:fillRef>
+            <a:effectRef idx="2">
+              <a:schemeClr val="accent1"/>
+            </a:effectRef>
+            <a:fontRef idx="minor">
+              <a:schemeClr val="lt1"/>
+            </a:fontRef>
+          </p:style>
+          <p:txBody>
+            <a:bodyPr rtlCol="0" anchor="ctr"/>
+            <a:lstStyle/>
+            <a:p>
+              <a:pPr algn="ctr"/>
+              <a:endParaRPr lang="en-US"/>
+            </a:p>
+          </p:txBody>
+        </p:sp>
+        <p:sp>
+          <p:nvSpPr>
+            <p:cNvPr id="19" name="Right Triangle 18"/>
+            <p:cNvSpPr/>
+            <p:nvPr/>
+          </p:nvSpPr>
+          <p:spPr>
+            <a:xfrm rot="10800000">
+              <a:off x="1496058" y="5609647"/>
+              <a:ext cx="1005840" cy="1252136"/>
+            </a:xfrm>
+            <a:prstGeom prst="rtTriangle">
+              <a:avLst/>
+            </a:prstGeom>
+            <a:solidFill>
+              <a:srgbClr val="FF0000"/>
+            </a:solidFill>
+            <a:ln>
+              <a:solidFill>
+                <a:srgbClr val="FF0000"/>
+              </a:solidFill>
+            </a:ln>
+            <a:effectLst/>
+          </p:spPr>
+          <p:style>
+            <a:lnRef idx="1">
+              <a:schemeClr val="accent1"/>
+            </a:lnRef>
+            <a:fillRef idx="3">
+              <a:schemeClr val="accent1"/>
+            </a:fillRef>
+            <a:effectRef idx="2">
+              <a:schemeClr val="accent1"/>
+            </a:effectRef>
+            <a:fontRef idx="minor">
+              <a:schemeClr val="lt1"/>
+            </a:fontRef>
+          </p:style>
+          <p:txBody>
+            <a:bodyPr rtlCol="0" anchor="ctr"/>
+            <a:lstStyle/>
+            <a:p>
+              <a:pPr algn="ctr"/>
+              <a:endParaRPr lang="en-US"/>
+            </a:p>
+          </p:txBody>
+        </p:sp>
+        <p:sp>
+          <p:nvSpPr>
+            <p:cNvPr id="20" name="Right Triangle 19"/>
+            <p:cNvSpPr/>
+            <p:nvPr/>
+          </p:nvSpPr>
+          <p:spPr>
+            <a:xfrm rot="5400000">
+              <a:off x="2378750" y="5729013"/>
+              <a:ext cx="1252136" cy="1005840"/>
+            </a:xfrm>
+            <a:prstGeom prst="rtTriangle">
+              <a:avLst/>
+            </a:prstGeom>
+            <a:solidFill>
+              <a:srgbClr val="FF0000"/>
+            </a:solidFill>
+            <a:ln>
+              <a:solidFill>
+                <a:srgbClr val="FF0000"/>
+              </a:solidFill>
+            </a:ln>
+            <a:effectLst/>
+          </p:spPr>
+          <p:style>
+            <a:lnRef idx="1">
+              <a:schemeClr val="accent1"/>
+            </a:lnRef>
+            <a:fillRef idx="3">
+              <a:schemeClr val="accent1"/>
+            </a:fillRef>
+            <a:effectRef idx="2">
+              <a:schemeClr val="accent1"/>
+            </a:effectRef>
+            <a:fontRef idx="minor">
+              <a:schemeClr val="lt1"/>
+            </a:fontRef>
+          </p:style>
+          <p:txBody>
+            <a:bodyPr rtlCol="0" anchor="ctr"/>
+            <a:lstStyle/>
+            <a:p>
+              <a:pPr algn="ctr"/>
+              <a:endParaRPr lang="en-US"/>
+            </a:p>
+          </p:txBody>
+        </p:sp>
+      </p:grpSp>
+    </p:spTree>
+    <p:extLst>
+      <p:ext uri="{BB962C8B-B14F-4D97-AF65-F5344CB8AC3E}">
+        <p14:creationId xmlns:p14="http://schemas.microsoft.com/office/powerpoint/2010/main" val="2683471171"/>
+      </p:ext>
+    </p:extLst>
+  </p:cSld>
+  <p:clrMapOvr>
+    <a:masterClrMapping/>
+  </p:clrMapOvr>
+  <p:timing>
+    <p:tnLst>
+      <p:par>
+        <p:cTn xmlns:p14="http://schemas.microsoft.com/office/powerpoint/2010/main" id="1" dur="indefinite" restart="never" nodeType="tmRoot"/>
+      </p:par>
+    </p:tnLst>
+  </p:timing>
+</p:sld>
+</file>
+
+<file path=ppt/slides/slide6.xml><?xml version="1.0" encoding="utf-8"?>
+<p:sld xmlns:a="http://schemas.openxmlformats.org/drawingml/2006/main" xmlns:r="http://schemas.openxmlformats.org/officeDocument/2006/relationships" xmlns:p="http://schemas.openxmlformats.org/presentationml/2006/main">
+  <p:cSld>
+    <p:spTree>
+      <p:nvGrpSpPr>
+        <p:cNvPr id="1" name=""/>
+        <p:cNvGrpSpPr/>
+        <p:nvPr/>
+      </p:nvGrpSpPr>
+      <p:grpSpPr>
+        <a:xfrm>
+          <a:off x="0" y="0"/>
+          <a:ext cx="0" cy="0"/>
+          <a:chOff x="0" y="0"/>
+          <a:chExt cx="0" cy="0"/>
+        </a:xfrm>
+      </p:grpSpPr>
+      <p:pic>
+        <p:nvPicPr>
+          <p:cNvPr id="2" name="Picture 1"/>
+          <p:cNvPicPr>
+            <a:picLocks noChangeAspect="1"/>
+          </p:cNvPicPr>
+          <p:nvPr/>
+        </p:nvPicPr>
+        <p:blipFill rotWithShape="1">
+          <a:blip r:embed="rId2"/>
+          <a:srcRect l="25362" t="23833" r="26650" b="29790"/>
+          <a:stretch/>
+        </p:blipFill>
+        <p:spPr>
+          <a:xfrm>
+            <a:off x="9542815" y="-226778"/>
+            <a:ext cx="7089913" cy="6852000"/>
+          </a:xfrm>
+          <a:prstGeom prst="rect">
+            <a:avLst/>
+          </a:prstGeom>
+        </p:spPr>
+      </p:pic>
+      <p:grpSp>
+        <p:nvGrpSpPr>
+          <p:cNvPr id="13" name="Group 12"/>
+          <p:cNvGrpSpPr>
+            <a:grpSpLocks noChangeAspect="1"/>
+          </p:cNvGrpSpPr>
+          <p:nvPr/>
+        </p:nvGrpSpPr>
+        <p:grpSpPr>
+          <a:xfrm>
+            <a:off x="1496057" y="36424"/>
+            <a:ext cx="6059638" cy="6822218"/>
+            <a:chOff x="1583277" y="-146397"/>
+            <a:chExt cx="6195257" cy="6974904"/>
+          </a:xfrm>
+          <a:solidFill>
+            <a:srgbClr val="2BE8DC"/>
+          </a:solidFill>
+        </p:grpSpPr>
+        <p:sp>
+          <p:nvSpPr>
+            <p:cNvPr id="5" name="Chord 4"/>
+            <p:cNvSpPr>
+              <a:spLocks noChangeAspect="1"/>
+            </p:cNvSpPr>
+            <p:nvPr/>
+          </p:nvSpPr>
+          <p:spPr>
+            <a:xfrm rot="5400000">
+              <a:off x="1583278" y="-146397"/>
+              <a:ext cx="6195256" cy="6195256"/>
+            </a:xfrm>
+            <a:prstGeom prst="chord">
+              <a:avLst>
+                <a:gd name="adj1" fmla="val 5396808"/>
+                <a:gd name="adj2" fmla="val 16200000"/>
+              </a:avLst>
+            </a:prstGeom>
+            <a:grpFill/>
+            <a:ln>
+              <a:solidFill>
+                <a:srgbClr val="2BE8DC"/>
+              </a:solidFill>
+            </a:ln>
+            <a:effectLst/>
+          </p:spPr>
+          <p:style>
+            <a:lnRef idx="1">
+              <a:schemeClr val="accent1"/>
+            </a:lnRef>
+            <a:fillRef idx="3">
+              <a:schemeClr val="accent1"/>
+            </a:fillRef>
+            <a:effectRef idx="2">
+              <a:schemeClr val="accent1"/>
+            </a:effectRef>
+            <a:fontRef idx="minor">
+              <a:schemeClr val="lt1"/>
+            </a:fontRef>
+          </p:style>
+          <p:txBody>
+            <a:bodyPr rtlCol="0" anchor="ctr"/>
+            <a:lstStyle/>
+            <a:p>
+              <a:pPr algn="ctr"/>
+              <a:endParaRPr lang="en-US"/>
+            </a:p>
+          </p:txBody>
+        </p:sp>
+        <p:sp>
+          <p:nvSpPr>
+            <p:cNvPr id="6" name="Rectangle 5"/>
+            <p:cNvSpPr/>
+            <p:nvPr/>
+          </p:nvSpPr>
+          <p:spPr>
+            <a:xfrm>
+              <a:off x="1583278" y="2959652"/>
+              <a:ext cx="6195256" cy="2584173"/>
+            </a:xfrm>
+            <a:prstGeom prst="rect">
+              <a:avLst/>
+            </a:prstGeom>
+            <a:grpFill/>
+            <a:ln>
+              <a:solidFill>
+                <a:srgbClr val="2BE8DC"/>
+              </a:solidFill>
+            </a:ln>
+            <a:effectLst/>
+          </p:spPr>
+          <p:style>
+            <a:lnRef idx="1">
+              <a:schemeClr val="accent1"/>
+            </a:lnRef>
+            <a:fillRef idx="3">
+              <a:schemeClr val="accent1"/>
+            </a:fillRef>
+            <a:effectRef idx="2">
+              <a:schemeClr val="accent1"/>
+            </a:effectRef>
+            <a:fontRef idx="minor">
+              <a:schemeClr val="lt1"/>
+            </a:fontRef>
+          </p:style>
+          <p:txBody>
+            <a:bodyPr rtlCol="0" anchor="ctr"/>
+            <a:lstStyle/>
+            <a:p>
+              <a:pPr algn="ctr"/>
+              <a:endParaRPr lang="en-US"/>
+            </a:p>
+          </p:txBody>
+        </p:sp>
+        <p:grpSp>
+          <p:nvGrpSpPr>
+            <p:cNvPr id="9" name="Group 8"/>
+            <p:cNvGrpSpPr>
+              <a:grpSpLocks noChangeAspect="1"/>
+            </p:cNvGrpSpPr>
+            <p:nvPr/>
+          </p:nvGrpSpPr>
+          <p:grpSpPr>
+            <a:xfrm>
+              <a:off x="1583277" y="5543824"/>
+              <a:ext cx="2560320" cy="1280161"/>
+              <a:chOff x="1583277" y="5543824"/>
+              <a:chExt cx="2224594" cy="1112298"/>
+            </a:xfrm>
+            <a:grpFill/>
+          </p:grpSpPr>
+          <p:sp>
+            <p:nvSpPr>
+              <p:cNvPr id="7" name="Right Triangle 6"/>
+              <p:cNvSpPr/>
+              <p:nvPr/>
+            </p:nvSpPr>
+            <p:spPr>
+              <a:xfrm rot="5400000">
+                <a:off x="1583277" y="5543824"/>
+                <a:ext cx="1112297" cy="1112297"/>
+              </a:xfrm>
+              <a:prstGeom prst="rtTriangle">
+                <a:avLst/>
+              </a:prstGeom>
+              <a:grpFill/>
+              <a:ln>
+                <a:solidFill>
+                  <a:srgbClr val="2BE8DC"/>
+                </a:solidFill>
+              </a:ln>
+              <a:effectLst/>
+            </p:spPr>
+            <p:style>
+              <a:lnRef idx="1">
+                <a:schemeClr val="accent1"/>
+              </a:lnRef>
+              <a:fillRef idx="3">
+                <a:schemeClr val="accent1"/>
+              </a:fillRef>
+              <a:effectRef idx="2">
+                <a:schemeClr val="accent1"/>
+              </a:effectRef>
+              <a:fontRef idx="minor">
+                <a:schemeClr val="lt1"/>
+              </a:fontRef>
+            </p:style>
+            <p:txBody>
+              <a:bodyPr rtlCol="0" anchor="ctr"/>
+              <a:lstStyle/>
+              <a:p>
+                <a:pPr algn="ctr"/>
+                <a:endParaRPr lang="en-US"/>
+              </a:p>
+            </p:txBody>
+          </p:sp>
+          <p:sp>
+            <p:nvSpPr>
+              <p:cNvPr id="8" name="Right Triangle 7"/>
+              <p:cNvSpPr/>
+              <p:nvPr/>
+            </p:nvSpPr>
+            <p:spPr>
+              <a:xfrm rot="10800000">
+                <a:off x="2695574" y="5543825"/>
+                <a:ext cx="1112297" cy="1112297"/>
+              </a:xfrm>
+              <a:prstGeom prst="rtTriangle">
+                <a:avLst/>
+              </a:prstGeom>
+              <a:grpFill/>
+              <a:ln>
+                <a:solidFill>
+                  <a:srgbClr val="2BE8DC"/>
+                </a:solidFill>
+              </a:ln>
+              <a:effectLst/>
+            </p:spPr>
+            <p:style>
+              <a:lnRef idx="1">
+                <a:schemeClr val="accent1"/>
+              </a:lnRef>
+              <a:fillRef idx="3">
+                <a:schemeClr val="accent1"/>
+              </a:fillRef>
+              <a:effectRef idx="2">
+                <a:schemeClr val="accent1"/>
+              </a:effectRef>
+              <a:fontRef idx="minor">
+                <a:schemeClr val="lt1"/>
+              </a:fontRef>
+            </p:style>
+            <p:txBody>
+              <a:bodyPr rtlCol="0" anchor="ctr"/>
+              <a:lstStyle/>
+              <a:p>
+                <a:pPr algn="ctr"/>
+                <a:endParaRPr lang="en-US"/>
+              </a:p>
+            </p:txBody>
+          </p:sp>
+        </p:grpSp>
+        <p:grpSp>
+          <p:nvGrpSpPr>
+            <p:cNvPr id="10" name="Group 9"/>
+            <p:cNvGrpSpPr>
+              <a:grpSpLocks noChangeAspect="1"/>
+            </p:cNvGrpSpPr>
+            <p:nvPr/>
+          </p:nvGrpSpPr>
+          <p:grpSpPr>
+            <a:xfrm>
+              <a:off x="5218214" y="5548346"/>
+              <a:ext cx="2560320" cy="1280161"/>
+              <a:chOff x="1583277" y="5543824"/>
+              <a:chExt cx="2224594" cy="1112298"/>
+            </a:xfrm>
+            <a:grpFill/>
+          </p:grpSpPr>
+          <p:sp>
+            <p:nvSpPr>
+              <p:cNvPr id="11" name="Right Triangle 10"/>
+              <p:cNvSpPr/>
+              <p:nvPr/>
+            </p:nvSpPr>
+            <p:spPr>
+              <a:xfrm rot="5400000">
+                <a:off x="1583277" y="5543824"/>
+                <a:ext cx="1112297" cy="1112297"/>
+              </a:xfrm>
+              <a:prstGeom prst="rtTriangle">
+                <a:avLst/>
+              </a:prstGeom>
+              <a:grpFill/>
+              <a:ln>
+                <a:solidFill>
+                  <a:srgbClr val="2BE8DC"/>
+                </a:solidFill>
+              </a:ln>
+              <a:effectLst/>
+            </p:spPr>
+            <p:style>
+              <a:lnRef idx="1">
+                <a:schemeClr val="accent1"/>
+              </a:lnRef>
+              <a:fillRef idx="3">
+                <a:schemeClr val="accent1"/>
+              </a:fillRef>
+              <a:effectRef idx="2">
+                <a:schemeClr val="accent1"/>
+              </a:effectRef>
+              <a:fontRef idx="minor">
+                <a:schemeClr val="lt1"/>
+              </a:fontRef>
+            </p:style>
+            <p:txBody>
+              <a:bodyPr rtlCol="0" anchor="ctr"/>
+              <a:lstStyle/>
+              <a:p>
+                <a:pPr algn="ctr"/>
+                <a:endParaRPr lang="en-US"/>
+              </a:p>
+            </p:txBody>
+          </p:sp>
+          <p:sp>
+            <p:nvSpPr>
+              <p:cNvPr id="12" name="Right Triangle 11"/>
+              <p:cNvSpPr/>
+              <p:nvPr/>
+            </p:nvSpPr>
+            <p:spPr>
+              <a:xfrm rot="10800000">
+                <a:off x="2695574" y="5543825"/>
+                <a:ext cx="1112297" cy="1112297"/>
+              </a:xfrm>
+              <a:prstGeom prst="rtTriangle">
+                <a:avLst/>
+              </a:prstGeom>
+              <a:grpFill/>
+              <a:ln>
+                <a:solidFill>
+                  <a:srgbClr val="2BE8DC"/>
+                </a:solidFill>
+              </a:ln>
+              <a:effectLst/>
+            </p:spPr>
+            <p:style>
+              <a:lnRef idx="1">
+                <a:schemeClr val="accent1"/>
+              </a:lnRef>
+              <a:fillRef idx="3">
+                <a:schemeClr val="accent1"/>
+              </a:fillRef>
+              <a:effectRef idx="2">
+                <a:schemeClr val="accent1"/>
+              </a:effectRef>
+              <a:fontRef idx="minor">
+                <a:schemeClr val="lt1"/>
+              </a:fontRef>
+            </p:style>
+            <p:txBody>
+              <a:bodyPr rtlCol="0" anchor="ctr"/>
+              <a:lstStyle/>
+              <a:p>
+                <a:pPr algn="ctr"/>
+                <a:endParaRPr lang="en-US"/>
+              </a:p>
+            </p:txBody>
+          </p:sp>
+        </p:grpSp>
+      </p:grpSp>
+    </p:spTree>
+    <p:extLst>
+      <p:ext uri="{BB962C8B-B14F-4D97-AF65-F5344CB8AC3E}">
+        <p14:creationId xmlns:p14="http://schemas.microsoft.com/office/powerpoint/2010/main" val="3724331711"/>
+      </p:ext>
+    </p:extLst>
+  </p:cSld>
+  <p:clrMapOvr>
+    <a:masterClrMapping/>
+  </p:clrMapOvr>
+  <p:timing>
+    <p:tnLst>
+      <p:par>
+        <p:cTn xmlns:p14="http://schemas.microsoft.com/office/powerpoint/2010/main" id="1" dur="indefinite" restart="never" nodeType="tmRoot"/>
+      </p:par>
+    </p:tnLst>
+  </p:timing>
+</p:sld>
+</file>
+
+<file path=ppt/slides/slide7.xml><?xml version="1.0" encoding="utf-8"?>
+<p:sld xmlns:a="http://schemas.openxmlformats.org/drawingml/2006/main" xmlns:r="http://schemas.openxmlformats.org/officeDocument/2006/relationships" xmlns:p="http://schemas.openxmlformats.org/presentationml/2006/main">
+  <p:cSld>
+    <p:spTree>
+      <p:nvGrpSpPr>
+        <p:cNvPr id="1" name=""/>
+        <p:cNvGrpSpPr/>
+        <p:nvPr/>
+      </p:nvGrpSpPr>
+      <p:grpSpPr>
+        <a:xfrm>
+          <a:off x="0" y="0"/>
+          <a:ext cx="0" cy="0"/>
+          <a:chOff x="0" y="0"/>
+          <a:chExt cx="0" cy="0"/>
+        </a:xfrm>
+      </p:grpSpPr>
+      <p:pic>
+        <p:nvPicPr>
+          <p:cNvPr id="2" name="Picture 1"/>
+          <p:cNvPicPr>
+            <a:picLocks noChangeAspect="1"/>
+          </p:cNvPicPr>
+          <p:nvPr/>
+        </p:nvPicPr>
+        <p:blipFill rotWithShape="1">
+          <a:blip r:embed="rId2"/>
+          <a:srcRect l="25362" t="23833" r="26650" b="29790"/>
+          <a:stretch/>
+        </p:blipFill>
+        <p:spPr>
+          <a:xfrm>
+            <a:off x="9542815" y="-226778"/>
+            <a:ext cx="7089913" cy="6852000"/>
+          </a:xfrm>
+          <a:prstGeom prst="rect">
+            <a:avLst/>
+          </a:prstGeom>
+        </p:spPr>
+      </p:pic>
+      <p:grpSp>
+        <p:nvGrpSpPr>
+          <p:cNvPr id="3" name="Group 2"/>
+          <p:cNvGrpSpPr>
+            <a:grpSpLocks noChangeAspect="1"/>
+          </p:cNvGrpSpPr>
+          <p:nvPr/>
+        </p:nvGrpSpPr>
+        <p:grpSpPr>
+          <a:xfrm>
+            <a:off x="1496058" y="36424"/>
+            <a:ext cx="6059637" cy="6825359"/>
+            <a:chOff x="1496058" y="36424"/>
+            <a:chExt cx="6059637" cy="6825359"/>
+          </a:xfrm>
+          <a:solidFill>
+            <a:srgbClr val="2BE8DC"/>
+          </a:solidFill>
+        </p:grpSpPr>
+        <p:sp>
+          <p:nvSpPr>
+            <p:cNvPr id="5" name="Chord 4"/>
+            <p:cNvSpPr>
+              <a:spLocks noChangeAspect="1"/>
+            </p:cNvSpPr>
+            <p:nvPr/>
+          </p:nvSpPr>
+          <p:spPr>
+            <a:xfrm rot="5400000">
+              <a:off x="1496058" y="36424"/>
+              <a:ext cx="6059637" cy="6059637"/>
+            </a:xfrm>
+            <a:prstGeom prst="chord">
+              <a:avLst>
+                <a:gd name="adj1" fmla="val 5396808"/>
+                <a:gd name="adj2" fmla="val 16200000"/>
+              </a:avLst>
+            </a:prstGeom>
+            <a:grpFill/>
+            <a:ln>
+              <a:solidFill>
+                <a:srgbClr val="2BE8DC"/>
+              </a:solidFill>
+            </a:ln>
+            <a:effectLst/>
+          </p:spPr>
+          <p:style>
+            <a:lnRef idx="1">
+              <a:schemeClr val="accent1"/>
+            </a:lnRef>
+            <a:fillRef idx="3">
+              <a:schemeClr val="accent1"/>
+            </a:fillRef>
+            <a:effectRef idx="2">
+              <a:schemeClr val="accent1"/>
+            </a:effectRef>
+            <a:fontRef idx="minor">
+              <a:schemeClr val="lt1"/>
+            </a:fontRef>
+          </p:style>
+          <p:txBody>
+            <a:bodyPr rtlCol="0" anchor="ctr"/>
+            <a:lstStyle/>
+            <a:p>
+              <a:pPr algn="ctr"/>
+              <a:endParaRPr lang="en-US"/>
+            </a:p>
+          </p:txBody>
+        </p:sp>
+        <p:sp>
+          <p:nvSpPr>
+            <p:cNvPr id="6" name="Rectangle 5"/>
+            <p:cNvSpPr/>
+            <p:nvPr/>
+          </p:nvSpPr>
+          <p:spPr>
+            <a:xfrm>
+              <a:off x="1496058" y="3074479"/>
+              <a:ext cx="6059637" cy="2527603"/>
+            </a:xfrm>
+            <a:prstGeom prst="rect">
+              <a:avLst/>
+            </a:prstGeom>
+            <a:grpFill/>
+            <a:ln>
+              <a:solidFill>
+                <a:srgbClr val="2BE8DC"/>
+              </a:solidFill>
+            </a:ln>
+            <a:effectLst/>
+          </p:spPr>
+          <p:style>
+            <a:lnRef idx="1">
+              <a:schemeClr val="accent1"/>
+            </a:lnRef>
+            <a:fillRef idx="3">
+              <a:schemeClr val="accent1"/>
+            </a:fillRef>
+            <a:effectRef idx="2">
+              <a:schemeClr val="accent1"/>
+            </a:effectRef>
+            <a:fontRef idx="minor">
+              <a:schemeClr val="lt1"/>
+            </a:fontRef>
+          </p:style>
+          <p:txBody>
+            <a:bodyPr rtlCol="0" anchor="ctr"/>
+            <a:lstStyle/>
+            <a:p>
+              <a:pPr algn="ctr"/>
+              <a:endParaRPr lang="en-US"/>
+            </a:p>
+          </p:txBody>
+        </p:sp>
+        <p:sp>
+          <p:nvSpPr>
+            <p:cNvPr id="8" name="Right Triangle 7"/>
+            <p:cNvSpPr/>
+            <p:nvPr/>
+          </p:nvSpPr>
+          <p:spPr>
+            <a:xfrm rot="10800000">
+              <a:off x="5544014" y="5605864"/>
+              <a:ext cx="1005840" cy="1252136"/>
+            </a:xfrm>
+            <a:prstGeom prst="rtTriangle">
+              <a:avLst/>
+            </a:prstGeom>
+            <a:grpFill/>
+            <a:ln>
+              <a:solidFill>
+                <a:srgbClr val="2BE8DC"/>
+              </a:solidFill>
+            </a:ln>
+            <a:effectLst/>
+          </p:spPr>
+          <p:style>
+            <a:lnRef idx="1">
+              <a:schemeClr val="accent1"/>
+            </a:lnRef>
+            <a:fillRef idx="3">
+              <a:schemeClr val="accent1"/>
+            </a:fillRef>
+            <a:effectRef idx="2">
+              <a:schemeClr val="accent1"/>
+            </a:effectRef>
+            <a:fontRef idx="minor">
+              <a:schemeClr val="lt1"/>
+            </a:fontRef>
+          </p:style>
+          <p:txBody>
+            <a:bodyPr rtlCol="0" anchor="ctr"/>
+            <a:lstStyle/>
+            <a:p>
+              <a:pPr algn="ctr"/>
+              <a:endParaRPr lang="en-US"/>
+            </a:p>
+          </p:txBody>
+        </p:sp>
+        <p:sp>
+          <p:nvSpPr>
+            <p:cNvPr id="11" name="Right Triangle 10"/>
+            <p:cNvSpPr/>
+            <p:nvPr/>
+          </p:nvSpPr>
+          <p:spPr>
+            <a:xfrm rot="5400000">
+              <a:off x="6426706" y="5725230"/>
+              <a:ext cx="1252136" cy="1005840"/>
+            </a:xfrm>
+            <a:prstGeom prst="rtTriangle">
+              <a:avLst/>
+            </a:prstGeom>
+            <a:grpFill/>
+            <a:ln>
+              <a:solidFill>
+                <a:srgbClr val="2BE8DC"/>
+              </a:solidFill>
+            </a:ln>
+            <a:effectLst/>
+          </p:spPr>
+          <p:style>
+            <a:lnRef idx="1">
+              <a:schemeClr val="accent1"/>
+            </a:lnRef>
+            <a:fillRef idx="3">
+              <a:schemeClr val="accent1"/>
+            </a:fillRef>
+            <a:effectRef idx="2">
+              <a:schemeClr val="accent1"/>
+            </a:effectRef>
+            <a:fontRef idx="minor">
+              <a:schemeClr val="lt1"/>
+            </a:fontRef>
+          </p:style>
+          <p:txBody>
+            <a:bodyPr rtlCol="0" anchor="ctr"/>
+            <a:lstStyle/>
+            <a:p>
+              <a:pPr algn="ctr"/>
+              <a:endParaRPr lang="en-US"/>
+            </a:p>
+          </p:txBody>
+        </p:sp>
+        <p:sp>
+          <p:nvSpPr>
+            <p:cNvPr id="17" name="Right Triangle 16"/>
+            <p:cNvSpPr/>
+            <p:nvPr/>
+          </p:nvSpPr>
+          <p:spPr>
+            <a:xfrm rot="10800000">
+              <a:off x="3522808" y="5606471"/>
+              <a:ext cx="1005840" cy="1252136"/>
+            </a:xfrm>
+            <a:prstGeom prst="rtTriangle">
+              <a:avLst/>
+            </a:prstGeom>
+            <a:grpFill/>
+            <a:ln>
+              <a:solidFill>
+                <a:srgbClr val="2BE8DC"/>
+              </a:solidFill>
+            </a:ln>
+            <a:effectLst/>
+          </p:spPr>
+          <p:style>
+            <a:lnRef idx="1">
+              <a:schemeClr val="accent1"/>
+            </a:lnRef>
+            <a:fillRef idx="3">
+              <a:schemeClr val="accent1"/>
+            </a:fillRef>
+            <a:effectRef idx="2">
+              <a:schemeClr val="accent1"/>
+            </a:effectRef>
+            <a:fontRef idx="minor">
+              <a:schemeClr val="lt1"/>
+            </a:fontRef>
+          </p:style>
+          <p:txBody>
+            <a:bodyPr rtlCol="0" anchor="ctr"/>
+            <a:lstStyle/>
+            <a:p>
+              <a:pPr algn="ctr"/>
+              <a:endParaRPr lang="en-US"/>
+            </a:p>
+          </p:txBody>
+        </p:sp>
+        <p:sp>
+          <p:nvSpPr>
+            <p:cNvPr id="18" name="Right Triangle 17"/>
+            <p:cNvSpPr/>
+            <p:nvPr/>
+          </p:nvSpPr>
+          <p:spPr>
+            <a:xfrm rot="5400000">
+              <a:off x="4405500" y="5725837"/>
+              <a:ext cx="1252136" cy="1005840"/>
+            </a:xfrm>
+            <a:prstGeom prst="rtTriangle">
+              <a:avLst/>
+            </a:prstGeom>
+            <a:grpFill/>
+            <a:ln>
+              <a:solidFill>
+                <a:srgbClr val="2BE8DC"/>
+              </a:solidFill>
+            </a:ln>
+            <a:effectLst/>
+          </p:spPr>
+          <p:style>
+            <a:lnRef idx="1">
+              <a:schemeClr val="accent1"/>
+            </a:lnRef>
+            <a:fillRef idx="3">
+              <a:schemeClr val="accent1"/>
+            </a:fillRef>
+            <a:effectRef idx="2">
+              <a:schemeClr val="accent1"/>
+            </a:effectRef>
+            <a:fontRef idx="minor">
+              <a:schemeClr val="lt1"/>
+            </a:fontRef>
+          </p:style>
+          <p:txBody>
+            <a:bodyPr rtlCol="0" anchor="ctr"/>
+            <a:lstStyle/>
+            <a:p>
+              <a:pPr algn="ctr"/>
+              <a:endParaRPr lang="en-US"/>
+            </a:p>
+          </p:txBody>
+        </p:sp>
+        <p:sp>
+          <p:nvSpPr>
+            <p:cNvPr id="19" name="Right Triangle 18"/>
+            <p:cNvSpPr/>
+            <p:nvPr/>
+          </p:nvSpPr>
+          <p:spPr>
+            <a:xfrm rot="10800000">
+              <a:off x="1496058" y="5609647"/>
+              <a:ext cx="1005840" cy="1252136"/>
+            </a:xfrm>
+            <a:prstGeom prst="rtTriangle">
+              <a:avLst/>
+            </a:prstGeom>
+            <a:grpFill/>
+            <a:ln>
+              <a:solidFill>
+                <a:srgbClr val="2BE8DC"/>
+              </a:solidFill>
+            </a:ln>
+            <a:effectLst/>
+          </p:spPr>
+          <p:style>
+            <a:lnRef idx="1">
+              <a:schemeClr val="accent1"/>
+            </a:lnRef>
+            <a:fillRef idx="3">
+              <a:schemeClr val="accent1"/>
+            </a:fillRef>
+            <a:effectRef idx="2">
+              <a:schemeClr val="accent1"/>
+            </a:effectRef>
+            <a:fontRef idx="minor">
+              <a:schemeClr val="lt1"/>
+            </a:fontRef>
+          </p:style>
+          <p:txBody>
+            <a:bodyPr rtlCol="0" anchor="ctr"/>
+            <a:lstStyle/>
+            <a:p>
+              <a:pPr algn="ctr"/>
+              <a:endParaRPr lang="en-US"/>
+            </a:p>
+          </p:txBody>
+        </p:sp>
+        <p:sp>
+          <p:nvSpPr>
+            <p:cNvPr id="20" name="Right Triangle 19"/>
+            <p:cNvSpPr/>
+            <p:nvPr/>
+          </p:nvSpPr>
+          <p:spPr>
+            <a:xfrm rot="5400000">
+              <a:off x="2378750" y="5729013"/>
+              <a:ext cx="1252136" cy="1005840"/>
+            </a:xfrm>
+            <a:prstGeom prst="rtTriangle">
+              <a:avLst/>
+            </a:prstGeom>
+            <a:grpFill/>
+            <a:ln>
+              <a:solidFill>
+                <a:srgbClr val="2BE8DC"/>
+              </a:solidFill>
+            </a:ln>
+            <a:effectLst/>
+          </p:spPr>
+          <p:style>
+            <a:lnRef idx="1">
+              <a:schemeClr val="accent1"/>
+            </a:lnRef>
+            <a:fillRef idx="3">
+              <a:schemeClr val="accent1"/>
+            </a:fillRef>
+            <a:effectRef idx="2">
+              <a:schemeClr val="accent1"/>
+            </a:effectRef>
+            <a:fontRef idx="minor">
+              <a:schemeClr val="lt1"/>
+            </a:fontRef>
+          </p:style>
+          <p:txBody>
+            <a:bodyPr rtlCol="0" anchor="ctr"/>
+            <a:lstStyle/>
+            <a:p>
+              <a:pPr algn="ctr"/>
+              <a:endParaRPr lang="en-US"/>
+            </a:p>
+          </p:txBody>
+        </p:sp>
+      </p:grpSp>
+    </p:spTree>
+    <p:extLst>
+      <p:ext uri="{BB962C8B-B14F-4D97-AF65-F5344CB8AC3E}">
+        <p14:creationId xmlns:p14="http://schemas.microsoft.com/office/powerpoint/2010/main" val="3466981860"/>
+      </p:ext>
+    </p:extLst>
+  </p:cSld>
+  <p:clrMapOvr>
+    <a:masterClrMapping/>
+  </p:clrMapOvr>
+  <p:timing>
+    <p:tnLst>
+      <p:par>
+        <p:cTn xmlns:p14="http://schemas.microsoft.com/office/powerpoint/2010/main" id="1" dur="indefinite" restart="never" nodeType="tmRoot"/>
+      </p:par>
+    </p:tnLst>
+  </p:timing>
+</p:sld>
+</file>
+
+<file path=ppt/slides/slide8.xml><?xml version="1.0" encoding="utf-8"?>
+<p:sld xmlns:a="http://schemas.openxmlformats.org/drawingml/2006/main" xmlns:r="http://schemas.openxmlformats.org/officeDocument/2006/relationships" xmlns:p="http://schemas.openxmlformats.org/presentationml/2006/main">
+  <p:cSld>
+    <p:spTree>
+      <p:nvGrpSpPr>
+        <p:cNvPr id="1" name=""/>
+        <p:cNvGrpSpPr/>
+        <p:nvPr/>
+      </p:nvGrpSpPr>
+      <p:grpSpPr>
+        <a:xfrm>
+          <a:off x="0" y="0"/>
+          <a:ext cx="0" cy="0"/>
+          <a:chOff x="0" y="0"/>
+          <a:chExt cx="0" cy="0"/>
+        </a:xfrm>
+      </p:grpSpPr>
+      <p:pic>
+        <p:nvPicPr>
+          <p:cNvPr id="2" name="Picture 1"/>
+          <p:cNvPicPr>
+            <a:picLocks noChangeAspect="1"/>
+          </p:cNvPicPr>
+          <p:nvPr/>
+        </p:nvPicPr>
+        <p:blipFill rotWithShape="1">
+          <a:blip r:embed="rId2"/>
+          <a:srcRect l="25362" t="23833" r="26650" b="29790"/>
+          <a:stretch/>
+        </p:blipFill>
+        <p:spPr>
+          <a:xfrm>
+            <a:off x="9542815" y="-226778"/>
+            <a:ext cx="7089913" cy="6852000"/>
+          </a:xfrm>
+          <a:prstGeom prst="rect">
+            <a:avLst/>
+          </a:prstGeom>
+        </p:spPr>
+      </p:pic>
+      <p:grpSp>
+        <p:nvGrpSpPr>
+          <p:cNvPr id="13" name="Group 12"/>
+          <p:cNvGrpSpPr>
+            <a:grpSpLocks noChangeAspect="1"/>
+          </p:cNvGrpSpPr>
+          <p:nvPr/>
+        </p:nvGrpSpPr>
+        <p:grpSpPr>
+          <a:xfrm>
+            <a:off x="1496057" y="36424"/>
+            <a:ext cx="6059638" cy="6822218"/>
+            <a:chOff x="1583277" y="-146397"/>
+            <a:chExt cx="6195257" cy="6974904"/>
+          </a:xfrm>
+          <a:solidFill>
+            <a:srgbClr val="FFCE23"/>
+          </a:solidFill>
+        </p:grpSpPr>
+        <p:sp>
+          <p:nvSpPr>
+            <p:cNvPr id="5" name="Chord 4"/>
+            <p:cNvSpPr>
+              <a:spLocks noChangeAspect="1"/>
+            </p:cNvSpPr>
+            <p:nvPr/>
+          </p:nvSpPr>
+          <p:spPr>
+            <a:xfrm rot="5400000">
+              <a:off x="1583278" y="-146397"/>
+              <a:ext cx="6195256" cy="6195256"/>
+            </a:xfrm>
+            <a:prstGeom prst="chord">
+              <a:avLst>
+                <a:gd name="adj1" fmla="val 5396808"/>
+                <a:gd name="adj2" fmla="val 16200000"/>
+              </a:avLst>
+            </a:prstGeom>
+            <a:grpFill/>
+            <a:ln>
+              <a:solidFill>
+                <a:srgbClr val="FFCE23"/>
+              </a:solidFill>
+            </a:ln>
+            <a:effectLst/>
+          </p:spPr>
+          <p:style>
+            <a:lnRef idx="1">
+              <a:schemeClr val="accent1"/>
+            </a:lnRef>
+            <a:fillRef idx="3">
+              <a:schemeClr val="accent1"/>
+            </a:fillRef>
+            <a:effectRef idx="2">
+              <a:schemeClr val="accent1"/>
+            </a:effectRef>
+            <a:fontRef idx="minor">
+              <a:schemeClr val="lt1"/>
+            </a:fontRef>
+          </p:style>
+          <p:txBody>
+            <a:bodyPr rtlCol="0" anchor="ctr"/>
+            <a:lstStyle/>
+            <a:p>
+              <a:pPr algn="ctr"/>
+              <a:endParaRPr lang="en-US"/>
+            </a:p>
+          </p:txBody>
+        </p:sp>
+        <p:sp>
+          <p:nvSpPr>
+            <p:cNvPr id="6" name="Rectangle 5"/>
+            <p:cNvSpPr/>
+            <p:nvPr/>
+          </p:nvSpPr>
+          <p:spPr>
+            <a:xfrm>
+              <a:off x="1583278" y="2959652"/>
+              <a:ext cx="6195256" cy="2584173"/>
+            </a:xfrm>
+            <a:prstGeom prst="rect">
+              <a:avLst/>
+            </a:prstGeom>
+            <a:grpFill/>
+            <a:ln>
+              <a:solidFill>
+                <a:srgbClr val="FFCE23"/>
+              </a:solidFill>
+            </a:ln>
+            <a:effectLst/>
+          </p:spPr>
+          <p:style>
+            <a:lnRef idx="1">
+              <a:schemeClr val="accent1"/>
+            </a:lnRef>
+            <a:fillRef idx="3">
+              <a:schemeClr val="accent1"/>
+            </a:fillRef>
+            <a:effectRef idx="2">
+              <a:schemeClr val="accent1"/>
+            </a:effectRef>
+            <a:fontRef idx="minor">
+              <a:schemeClr val="lt1"/>
+            </a:fontRef>
+          </p:style>
+          <p:txBody>
+            <a:bodyPr rtlCol="0" anchor="ctr"/>
+            <a:lstStyle/>
+            <a:p>
+              <a:pPr algn="ctr"/>
+              <a:endParaRPr lang="en-US"/>
+            </a:p>
+          </p:txBody>
+        </p:sp>
+        <p:grpSp>
+          <p:nvGrpSpPr>
+            <p:cNvPr id="9" name="Group 8"/>
+            <p:cNvGrpSpPr>
+              <a:grpSpLocks noChangeAspect="1"/>
+            </p:cNvGrpSpPr>
+            <p:nvPr/>
+          </p:nvGrpSpPr>
+          <p:grpSpPr>
+            <a:xfrm>
+              <a:off x="1583277" y="5543824"/>
+              <a:ext cx="2560320" cy="1280161"/>
+              <a:chOff x="1583277" y="5543824"/>
+              <a:chExt cx="2224594" cy="1112298"/>
+            </a:xfrm>
+            <a:grpFill/>
+          </p:grpSpPr>
+          <p:sp>
+            <p:nvSpPr>
+              <p:cNvPr id="7" name="Right Triangle 6"/>
+              <p:cNvSpPr/>
+              <p:nvPr/>
+            </p:nvSpPr>
+            <p:spPr>
+              <a:xfrm rot="5400000">
+                <a:off x="1583277" y="5543824"/>
+                <a:ext cx="1112297" cy="1112297"/>
+              </a:xfrm>
+              <a:prstGeom prst="rtTriangle">
+                <a:avLst/>
+              </a:prstGeom>
+              <a:grpFill/>
+              <a:ln>
+                <a:solidFill>
+                  <a:srgbClr val="FFCE23"/>
+                </a:solidFill>
+              </a:ln>
+              <a:effectLst/>
+            </p:spPr>
+            <p:style>
+              <a:lnRef idx="1">
+                <a:schemeClr val="accent1"/>
+              </a:lnRef>
+              <a:fillRef idx="3">
+                <a:schemeClr val="accent1"/>
+              </a:fillRef>
+              <a:effectRef idx="2">
+                <a:schemeClr val="accent1"/>
+              </a:effectRef>
+              <a:fontRef idx="minor">
+                <a:schemeClr val="lt1"/>
+              </a:fontRef>
+            </p:style>
+            <p:txBody>
+              <a:bodyPr rtlCol="0" anchor="ctr"/>
+              <a:lstStyle/>
+              <a:p>
+                <a:pPr algn="ctr"/>
+                <a:endParaRPr lang="en-US"/>
+              </a:p>
+            </p:txBody>
+          </p:sp>
+          <p:sp>
+            <p:nvSpPr>
+              <p:cNvPr id="8" name="Right Triangle 7"/>
+              <p:cNvSpPr/>
+              <p:nvPr/>
+            </p:nvSpPr>
+            <p:spPr>
+              <a:xfrm rot="10800000">
+                <a:off x="2695574" y="5543825"/>
+                <a:ext cx="1112297" cy="1112297"/>
+              </a:xfrm>
+              <a:prstGeom prst="rtTriangle">
+                <a:avLst/>
+              </a:prstGeom>
+              <a:grpFill/>
+              <a:ln>
+                <a:solidFill>
+                  <a:srgbClr val="FFCE23"/>
+                </a:solidFill>
+              </a:ln>
+              <a:effectLst/>
+            </p:spPr>
+            <p:style>
+              <a:lnRef idx="1">
+                <a:schemeClr val="accent1"/>
+              </a:lnRef>
+              <a:fillRef idx="3">
+                <a:schemeClr val="accent1"/>
+              </a:fillRef>
+              <a:effectRef idx="2">
+                <a:schemeClr val="accent1"/>
+              </a:effectRef>
+              <a:fontRef idx="minor">
+                <a:schemeClr val="lt1"/>
+              </a:fontRef>
+            </p:style>
+            <p:txBody>
+              <a:bodyPr rtlCol="0" anchor="ctr"/>
+              <a:lstStyle/>
+              <a:p>
+                <a:pPr algn="ctr"/>
+                <a:endParaRPr lang="en-US"/>
+              </a:p>
+            </p:txBody>
+          </p:sp>
+        </p:grpSp>
+        <p:grpSp>
+          <p:nvGrpSpPr>
+            <p:cNvPr id="10" name="Group 9"/>
+            <p:cNvGrpSpPr>
+              <a:grpSpLocks noChangeAspect="1"/>
+            </p:cNvGrpSpPr>
+            <p:nvPr/>
+          </p:nvGrpSpPr>
+          <p:grpSpPr>
+            <a:xfrm>
+              <a:off x="5218214" y="5548346"/>
+              <a:ext cx="2560320" cy="1280161"/>
+              <a:chOff x="1583277" y="5543824"/>
+              <a:chExt cx="2224594" cy="1112298"/>
+            </a:xfrm>
+            <a:grpFill/>
+          </p:grpSpPr>
+          <p:sp>
+            <p:nvSpPr>
+              <p:cNvPr id="11" name="Right Triangle 10"/>
+              <p:cNvSpPr/>
+              <p:nvPr/>
+            </p:nvSpPr>
+            <p:spPr>
+              <a:xfrm rot="5400000">
+                <a:off x="1583277" y="5543824"/>
+                <a:ext cx="1112297" cy="1112297"/>
+              </a:xfrm>
+              <a:prstGeom prst="rtTriangle">
+                <a:avLst/>
+              </a:prstGeom>
+              <a:grpFill/>
+              <a:ln>
+                <a:solidFill>
+                  <a:srgbClr val="FFCE23"/>
+                </a:solidFill>
+              </a:ln>
+              <a:effectLst/>
+            </p:spPr>
+            <p:style>
+              <a:lnRef idx="1">
+                <a:schemeClr val="accent1"/>
+              </a:lnRef>
+              <a:fillRef idx="3">
+                <a:schemeClr val="accent1"/>
+              </a:fillRef>
+              <a:effectRef idx="2">
+                <a:schemeClr val="accent1"/>
+              </a:effectRef>
+              <a:fontRef idx="minor">
+                <a:schemeClr val="lt1"/>
+              </a:fontRef>
+            </p:style>
+            <p:txBody>
+              <a:bodyPr rtlCol="0" anchor="ctr"/>
+              <a:lstStyle/>
+              <a:p>
+                <a:pPr algn="ctr"/>
+                <a:endParaRPr lang="en-US"/>
+              </a:p>
+            </p:txBody>
+          </p:sp>
+          <p:sp>
+            <p:nvSpPr>
+              <p:cNvPr id="12" name="Right Triangle 11"/>
+              <p:cNvSpPr/>
+              <p:nvPr/>
+            </p:nvSpPr>
+            <p:spPr>
+              <a:xfrm rot="10800000">
+                <a:off x="2695574" y="5543825"/>
+                <a:ext cx="1112297" cy="1112297"/>
+              </a:xfrm>
+              <a:prstGeom prst="rtTriangle">
+                <a:avLst/>
+              </a:prstGeom>
+              <a:grpFill/>
+              <a:ln>
+                <a:solidFill>
+                  <a:srgbClr val="FFCE23"/>
+                </a:solidFill>
+              </a:ln>
+              <a:effectLst/>
+            </p:spPr>
+            <p:style>
+              <a:lnRef idx="1">
+                <a:schemeClr val="accent1"/>
+              </a:lnRef>
+              <a:fillRef idx="3">
+                <a:schemeClr val="accent1"/>
+              </a:fillRef>
+              <a:effectRef idx="2">
+                <a:schemeClr val="accent1"/>
+              </a:effectRef>
+              <a:fontRef idx="minor">
+                <a:schemeClr val="lt1"/>
+              </a:fontRef>
+            </p:style>
+            <p:txBody>
+              <a:bodyPr rtlCol="0" anchor="ctr"/>
+              <a:lstStyle/>
+              <a:p>
+                <a:pPr algn="ctr"/>
+                <a:endParaRPr lang="en-US"/>
+              </a:p>
+            </p:txBody>
+          </p:sp>
+        </p:grpSp>
+      </p:grpSp>
+    </p:spTree>
+    <p:extLst>
+      <p:ext uri="{BB962C8B-B14F-4D97-AF65-F5344CB8AC3E}">
+        <p14:creationId xmlns:p14="http://schemas.microsoft.com/office/powerpoint/2010/main" val="2625621909"/>
+      </p:ext>
+    </p:extLst>
+  </p:cSld>
+  <p:clrMapOvr>
+    <a:masterClrMapping/>
+  </p:clrMapOvr>
+  <p:timing>
+    <p:tnLst>
+      <p:par>
+        <p:cTn xmlns:p14="http://schemas.microsoft.com/office/powerpoint/2010/main" id="1" dur="indefinite" restart="never" nodeType="tmRoot"/>
+      </p:par>
+    </p:tnLst>
+  </p:timing>
+</p:sld>
+</file>
+
+<file path=ppt/slides/slide9.xml><?xml version="1.0" encoding="utf-8"?>
+<p:sld xmlns:a="http://schemas.openxmlformats.org/drawingml/2006/main" xmlns:r="http://schemas.openxmlformats.org/officeDocument/2006/relationships" xmlns:p="http://schemas.openxmlformats.org/presentationml/2006/main">
+  <p:cSld>
+    <p:spTree>
+      <p:nvGrpSpPr>
+        <p:cNvPr id="1" name=""/>
+        <p:cNvGrpSpPr/>
+        <p:nvPr/>
+      </p:nvGrpSpPr>
+      <p:grpSpPr>
+        <a:xfrm>
+          <a:off x="0" y="0"/>
+          <a:ext cx="0" cy="0"/>
+          <a:chOff x="0" y="0"/>
+          <a:chExt cx="0" cy="0"/>
+        </a:xfrm>
+      </p:grpSpPr>
+      <p:pic>
+        <p:nvPicPr>
+          <p:cNvPr id="2" name="Picture 1"/>
+          <p:cNvPicPr>
+            <a:picLocks noChangeAspect="1"/>
+          </p:cNvPicPr>
+          <p:nvPr/>
+        </p:nvPicPr>
+        <p:blipFill rotWithShape="1">
+          <a:blip r:embed="rId2"/>
+          <a:srcRect l="25362" t="23833" r="26650" b="29790"/>
+          <a:stretch/>
+        </p:blipFill>
+        <p:spPr>
+          <a:xfrm>
+            <a:off x="9542815" y="-226778"/>
+            <a:ext cx="7089913" cy="6852000"/>
+          </a:xfrm>
+          <a:prstGeom prst="rect">
+            <a:avLst/>
+          </a:prstGeom>
+        </p:spPr>
+      </p:pic>
+      <p:grpSp>
+        <p:nvGrpSpPr>
+          <p:cNvPr id="3" name="Group 2"/>
+          <p:cNvGrpSpPr>
+            <a:grpSpLocks noChangeAspect="1"/>
+          </p:cNvGrpSpPr>
+          <p:nvPr/>
+        </p:nvGrpSpPr>
+        <p:grpSpPr>
+          <a:xfrm>
+            <a:off x="1496058" y="36424"/>
+            <a:ext cx="6059637" cy="6825359"/>
+            <a:chOff x="1496058" y="36424"/>
+            <a:chExt cx="6059637" cy="6825359"/>
+          </a:xfrm>
+          <a:solidFill>
+            <a:srgbClr val="FFCE23"/>
+          </a:solidFill>
+        </p:grpSpPr>
+        <p:sp>
+          <p:nvSpPr>
+            <p:cNvPr id="5" name="Chord 4"/>
+            <p:cNvSpPr>
+              <a:spLocks noChangeAspect="1"/>
+            </p:cNvSpPr>
+            <p:nvPr/>
+          </p:nvSpPr>
+          <p:spPr>
+            <a:xfrm rot="5400000">
+              <a:off x="1496058" y="36424"/>
+              <a:ext cx="6059637" cy="6059637"/>
+            </a:xfrm>
+            <a:prstGeom prst="chord">
+              <a:avLst>
+                <a:gd name="adj1" fmla="val 5396808"/>
+                <a:gd name="adj2" fmla="val 16200000"/>
+              </a:avLst>
+            </a:prstGeom>
+            <a:grpFill/>
+            <a:ln>
+              <a:solidFill>
+                <a:srgbClr val="FFCE23"/>
+              </a:solidFill>
+            </a:ln>
+            <a:effectLst/>
+          </p:spPr>
+          <p:style>
+            <a:lnRef idx="1">
+              <a:schemeClr val="accent1"/>
+            </a:lnRef>
+            <a:fillRef idx="3">
+              <a:schemeClr val="accent1"/>
+            </a:fillRef>
+            <a:effectRef idx="2">
+              <a:schemeClr val="accent1"/>
+            </a:effectRef>
+            <a:fontRef idx="minor">
+              <a:schemeClr val="lt1"/>
+            </a:fontRef>
+          </p:style>
+          <p:txBody>
+            <a:bodyPr rtlCol="0" anchor="ctr"/>
+            <a:lstStyle/>
+            <a:p>
+              <a:pPr algn="ctr"/>
+              <a:endParaRPr lang="en-US"/>
+            </a:p>
+          </p:txBody>
+        </p:sp>
+        <p:sp>
+          <p:nvSpPr>
+            <p:cNvPr id="6" name="Rectangle 5"/>
+            <p:cNvSpPr/>
+            <p:nvPr/>
+          </p:nvSpPr>
+          <p:spPr>
+            <a:xfrm>
+              <a:off x="1496058" y="3074479"/>
+              <a:ext cx="6059637" cy="2527603"/>
+            </a:xfrm>
+            <a:prstGeom prst="rect">
+              <a:avLst/>
+            </a:prstGeom>
+            <a:grpFill/>
+            <a:ln>
+              <a:solidFill>
+                <a:srgbClr val="FFCE23"/>
+              </a:solidFill>
+            </a:ln>
+            <a:effectLst/>
+          </p:spPr>
+          <p:style>
+            <a:lnRef idx="1">
+              <a:schemeClr val="accent1"/>
+            </a:lnRef>
+            <a:fillRef idx="3">
+              <a:schemeClr val="accent1"/>
+            </a:fillRef>
+            <a:effectRef idx="2">
+              <a:schemeClr val="accent1"/>
+            </a:effectRef>
+            <a:fontRef idx="minor">
+              <a:schemeClr val="lt1"/>
+            </a:fontRef>
+          </p:style>
+          <p:txBody>
+            <a:bodyPr rtlCol="0" anchor="ctr"/>
+            <a:lstStyle/>
+            <a:p>
+              <a:pPr algn="ctr"/>
+              <a:endParaRPr lang="en-US"/>
+            </a:p>
+          </p:txBody>
+        </p:sp>
+        <p:sp>
+          <p:nvSpPr>
+            <p:cNvPr id="8" name="Right Triangle 7"/>
+            <p:cNvSpPr/>
+            <p:nvPr/>
+          </p:nvSpPr>
+          <p:spPr>
+            <a:xfrm rot="10800000">
+              <a:off x="5544014" y="5605864"/>
+              <a:ext cx="1005840" cy="1252136"/>
+            </a:xfrm>
+            <a:prstGeom prst="rtTriangle">
+              <a:avLst/>
+            </a:prstGeom>
+            <a:grpFill/>
+            <a:ln>
+              <a:solidFill>
+                <a:srgbClr val="FFCE23"/>
+              </a:solidFill>
+            </a:ln>
+            <a:effectLst/>
+          </p:spPr>
+          <p:style>
+            <a:lnRef idx="1">
+              <a:schemeClr val="accent1"/>
+            </a:lnRef>
+            <a:fillRef idx="3">
+              <a:schemeClr val="accent1"/>
+            </a:fillRef>
+            <a:effectRef idx="2">
+              <a:schemeClr val="accent1"/>
+            </a:effectRef>
+            <a:fontRef idx="minor">
+              <a:schemeClr val="lt1"/>
+            </a:fontRef>
+          </p:style>
+          <p:txBody>
+            <a:bodyPr rtlCol="0" anchor="ctr"/>
+            <a:lstStyle/>
+            <a:p>
+              <a:pPr algn="ctr"/>
+              <a:endParaRPr lang="en-US"/>
+            </a:p>
+          </p:txBody>
+        </p:sp>
+        <p:sp>
+          <p:nvSpPr>
+            <p:cNvPr id="11" name="Right Triangle 10"/>
+            <p:cNvSpPr/>
+            <p:nvPr/>
+          </p:nvSpPr>
+          <p:spPr>
+            <a:xfrm rot="5400000">
+              <a:off x="6426706" y="5725230"/>
+              <a:ext cx="1252136" cy="1005840"/>
+            </a:xfrm>
+            <a:prstGeom prst="rtTriangle">
+              <a:avLst/>
+            </a:prstGeom>
+            <a:grpFill/>
+            <a:ln>
+              <a:solidFill>
+                <a:srgbClr val="FFCE23"/>
+              </a:solidFill>
+            </a:ln>
+            <a:effectLst/>
+          </p:spPr>
+          <p:style>
+            <a:lnRef idx="1">
+              <a:schemeClr val="accent1"/>
+            </a:lnRef>
+            <a:fillRef idx="3">
+              <a:schemeClr val="accent1"/>
+            </a:fillRef>
+            <a:effectRef idx="2">
+              <a:schemeClr val="accent1"/>
+            </a:effectRef>
+            <a:fontRef idx="minor">
+              <a:schemeClr val="lt1"/>
+            </a:fontRef>
+          </p:style>
+          <p:txBody>
+            <a:bodyPr rtlCol="0" anchor="ctr"/>
+            <a:lstStyle/>
+            <a:p>
+              <a:pPr algn="ctr"/>
+              <a:endParaRPr lang="en-US"/>
+            </a:p>
+          </p:txBody>
+        </p:sp>
+        <p:sp>
+          <p:nvSpPr>
+            <p:cNvPr id="17" name="Right Triangle 16"/>
+            <p:cNvSpPr/>
+            <p:nvPr/>
+          </p:nvSpPr>
+          <p:spPr>
+            <a:xfrm rot="10800000">
+              <a:off x="3522808" y="5606471"/>
+              <a:ext cx="1005840" cy="1252136"/>
+            </a:xfrm>
+            <a:prstGeom prst="rtTriangle">
+              <a:avLst/>
+            </a:prstGeom>
+            <a:grpFill/>
+            <a:ln>
+              <a:solidFill>
+                <a:srgbClr val="FFCE23"/>
+              </a:solidFill>
+            </a:ln>
+            <a:effectLst/>
+          </p:spPr>
+          <p:style>
+            <a:lnRef idx="1">
+              <a:schemeClr val="accent1"/>
+            </a:lnRef>
+            <a:fillRef idx="3">
+              <a:schemeClr val="accent1"/>
+            </a:fillRef>
+            <a:effectRef idx="2">
+              <a:schemeClr val="accent1"/>
+            </a:effectRef>
+            <a:fontRef idx="minor">
+              <a:schemeClr val="lt1"/>
+            </a:fontRef>
+          </p:style>
+          <p:txBody>
+            <a:bodyPr rtlCol="0" anchor="ctr"/>
+            <a:lstStyle/>
+            <a:p>
+              <a:pPr algn="ctr"/>
+              <a:endParaRPr lang="en-US"/>
+            </a:p>
+          </p:txBody>
+        </p:sp>
+        <p:sp>
+          <p:nvSpPr>
+            <p:cNvPr id="18" name="Right Triangle 17"/>
+            <p:cNvSpPr/>
+            <p:nvPr/>
+          </p:nvSpPr>
+          <p:spPr>
+            <a:xfrm rot="5400000">
+              <a:off x="4405500" y="5725837"/>
+              <a:ext cx="1252136" cy="1005840"/>
+            </a:xfrm>
+            <a:prstGeom prst="rtTriangle">
+              <a:avLst/>
+            </a:prstGeom>
+            <a:grpFill/>
+            <a:ln>
+              <a:solidFill>
+                <a:srgbClr val="FFCE23"/>
+              </a:solidFill>
+            </a:ln>
+            <a:effectLst/>
+          </p:spPr>
+          <p:style>
+            <a:lnRef idx="1">
+              <a:schemeClr val="accent1"/>
+            </a:lnRef>
+            <a:fillRef idx="3">
+              <a:schemeClr val="accent1"/>
+            </a:fillRef>
+            <a:effectRef idx="2">
+              <a:schemeClr val="accent1"/>
+            </a:effectRef>
+            <a:fontRef idx="minor">
+              <a:schemeClr val="lt1"/>
+            </a:fontRef>
+          </p:style>
+          <p:txBody>
+            <a:bodyPr rtlCol="0" anchor="ctr"/>
+            <a:lstStyle/>
+            <a:p>
+              <a:pPr algn="ctr"/>
+              <a:endParaRPr lang="en-US"/>
+            </a:p>
+          </p:txBody>
+        </p:sp>
+        <p:sp>
+          <p:nvSpPr>
+            <p:cNvPr id="19" name="Right Triangle 18"/>
+            <p:cNvSpPr/>
+            <p:nvPr/>
+          </p:nvSpPr>
+          <p:spPr>
+            <a:xfrm rot="10800000">
+              <a:off x="1496058" y="5609647"/>
+              <a:ext cx="1005840" cy="1252136"/>
+            </a:xfrm>
+            <a:prstGeom prst="rtTriangle">
+              <a:avLst/>
+            </a:prstGeom>
+            <a:grpFill/>
+            <a:ln>
+              <a:solidFill>
+                <a:srgbClr val="FFCE23"/>
+              </a:solidFill>
+            </a:ln>
+            <a:effectLst/>
+          </p:spPr>
+          <p:style>
+            <a:lnRef idx="1">
+              <a:schemeClr val="accent1"/>
+            </a:lnRef>
+            <a:fillRef idx="3">
+              <a:schemeClr val="accent1"/>
+            </a:fillRef>
+            <a:effectRef idx="2">
+              <a:schemeClr val="accent1"/>
+            </a:effectRef>
+            <a:fontRef idx="minor">
+              <a:schemeClr val="lt1"/>
+            </a:fontRef>
+          </p:style>
+          <p:txBody>
+            <a:bodyPr rtlCol="0" anchor="ctr"/>
+            <a:lstStyle/>
+            <a:p>
+              <a:pPr algn="ctr"/>
+              <a:endParaRPr lang="en-US"/>
+            </a:p>
+          </p:txBody>
+        </p:sp>
+        <p:sp>
+          <p:nvSpPr>
+            <p:cNvPr id="20" name="Right Triangle 19"/>
+            <p:cNvSpPr/>
+            <p:nvPr/>
+          </p:nvSpPr>
+          <p:spPr>
+            <a:xfrm rot="5400000">
+              <a:off x="2378750" y="5729013"/>
+              <a:ext cx="1252136" cy="1005840"/>
+            </a:xfrm>
+            <a:prstGeom prst="rtTriangle">
+              <a:avLst/>
+            </a:prstGeom>
+            <a:grpFill/>
+            <a:ln>
+              <a:solidFill>
+                <a:srgbClr val="FFCE23"/>
+              </a:solidFill>
+            </a:ln>
+            <a:effectLst/>
+          </p:spPr>
+          <p:style>
+            <a:lnRef idx="1">
+              <a:schemeClr val="accent1"/>
+            </a:lnRef>
+            <a:fillRef idx="3">
+              <a:schemeClr val="accent1"/>
+            </a:fillRef>
+            <a:effectRef idx="2">
+              <a:schemeClr val="accent1"/>
+            </a:effectRef>
+            <a:fontRef idx="minor">
+              <a:schemeClr val="lt1"/>
+            </a:fontRef>
+          </p:style>
+          <p:txBody>
+            <a:bodyPr rtlCol="0" anchor="ctr"/>
+            <a:lstStyle/>
+            <a:p>
+              <a:pPr algn="ctr"/>
+              <a:endParaRPr lang="en-US"/>
+            </a:p>
+          </p:txBody>
+        </p:sp>
+      </p:grpSp>
+    </p:spTree>
+    <p:extLst>
+      <p:ext uri="{BB962C8B-B14F-4D97-AF65-F5344CB8AC3E}">
+        <p14:creationId xmlns:p14="http://schemas.microsoft.com/office/powerpoint/2010/main" val="2683435881"/>
+      </p:ext>
+    </p:extLst>
+  </p:cSld>
+  <p:clrMapOvr>
+    <a:masterClrMapping/>
+  </p:clrMapOvr>
+  <p:timing>
+    <p:tnLst>
+      <p:par>
+        <p:cTn xmlns:p14="http://schemas.microsoft.com/office/powerpoint/2010/main" id="1" dur="indefinite" restart="never" nodeType="tmRoot"/>
+      </p:par>
+    </p:tnLst>
+  </p:timing>
+</p:sld>
+</file>
+
 <file path=ppt/theme/theme1.xml><?xml version="1.0" encoding="utf-8"?>
 <a:theme xmlns:a="http://schemas.openxmlformats.org/drawingml/2006/main" name="Office Theme">
   <a:themeElements>

--- a/Pictures/Pictures.pptx
+++ b/Pictures/Pictures.pptx
@@ -5,7 +5,7 @@
     <p:sldMasterId id="2147483648" r:id="rId1"/>
   </p:sldMasterIdLst>
   <p:notesMasterIdLst>
-    <p:notesMasterId r:id="rId25"/>
+    <p:notesMasterId r:id="rId28"/>
   </p:notesMasterIdLst>
   <p:sldIdLst>
     <p:sldId id="256" r:id="rId2"/>
@@ -30,7 +30,10 @@
     <p:sldId id="271" r:id="rId21"/>
     <p:sldId id="272" r:id="rId22"/>
     <p:sldId id="268" r:id="rId23"/>
-    <p:sldId id="257" r:id="rId24"/>
+    <p:sldId id="279" r:id="rId24"/>
+    <p:sldId id="280" r:id="rId25"/>
+    <p:sldId id="281" r:id="rId26"/>
+    <p:sldId id="257" r:id="rId27"/>
   </p:sldIdLst>
   <p:sldSz cx="9144000" cy="6858000" type="screen4x3"/>
   <p:notesSz cx="6858000" cy="9144000"/>
@@ -547,7 +550,7 @@
           <a:p>
             <a:fld id="{59E917ED-6ECC-B444-A1F4-2F4F0C4F768C}" type="slidenum">
               <a:rPr lang="en-US" smtClean="0"/>
-              <a:t>23</a:t>
+              <a:t>26</a:t>
             </a:fld>
             <a:endParaRPr lang="en-US"/>
           </a:p>
@@ -11751,6 +11754,352 @@
 </file>
 
 <file path=ppt/slides/slide23.xml><?xml version="1.0" encoding="utf-8"?>
+<p:sld xmlns:a="http://schemas.openxmlformats.org/drawingml/2006/main" xmlns:r="http://schemas.openxmlformats.org/officeDocument/2006/relationships" xmlns:p="http://schemas.openxmlformats.org/presentationml/2006/main">
+  <p:cSld>
+    <p:spTree>
+      <p:nvGrpSpPr>
+        <p:cNvPr id="1" name=""/>
+        <p:cNvGrpSpPr/>
+        <p:nvPr/>
+      </p:nvGrpSpPr>
+      <p:grpSpPr>
+        <a:xfrm>
+          <a:off x="0" y="0"/>
+          <a:ext cx="0" cy="0"/>
+          <a:chOff x="0" y="0"/>
+          <a:chExt cx="0" cy="0"/>
+        </a:xfrm>
+      </p:grpSpPr>
+      <p:sp>
+        <p:nvSpPr>
+          <p:cNvPr id="2" name="Rectangle 1"/>
+          <p:cNvSpPr/>
+          <p:nvPr/>
+        </p:nvSpPr>
+        <p:spPr>
+          <a:xfrm>
+            <a:off x="1149047" y="0"/>
+            <a:ext cx="6858000" cy="6858000"/>
+          </a:xfrm>
+          <a:prstGeom prst="rect">
+            <a:avLst/>
+          </a:prstGeom>
+          <a:noFill/>
+          <a:ln>
+            <a:noFill/>
+          </a:ln>
+          <a:effectLst/>
+        </p:spPr>
+        <p:style>
+          <a:lnRef idx="1">
+            <a:schemeClr val="accent1"/>
+          </a:lnRef>
+          <a:fillRef idx="3">
+            <a:schemeClr val="accent1"/>
+          </a:fillRef>
+          <a:effectRef idx="2">
+            <a:schemeClr val="accent1"/>
+          </a:effectRef>
+          <a:fontRef idx="minor">
+            <a:schemeClr val="lt1"/>
+          </a:fontRef>
+        </p:style>
+        <p:txBody>
+          <a:bodyPr rtlCol="0" anchor="ctr"/>
+          <a:lstStyle/>
+          <a:p>
+            <a:pPr algn="ctr"/>
+            <a:endParaRPr lang="en-US" dirty="0"/>
+          </a:p>
+        </p:txBody>
+      </p:sp>
+      <p:cxnSp>
+        <p:nvCxnSpPr>
+          <p:cNvPr id="4" name="Straight Connector 3"/>
+          <p:cNvCxnSpPr>
+            <a:stCxn id="2" idx="1"/>
+            <a:endCxn id="2" idx="3"/>
+          </p:cNvCxnSpPr>
+          <p:nvPr/>
+        </p:nvCxnSpPr>
+        <p:spPr>
+          <a:xfrm>
+            <a:off x="1149047" y="3429000"/>
+            <a:ext cx="6858000" cy="0"/>
+          </a:xfrm>
+          <a:prstGeom prst="line">
+            <a:avLst/>
+          </a:prstGeom>
+          <a:ln w="889000">
+            <a:solidFill>
+              <a:srgbClr val="0000FF"/>
+            </a:solidFill>
+          </a:ln>
+          <a:effectLst/>
+        </p:spPr>
+        <p:style>
+          <a:lnRef idx="2">
+            <a:schemeClr val="accent1"/>
+          </a:lnRef>
+          <a:fillRef idx="0">
+            <a:schemeClr val="accent1"/>
+          </a:fillRef>
+          <a:effectRef idx="1">
+            <a:schemeClr val="accent1"/>
+          </a:effectRef>
+          <a:fontRef idx="minor">
+            <a:schemeClr val="tx1"/>
+          </a:fontRef>
+        </p:style>
+      </p:cxnSp>
+    </p:spTree>
+    <p:extLst>
+      <p:ext uri="{BB962C8B-B14F-4D97-AF65-F5344CB8AC3E}">
+        <p14:creationId xmlns:p14="http://schemas.microsoft.com/office/powerpoint/2010/main" val="1243329291"/>
+      </p:ext>
+    </p:extLst>
+  </p:cSld>
+  <p:clrMapOvr>
+    <a:masterClrMapping/>
+  </p:clrMapOvr>
+</p:sld>
+</file>
+
+<file path=ppt/slides/slide24.xml><?xml version="1.0" encoding="utf-8"?>
+<p:sld xmlns:a="http://schemas.openxmlformats.org/drawingml/2006/main" xmlns:r="http://schemas.openxmlformats.org/officeDocument/2006/relationships" xmlns:p="http://schemas.openxmlformats.org/presentationml/2006/main">
+  <p:cSld>
+    <p:spTree>
+      <p:nvGrpSpPr>
+        <p:cNvPr id="1" name=""/>
+        <p:cNvGrpSpPr/>
+        <p:nvPr/>
+      </p:nvGrpSpPr>
+      <p:grpSpPr>
+        <a:xfrm>
+          <a:off x="0" y="0"/>
+          <a:ext cx="0" cy="0"/>
+          <a:chOff x="0" y="0"/>
+          <a:chExt cx="0" cy="0"/>
+        </a:xfrm>
+      </p:grpSpPr>
+      <p:sp>
+        <p:nvSpPr>
+          <p:cNvPr id="2" name="Rectangle 1"/>
+          <p:cNvSpPr/>
+          <p:nvPr/>
+        </p:nvSpPr>
+        <p:spPr>
+          <a:xfrm>
+            <a:off x="1149047" y="0"/>
+            <a:ext cx="6858000" cy="6858000"/>
+          </a:xfrm>
+          <a:prstGeom prst="rect">
+            <a:avLst/>
+          </a:prstGeom>
+          <a:noFill/>
+          <a:ln>
+            <a:solidFill>
+              <a:schemeClr val="tx1"/>
+            </a:solidFill>
+          </a:ln>
+          <a:effectLst/>
+        </p:spPr>
+        <p:style>
+          <a:lnRef idx="1">
+            <a:schemeClr val="accent1"/>
+          </a:lnRef>
+          <a:fillRef idx="3">
+            <a:schemeClr val="accent1"/>
+          </a:fillRef>
+          <a:effectRef idx="2">
+            <a:schemeClr val="accent1"/>
+          </a:effectRef>
+          <a:fontRef idx="minor">
+            <a:schemeClr val="lt1"/>
+          </a:fontRef>
+        </p:style>
+        <p:txBody>
+          <a:bodyPr rtlCol="0" anchor="ctr"/>
+          <a:lstStyle/>
+          <a:p>
+            <a:pPr algn="ctr"/>
+            <a:endParaRPr lang="en-US" dirty="0"/>
+          </a:p>
+        </p:txBody>
+      </p:sp>
+      <p:cxnSp>
+        <p:nvCxnSpPr>
+          <p:cNvPr id="4" name="Straight Connector 3"/>
+          <p:cNvCxnSpPr>
+            <a:stCxn id="2" idx="0"/>
+            <a:endCxn id="2" idx="2"/>
+          </p:cNvCxnSpPr>
+          <p:nvPr/>
+        </p:nvCxnSpPr>
+        <p:spPr>
+          <a:xfrm>
+            <a:off x="4578047" y="0"/>
+            <a:ext cx="0" cy="6858000"/>
+          </a:xfrm>
+          <a:prstGeom prst="line">
+            <a:avLst/>
+          </a:prstGeom>
+          <a:ln w="889000">
+            <a:solidFill>
+              <a:srgbClr val="0000FF"/>
+            </a:solidFill>
+          </a:ln>
+          <a:effectLst/>
+        </p:spPr>
+        <p:style>
+          <a:lnRef idx="2">
+            <a:schemeClr val="accent1"/>
+          </a:lnRef>
+          <a:fillRef idx="0">
+            <a:schemeClr val="accent1"/>
+          </a:fillRef>
+          <a:effectRef idx="1">
+            <a:schemeClr val="accent1"/>
+          </a:effectRef>
+          <a:fontRef idx="minor">
+            <a:schemeClr val="tx1"/>
+          </a:fontRef>
+        </p:style>
+      </p:cxnSp>
+    </p:spTree>
+    <p:extLst>
+      <p:ext uri="{BB962C8B-B14F-4D97-AF65-F5344CB8AC3E}">
+        <p14:creationId xmlns:p14="http://schemas.microsoft.com/office/powerpoint/2010/main" val="1632945235"/>
+      </p:ext>
+    </p:extLst>
+  </p:cSld>
+  <p:clrMapOvr>
+    <a:masterClrMapping/>
+  </p:clrMapOvr>
+</p:sld>
+</file>
+
+<file path=ppt/slides/slide25.xml><?xml version="1.0" encoding="utf-8"?>
+<p:sld xmlns:a="http://schemas.openxmlformats.org/drawingml/2006/main" xmlns:r="http://schemas.openxmlformats.org/officeDocument/2006/relationships" xmlns:p="http://schemas.openxmlformats.org/presentationml/2006/main">
+  <p:cSld>
+    <p:spTree>
+      <p:nvGrpSpPr>
+        <p:cNvPr id="1" name=""/>
+        <p:cNvGrpSpPr/>
+        <p:nvPr/>
+      </p:nvGrpSpPr>
+      <p:grpSpPr>
+        <a:xfrm>
+          <a:off x="0" y="0"/>
+          <a:ext cx="0" cy="0"/>
+          <a:chOff x="0" y="0"/>
+          <a:chExt cx="0" cy="0"/>
+        </a:xfrm>
+      </p:grpSpPr>
+      <p:sp>
+        <p:nvSpPr>
+          <p:cNvPr id="2" name="Rectangle 1"/>
+          <p:cNvSpPr/>
+          <p:nvPr/>
+        </p:nvSpPr>
+        <p:spPr>
+          <a:xfrm>
+            <a:off x="1149047" y="0"/>
+            <a:ext cx="6858000" cy="6858000"/>
+          </a:xfrm>
+          <a:prstGeom prst="rect">
+            <a:avLst/>
+          </a:prstGeom>
+          <a:noFill/>
+          <a:ln>
+            <a:solidFill>
+              <a:schemeClr val="tx1"/>
+            </a:solidFill>
+          </a:ln>
+          <a:effectLst/>
+        </p:spPr>
+        <p:style>
+          <a:lnRef idx="1">
+            <a:schemeClr val="accent1"/>
+          </a:lnRef>
+          <a:fillRef idx="3">
+            <a:schemeClr val="accent1"/>
+          </a:fillRef>
+          <a:effectRef idx="2">
+            <a:schemeClr val="accent1"/>
+          </a:effectRef>
+          <a:fontRef idx="minor">
+            <a:schemeClr val="lt1"/>
+          </a:fontRef>
+        </p:style>
+        <p:txBody>
+          <a:bodyPr rtlCol="0" anchor="ctr"/>
+          <a:lstStyle/>
+          <a:p>
+            <a:pPr algn="ctr"/>
+            <a:endParaRPr lang="en-US" dirty="0"/>
+          </a:p>
+        </p:txBody>
+      </p:sp>
+      <p:sp>
+        <p:nvSpPr>
+          <p:cNvPr id="3" name="Oval 2"/>
+          <p:cNvSpPr/>
+          <p:nvPr/>
+        </p:nvSpPr>
+        <p:spPr>
+          <a:xfrm>
+            <a:off x="1596571" y="447525"/>
+            <a:ext cx="5966279" cy="5966279"/>
+          </a:xfrm>
+          <a:prstGeom prst="ellipse">
+            <a:avLst/>
+          </a:prstGeom>
+          <a:noFill/>
+          <a:ln w="889000">
+            <a:solidFill>
+              <a:srgbClr val="0000FF"/>
+            </a:solidFill>
+          </a:ln>
+          <a:effectLst/>
+        </p:spPr>
+        <p:style>
+          <a:lnRef idx="1">
+            <a:schemeClr val="accent1"/>
+          </a:lnRef>
+          <a:fillRef idx="3">
+            <a:schemeClr val="accent1"/>
+          </a:fillRef>
+          <a:effectRef idx="2">
+            <a:schemeClr val="accent1"/>
+          </a:effectRef>
+          <a:fontRef idx="minor">
+            <a:schemeClr val="lt1"/>
+          </a:fontRef>
+        </p:style>
+        <p:txBody>
+          <a:bodyPr rtlCol="0" anchor="ctr"/>
+          <a:lstStyle/>
+          <a:p>
+            <a:pPr algn="ctr"/>
+            <a:endParaRPr lang="en-US"/>
+          </a:p>
+        </p:txBody>
+      </p:sp>
+    </p:spTree>
+    <p:extLst>
+      <p:ext uri="{BB962C8B-B14F-4D97-AF65-F5344CB8AC3E}">
+        <p14:creationId xmlns:p14="http://schemas.microsoft.com/office/powerpoint/2010/main" val="1632945235"/>
+      </p:ext>
+    </p:extLst>
+  </p:cSld>
+  <p:clrMapOvr>
+    <a:masterClrMapping/>
+  </p:clrMapOvr>
+</p:sld>
+</file>
+
+<file path=ppt/slides/slide26.xml><?xml version="1.0" encoding="utf-8"?>
 <p:sld xmlns:a="http://schemas.openxmlformats.org/drawingml/2006/main" xmlns:r="http://schemas.openxmlformats.org/officeDocument/2006/relationships" xmlns:p="http://schemas.openxmlformats.org/presentationml/2006/main">
   <p:cSld>
     <p:bg>

--- a/Pictures/Pictures.pptx
+++ b/Pictures/Pictures.pptx
@@ -5,7 +5,7 @@
     <p:sldMasterId id="2147483648" r:id="rId1"/>
   </p:sldMasterIdLst>
   <p:notesMasterIdLst>
-    <p:notesMasterId r:id="rId28"/>
+    <p:notesMasterId r:id="rId39"/>
   </p:notesMasterIdLst>
   <p:sldIdLst>
     <p:sldId id="256" r:id="rId2"/>
@@ -31,9 +31,20 @@
     <p:sldId id="272" r:id="rId22"/>
     <p:sldId id="268" r:id="rId23"/>
     <p:sldId id="279" r:id="rId24"/>
-    <p:sldId id="280" r:id="rId25"/>
-    <p:sldId id="281" r:id="rId26"/>
-    <p:sldId id="257" r:id="rId27"/>
+    <p:sldId id="284" r:id="rId25"/>
+    <p:sldId id="285" r:id="rId26"/>
+    <p:sldId id="280" r:id="rId27"/>
+    <p:sldId id="282" r:id="rId28"/>
+    <p:sldId id="283" r:id="rId29"/>
+    <p:sldId id="281" r:id="rId30"/>
+    <p:sldId id="289" r:id="rId31"/>
+    <p:sldId id="286" r:id="rId32"/>
+    <p:sldId id="290" r:id="rId33"/>
+    <p:sldId id="287" r:id="rId34"/>
+    <p:sldId id="291" r:id="rId35"/>
+    <p:sldId id="288" r:id="rId36"/>
+    <p:sldId id="292" r:id="rId37"/>
+    <p:sldId id="257" r:id="rId38"/>
   </p:sldIdLst>
   <p:sldSz cx="9144000" cy="6858000" type="screen4x3"/>
   <p:notesSz cx="6858000" cy="9144000"/>
@@ -550,7 +561,7 @@
           <a:p>
             <a:fld id="{59E917ED-6ECC-B444-A1F4-2F4F0C4F768C}" type="slidenum">
               <a:rPr lang="en-US" smtClean="0"/>
-              <a:t>26</a:t>
+              <a:t>37</a:t>
             </a:fld>
             <a:endParaRPr lang="en-US"/>
           </a:p>
@@ -11898,9 +11909,303 @@
           </a:prstGeom>
           <a:noFill/>
           <a:ln>
+            <a:noFill/>
+          </a:ln>
+          <a:effectLst/>
+        </p:spPr>
+        <p:style>
+          <a:lnRef idx="1">
+            <a:schemeClr val="accent1"/>
+          </a:lnRef>
+          <a:fillRef idx="3">
+            <a:schemeClr val="accent1"/>
+          </a:fillRef>
+          <a:effectRef idx="2">
+            <a:schemeClr val="accent1"/>
+          </a:effectRef>
+          <a:fontRef idx="minor">
+            <a:schemeClr val="lt1"/>
+          </a:fontRef>
+        </p:style>
+        <p:txBody>
+          <a:bodyPr rtlCol="0" anchor="ctr"/>
+          <a:lstStyle/>
+          <a:p>
+            <a:pPr algn="ctr"/>
+            <a:endParaRPr lang="en-US" dirty="0"/>
+          </a:p>
+        </p:txBody>
+      </p:sp>
+      <p:cxnSp>
+        <p:nvCxnSpPr>
+          <p:cNvPr id="4" name="Straight Connector 3"/>
+          <p:cNvCxnSpPr>
+            <a:stCxn id="2" idx="1"/>
+            <a:endCxn id="2" idx="3"/>
+          </p:cNvCxnSpPr>
+          <p:nvPr/>
+        </p:nvCxnSpPr>
+        <p:spPr>
+          <a:xfrm>
+            <a:off x="1149047" y="3429000"/>
+            <a:ext cx="6858000" cy="0"/>
+          </a:xfrm>
+          <a:prstGeom prst="line">
+            <a:avLst/>
+          </a:prstGeom>
+          <a:ln w="889000">
             <a:solidFill>
-              <a:schemeClr val="tx1"/>
+              <a:srgbClr val="0000FF"/>
             </a:solidFill>
+          </a:ln>
+          <a:effectLst/>
+        </p:spPr>
+        <p:style>
+          <a:lnRef idx="2">
+            <a:schemeClr val="accent1"/>
+          </a:lnRef>
+          <a:fillRef idx="0">
+            <a:schemeClr val="accent1"/>
+          </a:fillRef>
+          <a:effectRef idx="1">
+            <a:schemeClr val="accent1"/>
+          </a:effectRef>
+          <a:fontRef idx="minor">
+            <a:schemeClr val="tx1"/>
+          </a:fontRef>
+        </p:style>
+      </p:cxnSp>
+      <p:cxnSp>
+        <p:nvCxnSpPr>
+          <p:cNvPr id="5" name="Straight Connector 4"/>
+          <p:cNvCxnSpPr/>
+          <p:nvPr/>
+        </p:nvCxnSpPr>
+        <p:spPr>
+          <a:xfrm>
+            <a:off x="1149047" y="445559"/>
+            <a:ext cx="6858000" cy="0"/>
+          </a:xfrm>
+          <a:prstGeom prst="line">
+            <a:avLst/>
+          </a:prstGeom>
+          <a:ln w="889000">
+            <a:solidFill>
+              <a:srgbClr val="0000FF"/>
+            </a:solidFill>
+          </a:ln>
+          <a:effectLst/>
+        </p:spPr>
+        <p:style>
+          <a:lnRef idx="2">
+            <a:schemeClr val="accent1"/>
+          </a:lnRef>
+          <a:fillRef idx="0">
+            <a:schemeClr val="accent1"/>
+          </a:fillRef>
+          <a:effectRef idx="1">
+            <a:schemeClr val="accent1"/>
+          </a:effectRef>
+          <a:fontRef idx="minor">
+            <a:schemeClr val="tx1"/>
+          </a:fontRef>
+        </p:style>
+      </p:cxnSp>
+    </p:spTree>
+    <p:extLst>
+      <p:ext uri="{BB962C8B-B14F-4D97-AF65-F5344CB8AC3E}">
+        <p14:creationId xmlns:p14="http://schemas.microsoft.com/office/powerpoint/2010/main" val="2784193920"/>
+      </p:ext>
+    </p:extLst>
+  </p:cSld>
+  <p:clrMapOvr>
+    <a:masterClrMapping/>
+  </p:clrMapOvr>
+</p:sld>
+</file>
+
+<file path=ppt/slides/slide25.xml><?xml version="1.0" encoding="utf-8"?>
+<p:sld xmlns:a="http://schemas.openxmlformats.org/drawingml/2006/main" xmlns:r="http://schemas.openxmlformats.org/officeDocument/2006/relationships" xmlns:p="http://schemas.openxmlformats.org/presentationml/2006/main">
+  <p:cSld>
+    <p:spTree>
+      <p:nvGrpSpPr>
+        <p:cNvPr id="1" name=""/>
+        <p:cNvGrpSpPr/>
+        <p:nvPr/>
+      </p:nvGrpSpPr>
+      <p:grpSpPr>
+        <a:xfrm>
+          <a:off x="0" y="0"/>
+          <a:ext cx="0" cy="0"/>
+          <a:chOff x="0" y="0"/>
+          <a:chExt cx="0" cy="0"/>
+        </a:xfrm>
+      </p:grpSpPr>
+      <p:sp>
+        <p:nvSpPr>
+          <p:cNvPr id="2" name="Rectangle 1"/>
+          <p:cNvSpPr/>
+          <p:nvPr/>
+        </p:nvSpPr>
+        <p:spPr>
+          <a:xfrm>
+            <a:off x="1149047" y="0"/>
+            <a:ext cx="6858000" cy="6858000"/>
+          </a:xfrm>
+          <a:prstGeom prst="rect">
+            <a:avLst/>
+          </a:prstGeom>
+          <a:noFill/>
+          <a:ln>
+            <a:noFill/>
+          </a:ln>
+          <a:effectLst/>
+        </p:spPr>
+        <p:style>
+          <a:lnRef idx="1">
+            <a:schemeClr val="accent1"/>
+          </a:lnRef>
+          <a:fillRef idx="3">
+            <a:schemeClr val="accent1"/>
+          </a:fillRef>
+          <a:effectRef idx="2">
+            <a:schemeClr val="accent1"/>
+          </a:effectRef>
+          <a:fontRef idx="minor">
+            <a:schemeClr val="lt1"/>
+          </a:fontRef>
+        </p:style>
+        <p:txBody>
+          <a:bodyPr rtlCol="0" anchor="ctr"/>
+          <a:lstStyle/>
+          <a:p>
+            <a:pPr algn="ctr"/>
+            <a:endParaRPr lang="en-US" dirty="0"/>
+          </a:p>
+        </p:txBody>
+      </p:sp>
+      <p:cxnSp>
+        <p:nvCxnSpPr>
+          <p:cNvPr id="4" name="Straight Connector 3"/>
+          <p:cNvCxnSpPr>
+            <a:stCxn id="2" idx="1"/>
+            <a:endCxn id="2" idx="3"/>
+          </p:cNvCxnSpPr>
+          <p:nvPr/>
+        </p:nvCxnSpPr>
+        <p:spPr>
+          <a:xfrm>
+            <a:off x="1149047" y="3429000"/>
+            <a:ext cx="6858000" cy="0"/>
+          </a:xfrm>
+          <a:prstGeom prst="line">
+            <a:avLst/>
+          </a:prstGeom>
+          <a:ln w="889000">
+            <a:solidFill>
+              <a:srgbClr val="0000FF"/>
+            </a:solidFill>
+          </a:ln>
+          <a:effectLst/>
+        </p:spPr>
+        <p:style>
+          <a:lnRef idx="2">
+            <a:schemeClr val="accent1"/>
+          </a:lnRef>
+          <a:fillRef idx="0">
+            <a:schemeClr val="accent1"/>
+          </a:fillRef>
+          <a:effectRef idx="1">
+            <a:schemeClr val="accent1"/>
+          </a:effectRef>
+          <a:fontRef idx="minor">
+            <a:schemeClr val="tx1"/>
+          </a:fontRef>
+        </p:style>
+      </p:cxnSp>
+      <p:cxnSp>
+        <p:nvCxnSpPr>
+          <p:cNvPr id="5" name="Straight Connector 4"/>
+          <p:cNvCxnSpPr/>
+          <p:nvPr/>
+        </p:nvCxnSpPr>
+        <p:spPr>
+          <a:xfrm>
+            <a:off x="1149047" y="6417431"/>
+            <a:ext cx="6858000" cy="0"/>
+          </a:xfrm>
+          <a:prstGeom prst="line">
+            <a:avLst/>
+          </a:prstGeom>
+          <a:ln w="889000">
+            <a:solidFill>
+              <a:srgbClr val="0000FF"/>
+            </a:solidFill>
+          </a:ln>
+          <a:effectLst/>
+        </p:spPr>
+        <p:style>
+          <a:lnRef idx="2">
+            <a:schemeClr val="accent1"/>
+          </a:lnRef>
+          <a:fillRef idx="0">
+            <a:schemeClr val="accent1"/>
+          </a:fillRef>
+          <a:effectRef idx="1">
+            <a:schemeClr val="accent1"/>
+          </a:effectRef>
+          <a:fontRef idx="minor">
+            <a:schemeClr val="tx1"/>
+          </a:fontRef>
+        </p:style>
+      </p:cxnSp>
+    </p:spTree>
+    <p:extLst>
+      <p:ext uri="{BB962C8B-B14F-4D97-AF65-F5344CB8AC3E}">
+        <p14:creationId xmlns:p14="http://schemas.microsoft.com/office/powerpoint/2010/main" val="2784193920"/>
+      </p:ext>
+    </p:extLst>
+  </p:cSld>
+  <p:clrMapOvr>
+    <a:masterClrMapping/>
+  </p:clrMapOvr>
+</p:sld>
+</file>
+
+<file path=ppt/slides/slide26.xml><?xml version="1.0" encoding="utf-8"?>
+<p:sld xmlns:a="http://schemas.openxmlformats.org/drawingml/2006/main" xmlns:r="http://schemas.openxmlformats.org/officeDocument/2006/relationships" xmlns:p="http://schemas.openxmlformats.org/presentationml/2006/main">
+  <p:cSld>
+    <p:spTree>
+      <p:nvGrpSpPr>
+        <p:cNvPr id="1" name=""/>
+        <p:cNvGrpSpPr/>
+        <p:nvPr/>
+      </p:nvGrpSpPr>
+      <p:grpSpPr>
+        <a:xfrm>
+          <a:off x="0" y="0"/>
+          <a:ext cx="0" cy="0"/>
+          <a:chOff x="0" y="0"/>
+          <a:chExt cx="0" cy="0"/>
+        </a:xfrm>
+      </p:grpSpPr>
+      <p:sp>
+        <p:nvSpPr>
+          <p:cNvPr id="2" name="Rectangle 1"/>
+          <p:cNvSpPr/>
+          <p:nvPr/>
+        </p:nvSpPr>
+        <p:spPr>
+          <a:xfrm>
+            <a:off x="1149047" y="0"/>
+            <a:ext cx="6858000" cy="6858000"/>
+          </a:xfrm>
+          <a:prstGeom prst="rect">
+            <a:avLst/>
+          </a:prstGeom>
+          <a:noFill/>
+          <a:ln>
+            <a:noFill/>
           </a:ln>
           <a:effectLst/>
         </p:spPr>
@@ -11979,7 +12284,7 @@
 </p:sld>
 </file>
 
-<file path=ppt/slides/slide25.xml><?xml version="1.0" encoding="utf-8"?>
+<file path=ppt/slides/slide27.xml><?xml version="1.0" encoding="utf-8"?>
 <p:sld xmlns:a="http://schemas.openxmlformats.org/drawingml/2006/main" xmlns:r="http://schemas.openxmlformats.org/officeDocument/2006/relationships" xmlns:p="http://schemas.openxmlformats.org/presentationml/2006/main">
   <p:cSld>
     <p:spTree>
@@ -12012,9 +12317,7 @@
           </a:prstGeom>
           <a:noFill/>
           <a:ln>
-            <a:solidFill>
-              <a:schemeClr val="tx1"/>
-            </a:solidFill>
+            <a:noFill/>
           </a:ln>
           <a:effectLst/>
         </p:spPr>
@@ -12041,24 +12344,625 @@
           </a:p>
         </p:txBody>
       </p:sp>
+      <p:cxnSp>
+        <p:nvCxnSpPr>
+          <p:cNvPr id="4" name="Straight Connector 3"/>
+          <p:cNvCxnSpPr>
+            <a:stCxn id="2" idx="0"/>
+            <a:endCxn id="2" idx="2"/>
+          </p:cNvCxnSpPr>
+          <p:nvPr/>
+        </p:nvCxnSpPr>
+        <p:spPr>
+          <a:xfrm>
+            <a:off x="4578047" y="0"/>
+            <a:ext cx="0" cy="6858000"/>
+          </a:xfrm>
+          <a:prstGeom prst="line">
+            <a:avLst/>
+          </a:prstGeom>
+          <a:ln w="889000">
+            <a:solidFill>
+              <a:srgbClr val="0000FF"/>
+            </a:solidFill>
+          </a:ln>
+          <a:effectLst/>
+        </p:spPr>
+        <p:style>
+          <a:lnRef idx="2">
+            <a:schemeClr val="accent1"/>
+          </a:lnRef>
+          <a:fillRef idx="0">
+            <a:schemeClr val="accent1"/>
+          </a:fillRef>
+          <a:effectRef idx="1">
+            <a:schemeClr val="accent1"/>
+          </a:effectRef>
+          <a:fontRef idx="minor">
+            <a:schemeClr val="tx1"/>
+          </a:fontRef>
+        </p:style>
+      </p:cxnSp>
+      <p:cxnSp>
+        <p:nvCxnSpPr>
+          <p:cNvPr id="5" name="Straight Connector 4"/>
+          <p:cNvCxnSpPr/>
+          <p:nvPr/>
+        </p:nvCxnSpPr>
+        <p:spPr>
+          <a:xfrm>
+            <a:off x="7560733" y="0"/>
+            <a:ext cx="0" cy="6858000"/>
+          </a:xfrm>
+          <a:prstGeom prst="line">
+            <a:avLst/>
+          </a:prstGeom>
+          <a:ln w="889000">
+            <a:solidFill>
+              <a:srgbClr val="0000FF"/>
+            </a:solidFill>
+          </a:ln>
+          <a:effectLst/>
+        </p:spPr>
+        <p:style>
+          <a:lnRef idx="2">
+            <a:schemeClr val="accent1"/>
+          </a:lnRef>
+          <a:fillRef idx="0">
+            <a:schemeClr val="accent1"/>
+          </a:fillRef>
+          <a:effectRef idx="1">
+            <a:schemeClr val="accent1"/>
+          </a:effectRef>
+          <a:fontRef idx="minor">
+            <a:schemeClr val="tx1"/>
+          </a:fontRef>
+        </p:style>
+      </p:cxnSp>
+    </p:spTree>
+    <p:extLst>
+      <p:ext uri="{BB962C8B-B14F-4D97-AF65-F5344CB8AC3E}">
+        <p14:creationId xmlns:p14="http://schemas.microsoft.com/office/powerpoint/2010/main" val="4268731477"/>
+      </p:ext>
+    </p:extLst>
+  </p:cSld>
+  <p:clrMapOvr>
+    <a:masterClrMapping/>
+  </p:clrMapOvr>
+</p:sld>
+</file>
+
+<file path=ppt/slides/slide28.xml><?xml version="1.0" encoding="utf-8"?>
+<p:sld xmlns:a="http://schemas.openxmlformats.org/drawingml/2006/main" xmlns:r="http://schemas.openxmlformats.org/officeDocument/2006/relationships" xmlns:p="http://schemas.openxmlformats.org/presentationml/2006/main">
+  <p:cSld>
+    <p:spTree>
+      <p:nvGrpSpPr>
+        <p:cNvPr id="1" name=""/>
+        <p:cNvGrpSpPr/>
+        <p:nvPr/>
+      </p:nvGrpSpPr>
+      <p:grpSpPr>
+        <a:xfrm>
+          <a:off x="0" y="0"/>
+          <a:ext cx="0" cy="0"/>
+          <a:chOff x="0" y="0"/>
+          <a:chExt cx="0" cy="0"/>
+        </a:xfrm>
+      </p:grpSpPr>
       <p:sp>
         <p:nvSpPr>
-          <p:cNvPr id="3" name="Oval 2"/>
+          <p:cNvPr id="2" name="Rectangle 1"/>
           <p:cNvSpPr/>
           <p:nvPr/>
         </p:nvSpPr>
         <p:spPr>
           <a:xfrm>
-            <a:off x="1596571" y="447525"/>
-            <a:ext cx="5966279" cy="5966279"/>
+            <a:off x="1149047" y="0"/>
+            <a:ext cx="6858000" cy="6858000"/>
           </a:xfrm>
-          <a:prstGeom prst="ellipse">
+          <a:prstGeom prst="rect">
             <a:avLst/>
           </a:prstGeom>
           <a:noFill/>
+          <a:ln>
+            <a:noFill/>
+          </a:ln>
+          <a:effectLst/>
+        </p:spPr>
+        <p:style>
+          <a:lnRef idx="1">
+            <a:schemeClr val="accent1"/>
+          </a:lnRef>
+          <a:fillRef idx="3">
+            <a:schemeClr val="accent1"/>
+          </a:fillRef>
+          <a:effectRef idx="2">
+            <a:schemeClr val="accent1"/>
+          </a:effectRef>
+          <a:fontRef idx="minor">
+            <a:schemeClr val="lt1"/>
+          </a:fontRef>
+        </p:style>
+        <p:txBody>
+          <a:bodyPr rtlCol="0" anchor="ctr"/>
+          <a:lstStyle/>
+          <a:p>
+            <a:pPr algn="ctr"/>
+            <a:endParaRPr lang="en-US" dirty="0"/>
+          </a:p>
+        </p:txBody>
+      </p:sp>
+      <p:cxnSp>
+        <p:nvCxnSpPr>
+          <p:cNvPr id="4" name="Straight Connector 3"/>
+          <p:cNvCxnSpPr>
+            <a:stCxn id="2" idx="0"/>
+            <a:endCxn id="2" idx="2"/>
+          </p:cNvCxnSpPr>
+          <p:nvPr/>
+        </p:nvCxnSpPr>
+        <p:spPr>
+          <a:xfrm>
+            <a:off x="4578047" y="0"/>
+            <a:ext cx="0" cy="6858000"/>
+          </a:xfrm>
+          <a:prstGeom prst="line">
+            <a:avLst/>
+          </a:prstGeom>
           <a:ln w="889000">
             <a:solidFill>
               <a:srgbClr val="0000FF"/>
+            </a:solidFill>
+          </a:ln>
+          <a:effectLst/>
+        </p:spPr>
+        <p:style>
+          <a:lnRef idx="2">
+            <a:schemeClr val="accent1"/>
+          </a:lnRef>
+          <a:fillRef idx="0">
+            <a:schemeClr val="accent1"/>
+          </a:fillRef>
+          <a:effectRef idx="1">
+            <a:schemeClr val="accent1"/>
+          </a:effectRef>
+          <a:fontRef idx="minor">
+            <a:schemeClr val="tx1"/>
+          </a:fontRef>
+        </p:style>
+      </p:cxnSp>
+      <p:cxnSp>
+        <p:nvCxnSpPr>
+          <p:cNvPr id="5" name="Straight Connector 4"/>
+          <p:cNvCxnSpPr/>
+          <p:nvPr/>
+        </p:nvCxnSpPr>
+        <p:spPr>
+          <a:xfrm>
+            <a:off x="1595210" y="0"/>
+            <a:ext cx="0" cy="6858000"/>
+          </a:xfrm>
+          <a:prstGeom prst="line">
+            <a:avLst/>
+          </a:prstGeom>
+          <a:ln w="889000">
+            <a:solidFill>
+              <a:srgbClr val="0000FF"/>
+            </a:solidFill>
+          </a:ln>
+          <a:effectLst/>
+        </p:spPr>
+        <p:style>
+          <a:lnRef idx="2">
+            <a:schemeClr val="accent1"/>
+          </a:lnRef>
+          <a:fillRef idx="0">
+            <a:schemeClr val="accent1"/>
+          </a:fillRef>
+          <a:effectRef idx="1">
+            <a:schemeClr val="accent1"/>
+          </a:effectRef>
+          <a:fontRef idx="minor">
+            <a:schemeClr val="tx1"/>
+          </a:fontRef>
+        </p:style>
+      </p:cxnSp>
+    </p:spTree>
+    <p:extLst>
+      <p:ext uri="{BB962C8B-B14F-4D97-AF65-F5344CB8AC3E}">
+        <p14:creationId xmlns:p14="http://schemas.microsoft.com/office/powerpoint/2010/main" val="482116273"/>
+      </p:ext>
+    </p:extLst>
+  </p:cSld>
+  <p:clrMapOvr>
+    <a:masterClrMapping/>
+  </p:clrMapOvr>
+</p:sld>
+</file>
+
+<file path=ppt/slides/slide29.xml><?xml version="1.0" encoding="utf-8"?>
+<p:sld xmlns:a="http://schemas.openxmlformats.org/drawingml/2006/main" xmlns:r="http://schemas.openxmlformats.org/officeDocument/2006/relationships" xmlns:p="http://schemas.openxmlformats.org/presentationml/2006/main">
+  <p:cSld>
+    <p:spTree>
+      <p:nvGrpSpPr>
+        <p:cNvPr id="1" name=""/>
+        <p:cNvGrpSpPr/>
+        <p:nvPr/>
+      </p:nvGrpSpPr>
+      <p:grpSpPr>
+        <a:xfrm>
+          <a:off x="0" y="0"/>
+          <a:ext cx="0" cy="0"/>
+          <a:chOff x="0" y="0"/>
+          <a:chExt cx="0" cy="0"/>
+        </a:xfrm>
+      </p:grpSpPr>
+      <p:grpSp>
+        <p:nvGrpSpPr>
+          <p:cNvPr id="25" name="Group 24"/>
+          <p:cNvGrpSpPr/>
+          <p:nvPr/>
+        </p:nvGrpSpPr>
+        <p:grpSpPr>
+          <a:xfrm>
+            <a:off x="-1840141" y="0"/>
+            <a:ext cx="9847188" cy="9849758"/>
+            <a:chOff x="-1840141" y="0"/>
+            <a:chExt cx="9847188" cy="9849758"/>
+          </a:xfrm>
+        </p:grpSpPr>
+        <p:sp>
+          <p:nvSpPr>
+            <p:cNvPr id="2" name="Rectangle 1"/>
+            <p:cNvSpPr/>
+            <p:nvPr/>
+          </p:nvSpPr>
+          <p:spPr>
+            <a:xfrm>
+              <a:off x="1149047" y="0"/>
+              <a:ext cx="6858000" cy="6858000"/>
+            </a:xfrm>
+            <a:prstGeom prst="rect">
+              <a:avLst/>
+            </a:prstGeom>
+            <a:noFill/>
+            <a:ln>
+              <a:noFill/>
+            </a:ln>
+            <a:effectLst/>
+          </p:spPr>
+          <p:style>
+            <a:lnRef idx="1">
+              <a:schemeClr val="accent1"/>
+            </a:lnRef>
+            <a:fillRef idx="3">
+              <a:schemeClr val="accent1"/>
+            </a:fillRef>
+            <a:effectRef idx="2">
+              <a:schemeClr val="accent1"/>
+            </a:effectRef>
+            <a:fontRef idx="minor">
+              <a:schemeClr val="lt1"/>
+            </a:fontRef>
+          </p:style>
+          <p:txBody>
+            <a:bodyPr rtlCol="0" anchor="ctr"/>
+            <a:lstStyle/>
+            <a:p>
+              <a:pPr algn="ctr"/>
+              <a:endParaRPr lang="en-US" dirty="0"/>
+            </a:p>
+          </p:txBody>
+        </p:sp>
+        <p:sp>
+          <p:nvSpPr>
+            <p:cNvPr id="5" name="Block Arc 4"/>
+            <p:cNvSpPr/>
+            <p:nvPr/>
+          </p:nvSpPr>
+          <p:spPr>
+            <a:xfrm>
+              <a:off x="1149047" y="0"/>
+              <a:ext cx="6858000" cy="6858000"/>
+            </a:xfrm>
+            <a:prstGeom prst="blockArc">
+              <a:avLst>
+                <a:gd name="adj1" fmla="val 16202298"/>
+                <a:gd name="adj2" fmla="val 12859"/>
+                <a:gd name="adj3" fmla="val 12870"/>
+              </a:avLst>
+            </a:prstGeom>
+            <a:solidFill>
+              <a:srgbClr val="0000FF"/>
+            </a:solidFill>
+            <a:ln>
+              <a:solidFill>
+                <a:srgbClr val="0000FF"/>
+              </a:solidFill>
+            </a:ln>
+            <a:effectLst/>
+          </p:spPr>
+          <p:style>
+            <a:lnRef idx="1">
+              <a:schemeClr val="accent1"/>
+            </a:lnRef>
+            <a:fillRef idx="3">
+              <a:schemeClr val="accent1"/>
+            </a:fillRef>
+            <a:effectRef idx="2">
+              <a:schemeClr val="accent1"/>
+            </a:effectRef>
+            <a:fontRef idx="minor">
+              <a:schemeClr val="lt1"/>
+            </a:fontRef>
+          </p:style>
+          <p:txBody>
+            <a:bodyPr rtlCol="0" anchor="ctr"/>
+            <a:lstStyle/>
+            <a:p>
+              <a:pPr algn="ctr"/>
+              <a:endParaRPr lang="en-US">
+                <a:solidFill>
+                  <a:schemeClr val="tx1"/>
+                </a:solidFill>
+              </a:endParaRPr>
+            </a:p>
+          </p:txBody>
+        </p:sp>
+        <p:cxnSp>
+          <p:nvCxnSpPr>
+            <p:cNvPr id="6" name="Straight Connector 5"/>
+            <p:cNvCxnSpPr/>
+            <p:nvPr/>
+          </p:nvCxnSpPr>
+          <p:spPr>
+            <a:xfrm>
+              <a:off x="7564165" y="3429001"/>
+              <a:ext cx="0" cy="3428999"/>
+            </a:xfrm>
+            <a:prstGeom prst="line">
+              <a:avLst/>
+            </a:prstGeom>
+            <a:ln w="889000">
+              <a:solidFill>
+                <a:srgbClr val="0000FF"/>
+              </a:solidFill>
+            </a:ln>
+            <a:effectLst/>
+          </p:spPr>
+          <p:style>
+            <a:lnRef idx="2">
+              <a:schemeClr val="accent1"/>
+            </a:lnRef>
+            <a:fillRef idx="0">
+              <a:schemeClr val="accent1"/>
+            </a:fillRef>
+            <a:effectRef idx="1">
+              <a:schemeClr val="accent1"/>
+            </a:effectRef>
+            <a:fontRef idx="minor">
+              <a:schemeClr val="tx1"/>
+            </a:fontRef>
+          </p:style>
+        </p:cxnSp>
+        <p:cxnSp>
+          <p:nvCxnSpPr>
+            <p:cNvPr id="10" name="Straight Connector 9"/>
+            <p:cNvCxnSpPr/>
+            <p:nvPr/>
+          </p:nvCxnSpPr>
+          <p:spPr>
+            <a:xfrm flipH="1">
+              <a:off x="1149047" y="442686"/>
+              <a:ext cx="3426129" cy="0"/>
+            </a:xfrm>
+            <a:prstGeom prst="line">
+              <a:avLst/>
+            </a:prstGeom>
+            <a:ln w="889000">
+              <a:solidFill>
+                <a:srgbClr val="0000FF"/>
+              </a:solidFill>
+            </a:ln>
+            <a:effectLst/>
+          </p:spPr>
+          <p:style>
+            <a:lnRef idx="2">
+              <a:schemeClr val="accent1"/>
+            </a:lnRef>
+            <a:fillRef idx="0">
+              <a:schemeClr val="accent1"/>
+            </a:fillRef>
+            <a:effectRef idx="1">
+              <a:schemeClr val="accent1"/>
+            </a:effectRef>
+            <a:fontRef idx="minor">
+              <a:schemeClr val="tx1"/>
+            </a:fontRef>
+          </p:style>
+        </p:cxnSp>
+        <p:sp>
+          <p:nvSpPr>
+            <p:cNvPr id="14" name="Block Arc 13"/>
+            <p:cNvSpPr/>
+            <p:nvPr/>
+          </p:nvSpPr>
+          <p:spPr>
+            <a:xfrm>
+              <a:off x="-1840141" y="2991758"/>
+              <a:ext cx="6858000" cy="6858000"/>
+            </a:xfrm>
+            <a:prstGeom prst="blockArc">
+              <a:avLst>
+                <a:gd name="adj1" fmla="val 16202298"/>
+                <a:gd name="adj2" fmla="val 12843"/>
+                <a:gd name="adj3" fmla="val 12823"/>
+              </a:avLst>
+            </a:prstGeom>
+            <a:solidFill>
+              <a:srgbClr val="0000FF"/>
+            </a:solidFill>
+            <a:ln>
+              <a:solidFill>
+                <a:srgbClr val="0000FF"/>
+              </a:solidFill>
+            </a:ln>
+            <a:effectLst/>
+          </p:spPr>
+          <p:style>
+            <a:lnRef idx="1">
+              <a:schemeClr val="accent1"/>
+            </a:lnRef>
+            <a:fillRef idx="3">
+              <a:schemeClr val="accent1"/>
+            </a:fillRef>
+            <a:effectRef idx="2">
+              <a:schemeClr val="accent1"/>
+            </a:effectRef>
+            <a:fontRef idx="minor">
+              <a:schemeClr val="lt1"/>
+            </a:fontRef>
+          </p:style>
+          <p:txBody>
+            <a:bodyPr rtlCol="0" anchor="ctr"/>
+            <a:lstStyle/>
+            <a:p>
+              <a:pPr algn="ctr"/>
+              <a:endParaRPr lang="en-US">
+                <a:solidFill>
+                  <a:schemeClr val="tx1"/>
+                </a:solidFill>
+              </a:endParaRPr>
+            </a:p>
+          </p:txBody>
+        </p:sp>
+        <p:cxnSp>
+          <p:nvCxnSpPr>
+            <p:cNvPr id="15" name="Straight Connector 14"/>
+            <p:cNvCxnSpPr>
+              <a:endCxn id="2" idx="2"/>
+            </p:cNvCxnSpPr>
+            <p:nvPr/>
+          </p:nvCxnSpPr>
+          <p:spPr>
+            <a:xfrm>
+              <a:off x="4578047" y="6435725"/>
+              <a:ext cx="0" cy="422275"/>
+            </a:xfrm>
+            <a:prstGeom prst="line">
+              <a:avLst/>
+            </a:prstGeom>
+            <a:ln w="889000">
+              <a:solidFill>
+                <a:srgbClr val="0000FF"/>
+              </a:solidFill>
+            </a:ln>
+            <a:effectLst/>
+          </p:spPr>
+          <p:style>
+            <a:lnRef idx="2">
+              <a:schemeClr val="accent1"/>
+            </a:lnRef>
+            <a:fillRef idx="0">
+              <a:schemeClr val="accent1"/>
+            </a:fillRef>
+            <a:effectRef idx="1">
+              <a:schemeClr val="accent1"/>
+            </a:effectRef>
+            <a:fontRef idx="minor">
+              <a:schemeClr val="tx1"/>
+            </a:fontRef>
+          </p:style>
+        </p:cxnSp>
+        <p:cxnSp>
+          <p:nvCxnSpPr>
+            <p:cNvPr id="16" name="Straight Connector 15"/>
+            <p:cNvCxnSpPr/>
+            <p:nvPr/>
+          </p:nvCxnSpPr>
+          <p:spPr>
+            <a:xfrm flipH="1" flipV="1">
+              <a:off x="1149047" y="3429000"/>
+              <a:ext cx="457503" cy="1"/>
+            </a:xfrm>
+            <a:prstGeom prst="line">
+              <a:avLst/>
+            </a:prstGeom>
+            <a:ln w="889000">
+              <a:solidFill>
+                <a:srgbClr val="0000FF"/>
+              </a:solidFill>
+            </a:ln>
+            <a:effectLst/>
+          </p:spPr>
+          <p:style>
+            <a:lnRef idx="2">
+              <a:schemeClr val="accent1"/>
+            </a:lnRef>
+            <a:fillRef idx="0">
+              <a:schemeClr val="accent1"/>
+            </a:fillRef>
+            <a:effectRef idx="1">
+              <a:schemeClr val="accent1"/>
+            </a:effectRef>
+            <a:fontRef idx="minor">
+              <a:schemeClr val="tx1"/>
+            </a:fontRef>
+          </p:style>
+        </p:cxnSp>
+      </p:grpSp>
+    </p:spTree>
+    <p:extLst>
+      <p:ext uri="{BB962C8B-B14F-4D97-AF65-F5344CB8AC3E}">
+        <p14:creationId xmlns:p14="http://schemas.microsoft.com/office/powerpoint/2010/main" val="1632945235"/>
+      </p:ext>
+    </p:extLst>
+  </p:cSld>
+  <p:clrMapOvr>
+    <a:masterClrMapping/>
+  </p:clrMapOvr>
+</p:sld>
+</file>
+
+<file path=ppt/slides/slide3.xml><?xml version="1.0" encoding="utf-8"?>
+<p:sld xmlns:a="http://schemas.openxmlformats.org/drawingml/2006/main" xmlns:r="http://schemas.openxmlformats.org/officeDocument/2006/relationships" xmlns:p="http://schemas.openxmlformats.org/presentationml/2006/main">
+  <p:cSld>
+    <p:spTree>
+      <p:nvGrpSpPr>
+        <p:cNvPr id="1" name=""/>
+        <p:cNvGrpSpPr/>
+        <p:nvPr/>
+      </p:nvGrpSpPr>
+      <p:grpSpPr>
+        <a:xfrm>
+          <a:off x="0" y="0"/>
+          <a:ext cx="0" cy="0"/>
+          <a:chOff x="0" y="0"/>
+          <a:chExt cx="0" cy="0"/>
+        </a:xfrm>
+      </p:grpSpPr>
+      <p:sp>
+        <p:nvSpPr>
+          <p:cNvPr id="5" name="Pie 4"/>
+          <p:cNvSpPr>
+            <a:spLocks noChangeAspect="1"/>
+          </p:cNvSpPr>
+          <p:nvPr/>
+        </p:nvSpPr>
+        <p:spPr>
+          <a:xfrm rot="18900000">
+            <a:off x="1004955" y="0"/>
+            <a:ext cx="6858000" cy="6858000"/>
+          </a:xfrm>
+          <a:prstGeom prst="pie">
+            <a:avLst/>
+          </a:prstGeom>
+          <a:solidFill>
+            <a:srgbClr val="FFFF00"/>
+          </a:solidFill>
+          <a:ln>
+            <a:solidFill>
+              <a:srgbClr val="FFFF00"/>
             </a:solidFill>
           </a:ln>
           <a:effectLst/>
@@ -12082,14 +12986,242 @@
           <a:lstStyle/>
           <a:p>
             <a:pPr algn="ctr"/>
-            <a:endParaRPr lang="en-US"/>
+            <a:endParaRPr lang="en-US">
+              <a:solidFill>
+                <a:schemeClr val="tx1"/>
+              </a:solidFill>
+            </a:endParaRPr>
           </a:p>
         </p:txBody>
       </p:sp>
     </p:spTree>
     <p:extLst>
       <p:ext uri="{BB962C8B-B14F-4D97-AF65-F5344CB8AC3E}">
-        <p14:creationId xmlns:p14="http://schemas.microsoft.com/office/powerpoint/2010/main" val="1632945235"/>
+        <p14:creationId xmlns:p14="http://schemas.microsoft.com/office/powerpoint/2010/main" val="1484191675"/>
+      </p:ext>
+    </p:extLst>
+  </p:cSld>
+  <p:clrMapOvr>
+    <a:masterClrMapping/>
+  </p:clrMapOvr>
+  <p:timing>
+    <p:tnLst>
+      <p:par>
+        <p:cTn xmlns:p14="http://schemas.microsoft.com/office/powerpoint/2010/main" id="1" dur="indefinite" restart="never" nodeType="tmRoot"/>
+      </p:par>
+    </p:tnLst>
+  </p:timing>
+</p:sld>
+</file>
+
+<file path=ppt/slides/slide30.xml><?xml version="1.0" encoding="utf-8"?>
+<p:sld xmlns:a="http://schemas.openxmlformats.org/drawingml/2006/main" xmlns:r="http://schemas.openxmlformats.org/officeDocument/2006/relationships" xmlns:p="http://schemas.openxmlformats.org/presentationml/2006/main">
+  <p:cSld>
+    <p:spTree>
+      <p:nvGrpSpPr>
+        <p:cNvPr id="1" name=""/>
+        <p:cNvGrpSpPr/>
+        <p:nvPr/>
+      </p:nvGrpSpPr>
+      <p:grpSpPr>
+        <a:xfrm>
+          <a:off x="0" y="0"/>
+          <a:ext cx="0" cy="0"/>
+          <a:chOff x="0" y="0"/>
+          <a:chExt cx="0" cy="0"/>
+        </a:xfrm>
+      </p:grpSpPr>
+      <p:grpSp>
+        <p:nvGrpSpPr>
+          <p:cNvPr id="3" name="Group 2"/>
+          <p:cNvGrpSpPr/>
+          <p:nvPr/>
+        </p:nvGrpSpPr>
+        <p:grpSpPr>
+          <a:xfrm>
+            <a:off x="-1840141" y="0"/>
+            <a:ext cx="9847188" cy="9849758"/>
+            <a:chOff x="-1840141" y="0"/>
+            <a:chExt cx="9847188" cy="9849758"/>
+          </a:xfrm>
+        </p:grpSpPr>
+        <p:sp>
+          <p:nvSpPr>
+            <p:cNvPr id="2" name="Rectangle 1"/>
+            <p:cNvSpPr/>
+            <p:nvPr/>
+          </p:nvSpPr>
+          <p:spPr>
+            <a:xfrm>
+              <a:off x="1149047" y="0"/>
+              <a:ext cx="6858000" cy="6858000"/>
+            </a:xfrm>
+            <a:prstGeom prst="rect">
+              <a:avLst/>
+            </a:prstGeom>
+            <a:noFill/>
+            <a:ln>
+              <a:noFill/>
+            </a:ln>
+            <a:effectLst/>
+          </p:spPr>
+          <p:style>
+            <a:lnRef idx="1">
+              <a:schemeClr val="accent1"/>
+            </a:lnRef>
+            <a:fillRef idx="3">
+              <a:schemeClr val="accent1"/>
+            </a:fillRef>
+            <a:effectRef idx="2">
+              <a:schemeClr val="accent1"/>
+            </a:effectRef>
+            <a:fontRef idx="minor">
+              <a:schemeClr val="lt1"/>
+            </a:fontRef>
+          </p:style>
+          <p:txBody>
+            <a:bodyPr rtlCol="0" anchor="ctr"/>
+            <a:lstStyle/>
+            <a:p>
+              <a:pPr algn="ctr"/>
+              <a:endParaRPr lang="en-US" dirty="0"/>
+            </a:p>
+          </p:txBody>
+        </p:sp>
+        <p:sp>
+          <p:nvSpPr>
+            <p:cNvPr id="14" name="Block Arc 13"/>
+            <p:cNvSpPr/>
+            <p:nvPr/>
+          </p:nvSpPr>
+          <p:spPr>
+            <a:xfrm>
+              <a:off x="-1840141" y="2991758"/>
+              <a:ext cx="6858000" cy="6858000"/>
+            </a:xfrm>
+            <a:prstGeom prst="blockArc">
+              <a:avLst>
+                <a:gd name="adj1" fmla="val 16202298"/>
+                <a:gd name="adj2" fmla="val 12843"/>
+                <a:gd name="adj3" fmla="val 12823"/>
+              </a:avLst>
+            </a:prstGeom>
+            <a:solidFill>
+              <a:srgbClr val="0000FF"/>
+            </a:solidFill>
+            <a:ln>
+              <a:solidFill>
+                <a:srgbClr val="0000FF"/>
+              </a:solidFill>
+            </a:ln>
+            <a:effectLst/>
+          </p:spPr>
+          <p:style>
+            <a:lnRef idx="1">
+              <a:schemeClr val="accent1"/>
+            </a:lnRef>
+            <a:fillRef idx="3">
+              <a:schemeClr val="accent1"/>
+            </a:fillRef>
+            <a:effectRef idx="2">
+              <a:schemeClr val="accent1"/>
+            </a:effectRef>
+            <a:fontRef idx="minor">
+              <a:schemeClr val="lt1"/>
+            </a:fontRef>
+          </p:style>
+          <p:txBody>
+            <a:bodyPr rtlCol="0" anchor="ctr"/>
+            <a:lstStyle/>
+            <a:p>
+              <a:pPr algn="ctr"/>
+              <a:endParaRPr lang="en-US">
+                <a:solidFill>
+                  <a:schemeClr val="tx1"/>
+                </a:solidFill>
+              </a:endParaRPr>
+            </a:p>
+          </p:txBody>
+        </p:sp>
+        <p:cxnSp>
+          <p:nvCxnSpPr>
+            <p:cNvPr id="15" name="Straight Connector 14"/>
+            <p:cNvCxnSpPr>
+              <a:endCxn id="2" idx="2"/>
+            </p:cNvCxnSpPr>
+            <p:nvPr/>
+          </p:nvCxnSpPr>
+          <p:spPr>
+            <a:xfrm>
+              <a:off x="4578047" y="6435725"/>
+              <a:ext cx="0" cy="422275"/>
+            </a:xfrm>
+            <a:prstGeom prst="line">
+              <a:avLst/>
+            </a:prstGeom>
+            <a:ln w="889000">
+              <a:solidFill>
+                <a:srgbClr val="0000FF"/>
+              </a:solidFill>
+            </a:ln>
+            <a:effectLst/>
+          </p:spPr>
+          <p:style>
+            <a:lnRef idx="2">
+              <a:schemeClr val="accent1"/>
+            </a:lnRef>
+            <a:fillRef idx="0">
+              <a:schemeClr val="accent1"/>
+            </a:fillRef>
+            <a:effectRef idx="1">
+              <a:schemeClr val="accent1"/>
+            </a:effectRef>
+            <a:fontRef idx="minor">
+              <a:schemeClr val="tx1"/>
+            </a:fontRef>
+          </p:style>
+        </p:cxnSp>
+        <p:cxnSp>
+          <p:nvCxnSpPr>
+            <p:cNvPr id="16" name="Straight Connector 15"/>
+            <p:cNvCxnSpPr/>
+            <p:nvPr/>
+          </p:nvCxnSpPr>
+          <p:spPr>
+            <a:xfrm flipH="1" flipV="1">
+              <a:off x="1149047" y="3429000"/>
+              <a:ext cx="457503" cy="1"/>
+            </a:xfrm>
+            <a:prstGeom prst="line">
+              <a:avLst/>
+            </a:prstGeom>
+            <a:ln w="889000">
+              <a:solidFill>
+                <a:srgbClr val="0000FF"/>
+              </a:solidFill>
+            </a:ln>
+            <a:effectLst/>
+          </p:spPr>
+          <p:style>
+            <a:lnRef idx="2">
+              <a:schemeClr val="accent1"/>
+            </a:lnRef>
+            <a:fillRef idx="0">
+              <a:schemeClr val="accent1"/>
+            </a:fillRef>
+            <a:effectRef idx="1">
+              <a:schemeClr val="accent1"/>
+            </a:effectRef>
+            <a:fontRef idx="minor">
+              <a:schemeClr val="tx1"/>
+            </a:fontRef>
+          </p:style>
+        </p:cxnSp>
+      </p:grpSp>
+    </p:spTree>
+    <p:extLst>
+      <p:ext uri="{BB962C8B-B14F-4D97-AF65-F5344CB8AC3E}">
+        <p14:creationId xmlns:p14="http://schemas.microsoft.com/office/powerpoint/2010/main" val="3363079968"/>
       </p:ext>
     </p:extLst>
   </p:cSld>
@@ -12099,7 +13231,1690 @@
 </p:sld>
 </file>
 
-<file path=ppt/slides/slide26.xml><?xml version="1.0" encoding="utf-8"?>
+<file path=ppt/slides/slide31.xml><?xml version="1.0" encoding="utf-8"?>
+<p:sld xmlns:a="http://schemas.openxmlformats.org/drawingml/2006/main" xmlns:r="http://schemas.openxmlformats.org/officeDocument/2006/relationships" xmlns:p="http://schemas.openxmlformats.org/presentationml/2006/main">
+  <p:cSld>
+    <p:spTree>
+      <p:nvGrpSpPr>
+        <p:cNvPr id="1" name=""/>
+        <p:cNvGrpSpPr/>
+        <p:nvPr/>
+      </p:nvGrpSpPr>
+      <p:grpSpPr>
+        <a:xfrm>
+          <a:off x="0" y="0"/>
+          <a:ext cx="0" cy="0"/>
+          <a:chOff x="0" y="0"/>
+          <a:chExt cx="0" cy="0"/>
+        </a:xfrm>
+      </p:grpSpPr>
+      <p:grpSp>
+        <p:nvGrpSpPr>
+          <p:cNvPr id="25" name="Group 24"/>
+          <p:cNvGrpSpPr/>
+          <p:nvPr/>
+        </p:nvGrpSpPr>
+        <p:grpSpPr>
+          <a:xfrm rot="5400000">
+            <a:off x="-1703175" y="-2989188"/>
+            <a:ext cx="9847188" cy="9849758"/>
+            <a:chOff x="-1840141" y="0"/>
+            <a:chExt cx="9847188" cy="9849758"/>
+          </a:xfrm>
+        </p:grpSpPr>
+        <p:sp>
+          <p:nvSpPr>
+            <p:cNvPr id="2" name="Rectangle 1"/>
+            <p:cNvSpPr/>
+            <p:nvPr/>
+          </p:nvSpPr>
+          <p:spPr>
+            <a:xfrm>
+              <a:off x="1149047" y="0"/>
+              <a:ext cx="6858000" cy="6858000"/>
+            </a:xfrm>
+            <a:prstGeom prst="rect">
+              <a:avLst/>
+            </a:prstGeom>
+            <a:noFill/>
+            <a:ln>
+              <a:noFill/>
+            </a:ln>
+            <a:effectLst/>
+          </p:spPr>
+          <p:style>
+            <a:lnRef idx="1">
+              <a:schemeClr val="accent1"/>
+            </a:lnRef>
+            <a:fillRef idx="3">
+              <a:schemeClr val="accent1"/>
+            </a:fillRef>
+            <a:effectRef idx="2">
+              <a:schemeClr val="accent1"/>
+            </a:effectRef>
+            <a:fontRef idx="minor">
+              <a:schemeClr val="lt1"/>
+            </a:fontRef>
+          </p:style>
+          <p:txBody>
+            <a:bodyPr rtlCol="0" anchor="ctr"/>
+            <a:lstStyle/>
+            <a:p>
+              <a:pPr algn="ctr"/>
+              <a:endParaRPr lang="en-US" dirty="0"/>
+            </a:p>
+          </p:txBody>
+        </p:sp>
+        <p:sp>
+          <p:nvSpPr>
+            <p:cNvPr id="5" name="Block Arc 4"/>
+            <p:cNvSpPr/>
+            <p:nvPr/>
+          </p:nvSpPr>
+          <p:spPr>
+            <a:xfrm>
+              <a:off x="1149047" y="0"/>
+              <a:ext cx="6858000" cy="6858000"/>
+            </a:xfrm>
+            <a:prstGeom prst="blockArc">
+              <a:avLst>
+                <a:gd name="adj1" fmla="val 16202298"/>
+                <a:gd name="adj2" fmla="val 12859"/>
+                <a:gd name="adj3" fmla="val 12870"/>
+              </a:avLst>
+            </a:prstGeom>
+            <a:solidFill>
+              <a:srgbClr val="0000FF"/>
+            </a:solidFill>
+            <a:ln>
+              <a:solidFill>
+                <a:srgbClr val="0000FF"/>
+              </a:solidFill>
+            </a:ln>
+            <a:effectLst/>
+          </p:spPr>
+          <p:style>
+            <a:lnRef idx="1">
+              <a:schemeClr val="accent1"/>
+            </a:lnRef>
+            <a:fillRef idx="3">
+              <a:schemeClr val="accent1"/>
+            </a:fillRef>
+            <a:effectRef idx="2">
+              <a:schemeClr val="accent1"/>
+            </a:effectRef>
+            <a:fontRef idx="minor">
+              <a:schemeClr val="lt1"/>
+            </a:fontRef>
+          </p:style>
+          <p:txBody>
+            <a:bodyPr rtlCol="0" anchor="ctr"/>
+            <a:lstStyle/>
+            <a:p>
+              <a:pPr algn="ctr"/>
+              <a:endParaRPr lang="en-US">
+                <a:solidFill>
+                  <a:schemeClr val="tx1"/>
+                </a:solidFill>
+              </a:endParaRPr>
+            </a:p>
+          </p:txBody>
+        </p:sp>
+        <p:cxnSp>
+          <p:nvCxnSpPr>
+            <p:cNvPr id="6" name="Straight Connector 5"/>
+            <p:cNvCxnSpPr/>
+            <p:nvPr/>
+          </p:nvCxnSpPr>
+          <p:spPr>
+            <a:xfrm>
+              <a:off x="7564165" y="3429001"/>
+              <a:ext cx="0" cy="3428999"/>
+            </a:xfrm>
+            <a:prstGeom prst="line">
+              <a:avLst/>
+            </a:prstGeom>
+            <a:ln w="889000">
+              <a:solidFill>
+                <a:srgbClr val="0000FF"/>
+              </a:solidFill>
+            </a:ln>
+            <a:effectLst/>
+          </p:spPr>
+          <p:style>
+            <a:lnRef idx="2">
+              <a:schemeClr val="accent1"/>
+            </a:lnRef>
+            <a:fillRef idx="0">
+              <a:schemeClr val="accent1"/>
+            </a:fillRef>
+            <a:effectRef idx="1">
+              <a:schemeClr val="accent1"/>
+            </a:effectRef>
+            <a:fontRef idx="minor">
+              <a:schemeClr val="tx1"/>
+            </a:fontRef>
+          </p:style>
+        </p:cxnSp>
+        <p:cxnSp>
+          <p:nvCxnSpPr>
+            <p:cNvPr id="10" name="Straight Connector 9"/>
+            <p:cNvCxnSpPr/>
+            <p:nvPr/>
+          </p:nvCxnSpPr>
+          <p:spPr>
+            <a:xfrm flipH="1">
+              <a:off x="1149047" y="442686"/>
+              <a:ext cx="3426129" cy="0"/>
+            </a:xfrm>
+            <a:prstGeom prst="line">
+              <a:avLst/>
+            </a:prstGeom>
+            <a:ln w="889000">
+              <a:solidFill>
+                <a:srgbClr val="0000FF"/>
+              </a:solidFill>
+            </a:ln>
+            <a:effectLst/>
+          </p:spPr>
+          <p:style>
+            <a:lnRef idx="2">
+              <a:schemeClr val="accent1"/>
+            </a:lnRef>
+            <a:fillRef idx="0">
+              <a:schemeClr val="accent1"/>
+            </a:fillRef>
+            <a:effectRef idx="1">
+              <a:schemeClr val="accent1"/>
+            </a:effectRef>
+            <a:fontRef idx="minor">
+              <a:schemeClr val="tx1"/>
+            </a:fontRef>
+          </p:style>
+        </p:cxnSp>
+        <p:sp>
+          <p:nvSpPr>
+            <p:cNvPr id="14" name="Block Arc 13"/>
+            <p:cNvSpPr/>
+            <p:nvPr/>
+          </p:nvSpPr>
+          <p:spPr>
+            <a:xfrm>
+              <a:off x="-1840141" y="2991758"/>
+              <a:ext cx="6858000" cy="6858000"/>
+            </a:xfrm>
+            <a:prstGeom prst="blockArc">
+              <a:avLst>
+                <a:gd name="adj1" fmla="val 16202298"/>
+                <a:gd name="adj2" fmla="val 12843"/>
+                <a:gd name="adj3" fmla="val 12823"/>
+              </a:avLst>
+            </a:prstGeom>
+            <a:solidFill>
+              <a:srgbClr val="0000FF"/>
+            </a:solidFill>
+            <a:ln>
+              <a:solidFill>
+                <a:srgbClr val="0000FF"/>
+              </a:solidFill>
+            </a:ln>
+            <a:effectLst/>
+          </p:spPr>
+          <p:style>
+            <a:lnRef idx="1">
+              <a:schemeClr val="accent1"/>
+            </a:lnRef>
+            <a:fillRef idx="3">
+              <a:schemeClr val="accent1"/>
+            </a:fillRef>
+            <a:effectRef idx="2">
+              <a:schemeClr val="accent1"/>
+            </a:effectRef>
+            <a:fontRef idx="minor">
+              <a:schemeClr val="lt1"/>
+            </a:fontRef>
+          </p:style>
+          <p:txBody>
+            <a:bodyPr rtlCol="0" anchor="ctr"/>
+            <a:lstStyle/>
+            <a:p>
+              <a:pPr algn="ctr"/>
+              <a:endParaRPr lang="en-US">
+                <a:solidFill>
+                  <a:schemeClr val="tx1"/>
+                </a:solidFill>
+              </a:endParaRPr>
+            </a:p>
+          </p:txBody>
+        </p:sp>
+        <p:cxnSp>
+          <p:nvCxnSpPr>
+            <p:cNvPr id="15" name="Straight Connector 14"/>
+            <p:cNvCxnSpPr>
+              <a:endCxn id="2" idx="2"/>
+            </p:cNvCxnSpPr>
+            <p:nvPr/>
+          </p:nvCxnSpPr>
+          <p:spPr>
+            <a:xfrm>
+              <a:off x="4578047" y="6435725"/>
+              <a:ext cx="0" cy="422275"/>
+            </a:xfrm>
+            <a:prstGeom prst="line">
+              <a:avLst/>
+            </a:prstGeom>
+            <a:ln w="889000">
+              <a:solidFill>
+                <a:srgbClr val="0000FF"/>
+              </a:solidFill>
+            </a:ln>
+            <a:effectLst/>
+          </p:spPr>
+          <p:style>
+            <a:lnRef idx="2">
+              <a:schemeClr val="accent1"/>
+            </a:lnRef>
+            <a:fillRef idx="0">
+              <a:schemeClr val="accent1"/>
+            </a:fillRef>
+            <a:effectRef idx="1">
+              <a:schemeClr val="accent1"/>
+            </a:effectRef>
+            <a:fontRef idx="minor">
+              <a:schemeClr val="tx1"/>
+            </a:fontRef>
+          </p:style>
+        </p:cxnSp>
+        <p:cxnSp>
+          <p:nvCxnSpPr>
+            <p:cNvPr id="16" name="Straight Connector 15"/>
+            <p:cNvCxnSpPr/>
+            <p:nvPr/>
+          </p:nvCxnSpPr>
+          <p:spPr>
+            <a:xfrm flipH="1" flipV="1">
+              <a:off x="1149047" y="3429000"/>
+              <a:ext cx="457503" cy="1"/>
+            </a:xfrm>
+            <a:prstGeom prst="line">
+              <a:avLst/>
+            </a:prstGeom>
+            <a:ln w="889000">
+              <a:solidFill>
+                <a:srgbClr val="0000FF"/>
+              </a:solidFill>
+            </a:ln>
+            <a:effectLst/>
+          </p:spPr>
+          <p:style>
+            <a:lnRef idx="2">
+              <a:schemeClr val="accent1"/>
+            </a:lnRef>
+            <a:fillRef idx="0">
+              <a:schemeClr val="accent1"/>
+            </a:fillRef>
+            <a:effectRef idx="1">
+              <a:schemeClr val="accent1"/>
+            </a:effectRef>
+            <a:fontRef idx="minor">
+              <a:schemeClr val="tx1"/>
+            </a:fontRef>
+          </p:style>
+        </p:cxnSp>
+      </p:grpSp>
+    </p:spTree>
+    <p:extLst>
+      <p:ext uri="{BB962C8B-B14F-4D97-AF65-F5344CB8AC3E}">
+        <p14:creationId xmlns:p14="http://schemas.microsoft.com/office/powerpoint/2010/main" val="165253214"/>
+      </p:ext>
+    </p:extLst>
+  </p:cSld>
+  <p:clrMapOvr>
+    <a:masterClrMapping/>
+  </p:clrMapOvr>
+</p:sld>
+</file>
+
+<file path=ppt/slides/slide32.xml><?xml version="1.0" encoding="utf-8"?>
+<p:sld xmlns:a="http://schemas.openxmlformats.org/drawingml/2006/main" xmlns:r="http://schemas.openxmlformats.org/officeDocument/2006/relationships" xmlns:p="http://schemas.openxmlformats.org/presentationml/2006/main">
+  <p:cSld>
+    <p:spTree>
+      <p:nvGrpSpPr>
+        <p:cNvPr id="1" name=""/>
+        <p:cNvGrpSpPr/>
+        <p:nvPr/>
+      </p:nvGrpSpPr>
+      <p:grpSpPr>
+        <a:xfrm>
+          <a:off x="0" y="0"/>
+          <a:ext cx="0" cy="0"/>
+          <a:chOff x="0" y="0"/>
+          <a:chExt cx="0" cy="0"/>
+        </a:xfrm>
+      </p:grpSpPr>
+      <p:grpSp>
+        <p:nvGrpSpPr>
+          <p:cNvPr id="3" name="Group 2"/>
+          <p:cNvGrpSpPr/>
+          <p:nvPr/>
+        </p:nvGrpSpPr>
+        <p:grpSpPr>
+          <a:xfrm rot="5400000">
+            <a:off x="-1155314" y="-547893"/>
+            <a:ext cx="9847188" cy="9849758"/>
+            <a:chOff x="-1840141" y="0"/>
+            <a:chExt cx="9847188" cy="9849758"/>
+          </a:xfrm>
+        </p:grpSpPr>
+        <p:sp>
+          <p:nvSpPr>
+            <p:cNvPr id="2" name="Rectangle 1"/>
+            <p:cNvSpPr/>
+            <p:nvPr/>
+          </p:nvSpPr>
+          <p:spPr>
+            <a:xfrm>
+              <a:off x="1149047" y="0"/>
+              <a:ext cx="6858000" cy="6858000"/>
+            </a:xfrm>
+            <a:prstGeom prst="rect">
+              <a:avLst/>
+            </a:prstGeom>
+            <a:noFill/>
+            <a:ln>
+              <a:noFill/>
+            </a:ln>
+            <a:effectLst/>
+          </p:spPr>
+          <p:style>
+            <a:lnRef idx="1">
+              <a:schemeClr val="accent1"/>
+            </a:lnRef>
+            <a:fillRef idx="3">
+              <a:schemeClr val="accent1"/>
+            </a:fillRef>
+            <a:effectRef idx="2">
+              <a:schemeClr val="accent1"/>
+            </a:effectRef>
+            <a:fontRef idx="minor">
+              <a:schemeClr val="lt1"/>
+            </a:fontRef>
+          </p:style>
+          <p:txBody>
+            <a:bodyPr rtlCol="0" anchor="ctr"/>
+            <a:lstStyle/>
+            <a:p>
+              <a:pPr algn="ctr"/>
+              <a:endParaRPr lang="en-US" dirty="0"/>
+            </a:p>
+          </p:txBody>
+        </p:sp>
+        <p:sp>
+          <p:nvSpPr>
+            <p:cNvPr id="14" name="Block Arc 13"/>
+            <p:cNvSpPr/>
+            <p:nvPr/>
+          </p:nvSpPr>
+          <p:spPr>
+            <a:xfrm>
+              <a:off x="-1840141" y="2991758"/>
+              <a:ext cx="6858000" cy="6858000"/>
+            </a:xfrm>
+            <a:prstGeom prst="blockArc">
+              <a:avLst>
+                <a:gd name="adj1" fmla="val 16202298"/>
+                <a:gd name="adj2" fmla="val 12843"/>
+                <a:gd name="adj3" fmla="val 12823"/>
+              </a:avLst>
+            </a:prstGeom>
+            <a:solidFill>
+              <a:srgbClr val="0000FF"/>
+            </a:solidFill>
+            <a:ln>
+              <a:solidFill>
+                <a:srgbClr val="0000FF"/>
+              </a:solidFill>
+            </a:ln>
+            <a:effectLst/>
+          </p:spPr>
+          <p:style>
+            <a:lnRef idx="1">
+              <a:schemeClr val="accent1"/>
+            </a:lnRef>
+            <a:fillRef idx="3">
+              <a:schemeClr val="accent1"/>
+            </a:fillRef>
+            <a:effectRef idx="2">
+              <a:schemeClr val="accent1"/>
+            </a:effectRef>
+            <a:fontRef idx="minor">
+              <a:schemeClr val="lt1"/>
+            </a:fontRef>
+          </p:style>
+          <p:txBody>
+            <a:bodyPr rtlCol="0" anchor="ctr"/>
+            <a:lstStyle/>
+            <a:p>
+              <a:pPr algn="ctr"/>
+              <a:endParaRPr lang="en-US">
+                <a:solidFill>
+                  <a:schemeClr val="tx1"/>
+                </a:solidFill>
+              </a:endParaRPr>
+            </a:p>
+          </p:txBody>
+        </p:sp>
+        <p:cxnSp>
+          <p:nvCxnSpPr>
+            <p:cNvPr id="15" name="Straight Connector 14"/>
+            <p:cNvCxnSpPr>
+              <a:endCxn id="2" idx="2"/>
+            </p:cNvCxnSpPr>
+            <p:nvPr/>
+          </p:nvCxnSpPr>
+          <p:spPr>
+            <a:xfrm>
+              <a:off x="4578047" y="6435725"/>
+              <a:ext cx="0" cy="422275"/>
+            </a:xfrm>
+            <a:prstGeom prst="line">
+              <a:avLst/>
+            </a:prstGeom>
+            <a:ln w="889000">
+              <a:solidFill>
+                <a:srgbClr val="0000FF"/>
+              </a:solidFill>
+            </a:ln>
+            <a:effectLst/>
+          </p:spPr>
+          <p:style>
+            <a:lnRef idx="2">
+              <a:schemeClr val="accent1"/>
+            </a:lnRef>
+            <a:fillRef idx="0">
+              <a:schemeClr val="accent1"/>
+            </a:fillRef>
+            <a:effectRef idx="1">
+              <a:schemeClr val="accent1"/>
+            </a:effectRef>
+            <a:fontRef idx="minor">
+              <a:schemeClr val="tx1"/>
+            </a:fontRef>
+          </p:style>
+        </p:cxnSp>
+        <p:cxnSp>
+          <p:nvCxnSpPr>
+            <p:cNvPr id="16" name="Straight Connector 15"/>
+            <p:cNvCxnSpPr/>
+            <p:nvPr/>
+          </p:nvCxnSpPr>
+          <p:spPr>
+            <a:xfrm flipH="1" flipV="1">
+              <a:off x="1149047" y="3429000"/>
+              <a:ext cx="457503" cy="1"/>
+            </a:xfrm>
+            <a:prstGeom prst="line">
+              <a:avLst/>
+            </a:prstGeom>
+            <a:ln w="889000">
+              <a:solidFill>
+                <a:srgbClr val="0000FF"/>
+              </a:solidFill>
+            </a:ln>
+            <a:effectLst/>
+          </p:spPr>
+          <p:style>
+            <a:lnRef idx="2">
+              <a:schemeClr val="accent1"/>
+            </a:lnRef>
+            <a:fillRef idx="0">
+              <a:schemeClr val="accent1"/>
+            </a:fillRef>
+            <a:effectRef idx="1">
+              <a:schemeClr val="accent1"/>
+            </a:effectRef>
+            <a:fontRef idx="minor">
+              <a:schemeClr val="tx1"/>
+            </a:fontRef>
+          </p:style>
+        </p:cxnSp>
+      </p:grpSp>
+    </p:spTree>
+    <p:extLst>
+      <p:ext uri="{BB962C8B-B14F-4D97-AF65-F5344CB8AC3E}">
+        <p14:creationId xmlns:p14="http://schemas.microsoft.com/office/powerpoint/2010/main" val="1721232741"/>
+      </p:ext>
+    </p:extLst>
+  </p:cSld>
+  <p:clrMapOvr>
+    <a:masterClrMapping/>
+  </p:clrMapOvr>
+</p:sld>
+</file>
+
+<file path=ppt/slides/slide33.xml><?xml version="1.0" encoding="utf-8"?>
+<p:sld xmlns:a="http://schemas.openxmlformats.org/drawingml/2006/main" xmlns:r="http://schemas.openxmlformats.org/officeDocument/2006/relationships" xmlns:p="http://schemas.openxmlformats.org/presentationml/2006/main">
+  <p:cSld>
+    <p:spTree>
+      <p:nvGrpSpPr>
+        <p:cNvPr id="1" name=""/>
+        <p:cNvGrpSpPr/>
+        <p:nvPr/>
+      </p:nvGrpSpPr>
+      <p:grpSpPr>
+        <a:xfrm>
+          <a:off x="0" y="0"/>
+          <a:ext cx="0" cy="0"/>
+          <a:chOff x="0" y="0"/>
+          <a:chExt cx="0" cy="0"/>
+        </a:xfrm>
+      </p:grpSpPr>
+      <p:grpSp>
+        <p:nvGrpSpPr>
+          <p:cNvPr id="25" name="Group 24"/>
+          <p:cNvGrpSpPr/>
+          <p:nvPr/>
+        </p:nvGrpSpPr>
+        <p:grpSpPr>
+          <a:xfrm rot="10800000">
+            <a:off x="1061037" y="-2991758"/>
+            <a:ext cx="9847188" cy="9849758"/>
+            <a:chOff x="-1840141" y="0"/>
+            <a:chExt cx="9847188" cy="9849758"/>
+          </a:xfrm>
+        </p:grpSpPr>
+        <p:sp>
+          <p:nvSpPr>
+            <p:cNvPr id="2" name="Rectangle 1"/>
+            <p:cNvSpPr/>
+            <p:nvPr/>
+          </p:nvSpPr>
+          <p:spPr>
+            <a:xfrm>
+              <a:off x="1149047" y="0"/>
+              <a:ext cx="6858000" cy="6858000"/>
+            </a:xfrm>
+            <a:prstGeom prst="rect">
+              <a:avLst/>
+            </a:prstGeom>
+            <a:noFill/>
+            <a:ln>
+              <a:noFill/>
+            </a:ln>
+            <a:effectLst/>
+          </p:spPr>
+          <p:style>
+            <a:lnRef idx="1">
+              <a:schemeClr val="accent1"/>
+            </a:lnRef>
+            <a:fillRef idx="3">
+              <a:schemeClr val="accent1"/>
+            </a:fillRef>
+            <a:effectRef idx="2">
+              <a:schemeClr val="accent1"/>
+            </a:effectRef>
+            <a:fontRef idx="minor">
+              <a:schemeClr val="lt1"/>
+            </a:fontRef>
+          </p:style>
+          <p:txBody>
+            <a:bodyPr rtlCol="0" anchor="ctr"/>
+            <a:lstStyle/>
+            <a:p>
+              <a:pPr algn="ctr"/>
+              <a:endParaRPr lang="en-US" dirty="0"/>
+            </a:p>
+          </p:txBody>
+        </p:sp>
+        <p:sp>
+          <p:nvSpPr>
+            <p:cNvPr id="5" name="Block Arc 4"/>
+            <p:cNvSpPr/>
+            <p:nvPr/>
+          </p:nvSpPr>
+          <p:spPr>
+            <a:xfrm>
+              <a:off x="1149047" y="0"/>
+              <a:ext cx="6858000" cy="6858000"/>
+            </a:xfrm>
+            <a:prstGeom prst="blockArc">
+              <a:avLst>
+                <a:gd name="adj1" fmla="val 16202298"/>
+                <a:gd name="adj2" fmla="val 12859"/>
+                <a:gd name="adj3" fmla="val 12870"/>
+              </a:avLst>
+            </a:prstGeom>
+            <a:solidFill>
+              <a:srgbClr val="0000FF"/>
+            </a:solidFill>
+            <a:ln>
+              <a:solidFill>
+                <a:srgbClr val="0000FF"/>
+              </a:solidFill>
+            </a:ln>
+            <a:effectLst/>
+          </p:spPr>
+          <p:style>
+            <a:lnRef idx="1">
+              <a:schemeClr val="accent1"/>
+            </a:lnRef>
+            <a:fillRef idx="3">
+              <a:schemeClr val="accent1"/>
+            </a:fillRef>
+            <a:effectRef idx="2">
+              <a:schemeClr val="accent1"/>
+            </a:effectRef>
+            <a:fontRef idx="minor">
+              <a:schemeClr val="lt1"/>
+            </a:fontRef>
+          </p:style>
+          <p:txBody>
+            <a:bodyPr rtlCol="0" anchor="ctr"/>
+            <a:lstStyle/>
+            <a:p>
+              <a:pPr algn="ctr"/>
+              <a:endParaRPr lang="en-US">
+                <a:solidFill>
+                  <a:schemeClr val="tx1"/>
+                </a:solidFill>
+              </a:endParaRPr>
+            </a:p>
+          </p:txBody>
+        </p:sp>
+        <p:cxnSp>
+          <p:nvCxnSpPr>
+            <p:cNvPr id="6" name="Straight Connector 5"/>
+            <p:cNvCxnSpPr/>
+            <p:nvPr/>
+          </p:nvCxnSpPr>
+          <p:spPr>
+            <a:xfrm>
+              <a:off x="7564165" y="3429001"/>
+              <a:ext cx="0" cy="3428999"/>
+            </a:xfrm>
+            <a:prstGeom prst="line">
+              <a:avLst/>
+            </a:prstGeom>
+            <a:ln w="889000">
+              <a:solidFill>
+                <a:srgbClr val="0000FF"/>
+              </a:solidFill>
+            </a:ln>
+            <a:effectLst/>
+          </p:spPr>
+          <p:style>
+            <a:lnRef idx="2">
+              <a:schemeClr val="accent1"/>
+            </a:lnRef>
+            <a:fillRef idx="0">
+              <a:schemeClr val="accent1"/>
+            </a:fillRef>
+            <a:effectRef idx="1">
+              <a:schemeClr val="accent1"/>
+            </a:effectRef>
+            <a:fontRef idx="minor">
+              <a:schemeClr val="tx1"/>
+            </a:fontRef>
+          </p:style>
+        </p:cxnSp>
+        <p:cxnSp>
+          <p:nvCxnSpPr>
+            <p:cNvPr id="10" name="Straight Connector 9"/>
+            <p:cNvCxnSpPr/>
+            <p:nvPr/>
+          </p:nvCxnSpPr>
+          <p:spPr>
+            <a:xfrm flipH="1">
+              <a:off x="1149047" y="442686"/>
+              <a:ext cx="3426129" cy="0"/>
+            </a:xfrm>
+            <a:prstGeom prst="line">
+              <a:avLst/>
+            </a:prstGeom>
+            <a:ln w="889000">
+              <a:solidFill>
+                <a:srgbClr val="0000FF"/>
+              </a:solidFill>
+            </a:ln>
+            <a:effectLst/>
+          </p:spPr>
+          <p:style>
+            <a:lnRef idx="2">
+              <a:schemeClr val="accent1"/>
+            </a:lnRef>
+            <a:fillRef idx="0">
+              <a:schemeClr val="accent1"/>
+            </a:fillRef>
+            <a:effectRef idx="1">
+              <a:schemeClr val="accent1"/>
+            </a:effectRef>
+            <a:fontRef idx="minor">
+              <a:schemeClr val="tx1"/>
+            </a:fontRef>
+          </p:style>
+        </p:cxnSp>
+        <p:sp>
+          <p:nvSpPr>
+            <p:cNvPr id="14" name="Block Arc 13"/>
+            <p:cNvSpPr/>
+            <p:nvPr/>
+          </p:nvSpPr>
+          <p:spPr>
+            <a:xfrm>
+              <a:off x="-1840141" y="2991758"/>
+              <a:ext cx="6858000" cy="6858000"/>
+            </a:xfrm>
+            <a:prstGeom prst="blockArc">
+              <a:avLst>
+                <a:gd name="adj1" fmla="val 16202298"/>
+                <a:gd name="adj2" fmla="val 12843"/>
+                <a:gd name="adj3" fmla="val 12823"/>
+              </a:avLst>
+            </a:prstGeom>
+            <a:solidFill>
+              <a:srgbClr val="0000FF"/>
+            </a:solidFill>
+            <a:ln>
+              <a:solidFill>
+                <a:srgbClr val="0000FF"/>
+              </a:solidFill>
+            </a:ln>
+            <a:effectLst/>
+          </p:spPr>
+          <p:style>
+            <a:lnRef idx="1">
+              <a:schemeClr val="accent1"/>
+            </a:lnRef>
+            <a:fillRef idx="3">
+              <a:schemeClr val="accent1"/>
+            </a:fillRef>
+            <a:effectRef idx="2">
+              <a:schemeClr val="accent1"/>
+            </a:effectRef>
+            <a:fontRef idx="minor">
+              <a:schemeClr val="lt1"/>
+            </a:fontRef>
+          </p:style>
+          <p:txBody>
+            <a:bodyPr rtlCol="0" anchor="ctr"/>
+            <a:lstStyle/>
+            <a:p>
+              <a:pPr algn="ctr"/>
+              <a:endParaRPr lang="en-US">
+                <a:solidFill>
+                  <a:schemeClr val="tx1"/>
+                </a:solidFill>
+              </a:endParaRPr>
+            </a:p>
+          </p:txBody>
+        </p:sp>
+        <p:cxnSp>
+          <p:nvCxnSpPr>
+            <p:cNvPr id="15" name="Straight Connector 14"/>
+            <p:cNvCxnSpPr>
+              <a:endCxn id="2" idx="2"/>
+            </p:cNvCxnSpPr>
+            <p:nvPr/>
+          </p:nvCxnSpPr>
+          <p:spPr>
+            <a:xfrm>
+              <a:off x="4578047" y="6435725"/>
+              <a:ext cx="0" cy="422275"/>
+            </a:xfrm>
+            <a:prstGeom prst="line">
+              <a:avLst/>
+            </a:prstGeom>
+            <a:ln w="889000">
+              <a:solidFill>
+                <a:srgbClr val="0000FF"/>
+              </a:solidFill>
+            </a:ln>
+            <a:effectLst/>
+          </p:spPr>
+          <p:style>
+            <a:lnRef idx="2">
+              <a:schemeClr val="accent1"/>
+            </a:lnRef>
+            <a:fillRef idx="0">
+              <a:schemeClr val="accent1"/>
+            </a:fillRef>
+            <a:effectRef idx="1">
+              <a:schemeClr val="accent1"/>
+            </a:effectRef>
+            <a:fontRef idx="minor">
+              <a:schemeClr val="tx1"/>
+            </a:fontRef>
+          </p:style>
+        </p:cxnSp>
+        <p:cxnSp>
+          <p:nvCxnSpPr>
+            <p:cNvPr id="16" name="Straight Connector 15"/>
+            <p:cNvCxnSpPr/>
+            <p:nvPr/>
+          </p:nvCxnSpPr>
+          <p:spPr>
+            <a:xfrm flipH="1" flipV="1">
+              <a:off x="1149047" y="3429000"/>
+              <a:ext cx="457503" cy="1"/>
+            </a:xfrm>
+            <a:prstGeom prst="line">
+              <a:avLst/>
+            </a:prstGeom>
+            <a:ln w="889000">
+              <a:solidFill>
+                <a:srgbClr val="0000FF"/>
+              </a:solidFill>
+            </a:ln>
+            <a:effectLst/>
+          </p:spPr>
+          <p:style>
+            <a:lnRef idx="2">
+              <a:schemeClr val="accent1"/>
+            </a:lnRef>
+            <a:fillRef idx="0">
+              <a:schemeClr val="accent1"/>
+            </a:fillRef>
+            <a:effectRef idx="1">
+              <a:schemeClr val="accent1"/>
+            </a:effectRef>
+            <a:fontRef idx="minor">
+              <a:schemeClr val="tx1"/>
+            </a:fontRef>
+          </p:style>
+        </p:cxnSp>
+      </p:grpSp>
+    </p:spTree>
+    <p:extLst>
+      <p:ext uri="{BB962C8B-B14F-4D97-AF65-F5344CB8AC3E}">
+        <p14:creationId xmlns:p14="http://schemas.microsoft.com/office/powerpoint/2010/main" val="165253214"/>
+      </p:ext>
+    </p:extLst>
+  </p:cSld>
+  <p:clrMapOvr>
+    <a:masterClrMapping/>
+  </p:clrMapOvr>
+</p:sld>
+</file>
+
+<file path=ppt/slides/slide34.xml><?xml version="1.0" encoding="utf-8"?>
+<p:sld xmlns:a="http://schemas.openxmlformats.org/drawingml/2006/main" xmlns:r="http://schemas.openxmlformats.org/officeDocument/2006/relationships" xmlns:p="http://schemas.openxmlformats.org/presentationml/2006/main">
+  <p:cSld>
+    <p:spTree>
+      <p:nvGrpSpPr>
+        <p:cNvPr id="1" name=""/>
+        <p:cNvGrpSpPr/>
+        <p:nvPr/>
+      </p:nvGrpSpPr>
+      <p:grpSpPr>
+        <a:xfrm>
+          <a:off x="0" y="0"/>
+          <a:ext cx="0" cy="0"/>
+          <a:chOff x="0" y="0"/>
+          <a:chExt cx="0" cy="0"/>
+        </a:xfrm>
+      </p:grpSpPr>
+      <p:grpSp>
+        <p:nvGrpSpPr>
+          <p:cNvPr id="3" name="Group 2"/>
+          <p:cNvGrpSpPr/>
+          <p:nvPr/>
+        </p:nvGrpSpPr>
+        <p:grpSpPr>
+          <a:xfrm rot="10800000">
+            <a:off x="-1840141" y="0"/>
+            <a:ext cx="9847188" cy="9849758"/>
+            <a:chOff x="-1840141" y="0"/>
+            <a:chExt cx="9847188" cy="9849758"/>
+          </a:xfrm>
+        </p:grpSpPr>
+        <p:sp>
+          <p:nvSpPr>
+            <p:cNvPr id="2" name="Rectangle 1"/>
+            <p:cNvSpPr/>
+            <p:nvPr/>
+          </p:nvSpPr>
+          <p:spPr>
+            <a:xfrm>
+              <a:off x="1149047" y="0"/>
+              <a:ext cx="6858000" cy="6858000"/>
+            </a:xfrm>
+            <a:prstGeom prst="rect">
+              <a:avLst/>
+            </a:prstGeom>
+            <a:noFill/>
+            <a:ln>
+              <a:noFill/>
+            </a:ln>
+            <a:effectLst/>
+          </p:spPr>
+          <p:style>
+            <a:lnRef idx="1">
+              <a:schemeClr val="accent1"/>
+            </a:lnRef>
+            <a:fillRef idx="3">
+              <a:schemeClr val="accent1"/>
+            </a:fillRef>
+            <a:effectRef idx="2">
+              <a:schemeClr val="accent1"/>
+            </a:effectRef>
+            <a:fontRef idx="minor">
+              <a:schemeClr val="lt1"/>
+            </a:fontRef>
+          </p:style>
+          <p:txBody>
+            <a:bodyPr rtlCol="0" anchor="ctr"/>
+            <a:lstStyle/>
+            <a:p>
+              <a:pPr algn="ctr"/>
+              <a:endParaRPr lang="en-US" dirty="0"/>
+            </a:p>
+          </p:txBody>
+        </p:sp>
+        <p:sp>
+          <p:nvSpPr>
+            <p:cNvPr id="14" name="Block Arc 13"/>
+            <p:cNvSpPr/>
+            <p:nvPr/>
+          </p:nvSpPr>
+          <p:spPr>
+            <a:xfrm>
+              <a:off x="-1840141" y="2991758"/>
+              <a:ext cx="6858000" cy="6858000"/>
+            </a:xfrm>
+            <a:prstGeom prst="blockArc">
+              <a:avLst>
+                <a:gd name="adj1" fmla="val 16202298"/>
+                <a:gd name="adj2" fmla="val 12843"/>
+                <a:gd name="adj3" fmla="val 12823"/>
+              </a:avLst>
+            </a:prstGeom>
+            <a:solidFill>
+              <a:srgbClr val="0000FF"/>
+            </a:solidFill>
+            <a:ln>
+              <a:solidFill>
+                <a:srgbClr val="0000FF"/>
+              </a:solidFill>
+            </a:ln>
+            <a:effectLst/>
+          </p:spPr>
+          <p:style>
+            <a:lnRef idx="1">
+              <a:schemeClr val="accent1"/>
+            </a:lnRef>
+            <a:fillRef idx="3">
+              <a:schemeClr val="accent1"/>
+            </a:fillRef>
+            <a:effectRef idx="2">
+              <a:schemeClr val="accent1"/>
+            </a:effectRef>
+            <a:fontRef idx="minor">
+              <a:schemeClr val="lt1"/>
+            </a:fontRef>
+          </p:style>
+          <p:txBody>
+            <a:bodyPr rtlCol="0" anchor="ctr"/>
+            <a:lstStyle/>
+            <a:p>
+              <a:pPr algn="ctr"/>
+              <a:endParaRPr lang="en-US">
+                <a:solidFill>
+                  <a:schemeClr val="tx1"/>
+                </a:solidFill>
+              </a:endParaRPr>
+            </a:p>
+          </p:txBody>
+        </p:sp>
+        <p:cxnSp>
+          <p:nvCxnSpPr>
+            <p:cNvPr id="15" name="Straight Connector 14"/>
+            <p:cNvCxnSpPr>
+              <a:endCxn id="2" idx="2"/>
+            </p:cNvCxnSpPr>
+            <p:nvPr/>
+          </p:nvCxnSpPr>
+          <p:spPr>
+            <a:xfrm>
+              <a:off x="4578047" y="6435725"/>
+              <a:ext cx="0" cy="422275"/>
+            </a:xfrm>
+            <a:prstGeom prst="line">
+              <a:avLst/>
+            </a:prstGeom>
+            <a:ln w="889000">
+              <a:solidFill>
+                <a:srgbClr val="0000FF"/>
+              </a:solidFill>
+            </a:ln>
+            <a:effectLst/>
+          </p:spPr>
+          <p:style>
+            <a:lnRef idx="2">
+              <a:schemeClr val="accent1"/>
+            </a:lnRef>
+            <a:fillRef idx="0">
+              <a:schemeClr val="accent1"/>
+            </a:fillRef>
+            <a:effectRef idx="1">
+              <a:schemeClr val="accent1"/>
+            </a:effectRef>
+            <a:fontRef idx="minor">
+              <a:schemeClr val="tx1"/>
+            </a:fontRef>
+          </p:style>
+        </p:cxnSp>
+        <p:cxnSp>
+          <p:nvCxnSpPr>
+            <p:cNvPr id="16" name="Straight Connector 15"/>
+            <p:cNvCxnSpPr/>
+            <p:nvPr/>
+          </p:nvCxnSpPr>
+          <p:spPr>
+            <a:xfrm flipH="1" flipV="1">
+              <a:off x="1149047" y="3429000"/>
+              <a:ext cx="457503" cy="1"/>
+            </a:xfrm>
+            <a:prstGeom prst="line">
+              <a:avLst/>
+            </a:prstGeom>
+            <a:ln w="889000">
+              <a:solidFill>
+                <a:srgbClr val="0000FF"/>
+              </a:solidFill>
+            </a:ln>
+            <a:effectLst/>
+          </p:spPr>
+          <p:style>
+            <a:lnRef idx="2">
+              <a:schemeClr val="accent1"/>
+            </a:lnRef>
+            <a:fillRef idx="0">
+              <a:schemeClr val="accent1"/>
+            </a:fillRef>
+            <a:effectRef idx="1">
+              <a:schemeClr val="accent1"/>
+            </a:effectRef>
+            <a:fontRef idx="minor">
+              <a:schemeClr val="tx1"/>
+            </a:fontRef>
+          </p:style>
+        </p:cxnSp>
+      </p:grpSp>
+    </p:spTree>
+    <p:extLst>
+      <p:ext uri="{BB962C8B-B14F-4D97-AF65-F5344CB8AC3E}">
+        <p14:creationId xmlns:p14="http://schemas.microsoft.com/office/powerpoint/2010/main" val="1721232741"/>
+      </p:ext>
+    </p:extLst>
+  </p:cSld>
+  <p:clrMapOvr>
+    <a:masterClrMapping/>
+  </p:clrMapOvr>
+</p:sld>
+</file>
+
+<file path=ppt/slides/slide35.xml><?xml version="1.0" encoding="utf-8"?>
+<p:sld xmlns:a="http://schemas.openxmlformats.org/drawingml/2006/main" xmlns:r="http://schemas.openxmlformats.org/officeDocument/2006/relationships" xmlns:p="http://schemas.openxmlformats.org/presentationml/2006/main">
+  <p:cSld>
+    <p:spTree>
+      <p:nvGrpSpPr>
+        <p:cNvPr id="1" name=""/>
+        <p:cNvGrpSpPr/>
+        <p:nvPr/>
+      </p:nvGrpSpPr>
+      <p:grpSpPr>
+        <a:xfrm>
+          <a:off x="0" y="0"/>
+          <a:ext cx="0" cy="0"/>
+          <a:chOff x="0" y="0"/>
+          <a:chExt cx="0" cy="0"/>
+        </a:xfrm>
+      </p:grpSpPr>
+      <p:grpSp>
+        <p:nvGrpSpPr>
+          <p:cNvPr id="25" name="Group 24"/>
+          <p:cNvGrpSpPr/>
+          <p:nvPr/>
+        </p:nvGrpSpPr>
+        <p:grpSpPr>
+          <a:xfrm rot="16200000">
+            <a:off x="1048585" y="0"/>
+            <a:ext cx="9847188" cy="9849758"/>
+            <a:chOff x="-1840141" y="0"/>
+            <a:chExt cx="9847188" cy="9849758"/>
+          </a:xfrm>
+        </p:grpSpPr>
+        <p:sp>
+          <p:nvSpPr>
+            <p:cNvPr id="2" name="Rectangle 1"/>
+            <p:cNvSpPr/>
+            <p:nvPr/>
+          </p:nvSpPr>
+          <p:spPr>
+            <a:xfrm>
+              <a:off x="1149047" y="0"/>
+              <a:ext cx="6858000" cy="6858000"/>
+            </a:xfrm>
+            <a:prstGeom prst="rect">
+              <a:avLst/>
+            </a:prstGeom>
+            <a:noFill/>
+            <a:ln>
+              <a:noFill/>
+            </a:ln>
+            <a:effectLst/>
+          </p:spPr>
+          <p:style>
+            <a:lnRef idx="1">
+              <a:schemeClr val="accent1"/>
+            </a:lnRef>
+            <a:fillRef idx="3">
+              <a:schemeClr val="accent1"/>
+            </a:fillRef>
+            <a:effectRef idx="2">
+              <a:schemeClr val="accent1"/>
+            </a:effectRef>
+            <a:fontRef idx="minor">
+              <a:schemeClr val="lt1"/>
+            </a:fontRef>
+          </p:style>
+          <p:txBody>
+            <a:bodyPr rtlCol="0" anchor="ctr"/>
+            <a:lstStyle/>
+            <a:p>
+              <a:pPr algn="ctr"/>
+              <a:endParaRPr lang="en-US" dirty="0"/>
+            </a:p>
+          </p:txBody>
+        </p:sp>
+        <p:sp>
+          <p:nvSpPr>
+            <p:cNvPr id="5" name="Block Arc 4"/>
+            <p:cNvSpPr/>
+            <p:nvPr/>
+          </p:nvSpPr>
+          <p:spPr>
+            <a:xfrm>
+              <a:off x="1149047" y="0"/>
+              <a:ext cx="6858000" cy="6858000"/>
+            </a:xfrm>
+            <a:prstGeom prst="blockArc">
+              <a:avLst>
+                <a:gd name="adj1" fmla="val 16202298"/>
+                <a:gd name="adj2" fmla="val 12859"/>
+                <a:gd name="adj3" fmla="val 12870"/>
+              </a:avLst>
+            </a:prstGeom>
+            <a:solidFill>
+              <a:srgbClr val="0000FF"/>
+            </a:solidFill>
+            <a:ln>
+              <a:solidFill>
+                <a:srgbClr val="0000FF"/>
+              </a:solidFill>
+            </a:ln>
+            <a:effectLst/>
+          </p:spPr>
+          <p:style>
+            <a:lnRef idx="1">
+              <a:schemeClr val="accent1"/>
+            </a:lnRef>
+            <a:fillRef idx="3">
+              <a:schemeClr val="accent1"/>
+            </a:fillRef>
+            <a:effectRef idx="2">
+              <a:schemeClr val="accent1"/>
+            </a:effectRef>
+            <a:fontRef idx="minor">
+              <a:schemeClr val="lt1"/>
+            </a:fontRef>
+          </p:style>
+          <p:txBody>
+            <a:bodyPr rtlCol="0" anchor="ctr"/>
+            <a:lstStyle/>
+            <a:p>
+              <a:pPr algn="ctr"/>
+              <a:endParaRPr lang="en-US">
+                <a:solidFill>
+                  <a:schemeClr val="tx1"/>
+                </a:solidFill>
+              </a:endParaRPr>
+            </a:p>
+          </p:txBody>
+        </p:sp>
+        <p:cxnSp>
+          <p:nvCxnSpPr>
+            <p:cNvPr id="6" name="Straight Connector 5"/>
+            <p:cNvCxnSpPr/>
+            <p:nvPr/>
+          </p:nvCxnSpPr>
+          <p:spPr>
+            <a:xfrm>
+              <a:off x="7564165" y="3429001"/>
+              <a:ext cx="0" cy="3428999"/>
+            </a:xfrm>
+            <a:prstGeom prst="line">
+              <a:avLst/>
+            </a:prstGeom>
+            <a:ln w="889000">
+              <a:solidFill>
+                <a:srgbClr val="0000FF"/>
+              </a:solidFill>
+            </a:ln>
+            <a:effectLst/>
+          </p:spPr>
+          <p:style>
+            <a:lnRef idx="2">
+              <a:schemeClr val="accent1"/>
+            </a:lnRef>
+            <a:fillRef idx="0">
+              <a:schemeClr val="accent1"/>
+            </a:fillRef>
+            <a:effectRef idx="1">
+              <a:schemeClr val="accent1"/>
+            </a:effectRef>
+            <a:fontRef idx="minor">
+              <a:schemeClr val="tx1"/>
+            </a:fontRef>
+          </p:style>
+        </p:cxnSp>
+        <p:cxnSp>
+          <p:nvCxnSpPr>
+            <p:cNvPr id="10" name="Straight Connector 9"/>
+            <p:cNvCxnSpPr/>
+            <p:nvPr/>
+          </p:nvCxnSpPr>
+          <p:spPr>
+            <a:xfrm flipH="1">
+              <a:off x="1149047" y="442686"/>
+              <a:ext cx="3426129" cy="0"/>
+            </a:xfrm>
+            <a:prstGeom prst="line">
+              <a:avLst/>
+            </a:prstGeom>
+            <a:ln w="889000">
+              <a:solidFill>
+                <a:srgbClr val="0000FF"/>
+              </a:solidFill>
+            </a:ln>
+            <a:effectLst/>
+          </p:spPr>
+          <p:style>
+            <a:lnRef idx="2">
+              <a:schemeClr val="accent1"/>
+            </a:lnRef>
+            <a:fillRef idx="0">
+              <a:schemeClr val="accent1"/>
+            </a:fillRef>
+            <a:effectRef idx="1">
+              <a:schemeClr val="accent1"/>
+            </a:effectRef>
+            <a:fontRef idx="minor">
+              <a:schemeClr val="tx1"/>
+            </a:fontRef>
+          </p:style>
+        </p:cxnSp>
+        <p:sp>
+          <p:nvSpPr>
+            <p:cNvPr id="14" name="Block Arc 13"/>
+            <p:cNvSpPr/>
+            <p:nvPr/>
+          </p:nvSpPr>
+          <p:spPr>
+            <a:xfrm>
+              <a:off x="-1840141" y="2991758"/>
+              <a:ext cx="6858000" cy="6858000"/>
+            </a:xfrm>
+            <a:prstGeom prst="blockArc">
+              <a:avLst>
+                <a:gd name="adj1" fmla="val 16202298"/>
+                <a:gd name="adj2" fmla="val 12843"/>
+                <a:gd name="adj3" fmla="val 12823"/>
+              </a:avLst>
+            </a:prstGeom>
+            <a:solidFill>
+              <a:srgbClr val="0000FF"/>
+            </a:solidFill>
+            <a:ln>
+              <a:solidFill>
+                <a:srgbClr val="0000FF"/>
+              </a:solidFill>
+            </a:ln>
+            <a:effectLst/>
+          </p:spPr>
+          <p:style>
+            <a:lnRef idx="1">
+              <a:schemeClr val="accent1"/>
+            </a:lnRef>
+            <a:fillRef idx="3">
+              <a:schemeClr val="accent1"/>
+            </a:fillRef>
+            <a:effectRef idx="2">
+              <a:schemeClr val="accent1"/>
+            </a:effectRef>
+            <a:fontRef idx="minor">
+              <a:schemeClr val="lt1"/>
+            </a:fontRef>
+          </p:style>
+          <p:txBody>
+            <a:bodyPr rtlCol="0" anchor="ctr"/>
+            <a:lstStyle/>
+            <a:p>
+              <a:pPr algn="ctr"/>
+              <a:endParaRPr lang="en-US">
+                <a:solidFill>
+                  <a:schemeClr val="tx1"/>
+                </a:solidFill>
+              </a:endParaRPr>
+            </a:p>
+          </p:txBody>
+        </p:sp>
+        <p:cxnSp>
+          <p:nvCxnSpPr>
+            <p:cNvPr id="15" name="Straight Connector 14"/>
+            <p:cNvCxnSpPr>
+              <a:endCxn id="2" idx="2"/>
+            </p:cNvCxnSpPr>
+            <p:nvPr/>
+          </p:nvCxnSpPr>
+          <p:spPr>
+            <a:xfrm>
+              <a:off x="4578047" y="6435725"/>
+              <a:ext cx="0" cy="422275"/>
+            </a:xfrm>
+            <a:prstGeom prst="line">
+              <a:avLst/>
+            </a:prstGeom>
+            <a:ln w="889000">
+              <a:solidFill>
+                <a:srgbClr val="0000FF"/>
+              </a:solidFill>
+            </a:ln>
+            <a:effectLst/>
+          </p:spPr>
+          <p:style>
+            <a:lnRef idx="2">
+              <a:schemeClr val="accent1"/>
+            </a:lnRef>
+            <a:fillRef idx="0">
+              <a:schemeClr val="accent1"/>
+            </a:fillRef>
+            <a:effectRef idx="1">
+              <a:schemeClr val="accent1"/>
+            </a:effectRef>
+            <a:fontRef idx="minor">
+              <a:schemeClr val="tx1"/>
+            </a:fontRef>
+          </p:style>
+        </p:cxnSp>
+        <p:cxnSp>
+          <p:nvCxnSpPr>
+            <p:cNvPr id="16" name="Straight Connector 15"/>
+            <p:cNvCxnSpPr/>
+            <p:nvPr/>
+          </p:nvCxnSpPr>
+          <p:spPr>
+            <a:xfrm flipH="1" flipV="1">
+              <a:off x="1149047" y="3429000"/>
+              <a:ext cx="457503" cy="1"/>
+            </a:xfrm>
+            <a:prstGeom prst="line">
+              <a:avLst/>
+            </a:prstGeom>
+            <a:ln w="889000">
+              <a:solidFill>
+                <a:srgbClr val="0000FF"/>
+              </a:solidFill>
+            </a:ln>
+            <a:effectLst/>
+          </p:spPr>
+          <p:style>
+            <a:lnRef idx="2">
+              <a:schemeClr val="accent1"/>
+            </a:lnRef>
+            <a:fillRef idx="0">
+              <a:schemeClr val="accent1"/>
+            </a:fillRef>
+            <a:effectRef idx="1">
+              <a:schemeClr val="accent1"/>
+            </a:effectRef>
+            <a:fontRef idx="minor">
+              <a:schemeClr val="tx1"/>
+            </a:fontRef>
+          </p:style>
+        </p:cxnSp>
+      </p:grpSp>
+    </p:spTree>
+    <p:extLst>
+      <p:ext uri="{BB962C8B-B14F-4D97-AF65-F5344CB8AC3E}">
+        <p14:creationId xmlns:p14="http://schemas.microsoft.com/office/powerpoint/2010/main" val="165253214"/>
+      </p:ext>
+    </p:extLst>
+  </p:cSld>
+  <p:clrMapOvr>
+    <a:masterClrMapping/>
+  </p:clrMapOvr>
+</p:sld>
+</file>
+
+<file path=ppt/slides/slide36.xml><?xml version="1.0" encoding="utf-8"?>
+<p:sld xmlns:a="http://schemas.openxmlformats.org/drawingml/2006/main" xmlns:r="http://schemas.openxmlformats.org/officeDocument/2006/relationships" xmlns:p="http://schemas.openxmlformats.org/presentationml/2006/main">
+  <p:cSld>
+    <p:spTree>
+      <p:nvGrpSpPr>
+        <p:cNvPr id="1" name=""/>
+        <p:cNvGrpSpPr/>
+        <p:nvPr/>
+      </p:nvGrpSpPr>
+      <p:grpSpPr>
+        <a:xfrm>
+          <a:off x="0" y="0"/>
+          <a:ext cx="0" cy="0"/>
+          <a:chOff x="0" y="0"/>
+          <a:chExt cx="0" cy="0"/>
+        </a:xfrm>
+      </p:grpSpPr>
+      <p:grpSp>
+        <p:nvGrpSpPr>
+          <p:cNvPr id="3" name="Group 2"/>
+          <p:cNvGrpSpPr/>
+          <p:nvPr/>
+        </p:nvGrpSpPr>
+        <p:grpSpPr>
+          <a:xfrm rot="16200000">
+            <a:off x="-1840141" y="0"/>
+            <a:ext cx="9847188" cy="9849758"/>
+            <a:chOff x="-1840141" y="0"/>
+            <a:chExt cx="9847188" cy="9849758"/>
+          </a:xfrm>
+        </p:grpSpPr>
+        <p:sp>
+          <p:nvSpPr>
+            <p:cNvPr id="2" name="Rectangle 1"/>
+            <p:cNvSpPr/>
+            <p:nvPr/>
+          </p:nvSpPr>
+          <p:spPr>
+            <a:xfrm>
+              <a:off x="1149047" y="0"/>
+              <a:ext cx="6858000" cy="6858000"/>
+            </a:xfrm>
+            <a:prstGeom prst="rect">
+              <a:avLst/>
+            </a:prstGeom>
+            <a:noFill/>
+            <a:ln>
+              <a:noFill/>
+            </a:ln>
+            <a:effectLst/>
+          </p:spPr>
+          <p:style>
+            <a:lnRef idx="1">
+              <a:schemeClr val="accent1"/>
+            </a:lnRef>
+            <a:fillRef idx="3">
+              <a:schemeClr val="accent1"/>
+            </a:fillRef>
+            <a:effectRef idx="2">
+              <a:schemeClr val="accent1"/>
+            </a:effectRef>
+            <a:fontRef idx="minor">
+              <a:schemeClr val="lt1"/>
+            </a:fontRef>
+          </p:style>
+          <p:txBody>
+            <a:bodyPr rtlCol="0" anchor="ctr"/>
+            <a:lstStyle/>
+            <a:p>
+              <a:pPr algn="ctr"/>
+              <a:endParaRPr lang="en-US" dirty="0"/>
+            </a:p>
+          </p:txBody>
+        </p:sp>
+        <p:sp>
+          <p:nvSpPr>
+            <p:cNvPr id="14" name="Block Arc 13"/>
+            <p:cNvSpPr/>
+            <p:nvPr/>
+          </p:nvSpPr>
+          <p:spPr>
+            <a:xfrm>
+              <a:off x="-1840141" y="2991758"/>
+              <a:ext cx="6858000" cy="6858000"/>
+            </a:xfrm>
+            <a:prstGeom prst="blockArc">
+              <a:avLst>
+                <a:gd name="adj1" fmla="val 16202298"/>
+                <a:gd name="adj2" fmla="val 12843"/>
+                <a:gd name="adj3" fmla="val 12823"/>
+              </a:avLst>
+            </a:prstGeom>
+            <a:solidFill>
+              <a:srgbClr val="0000FF"/>
+            </a:solidFill>
+            <a:ln>
+              <a:solidFill>
+                <a:srgbClr val="0000FF"/>
+              </a:solidFill>
+            </a:ln>
+            <a:effectLst/>
+          </p:spPr>
+          <p:style>
+            <a:lnRef idx="1">
+              <a:schemeClr val="accent1"/>
+            </a:lnRef>
+            <a:fillRef idx="3">
+              <a:schemeClr val="accent1"/>
+            </a:fillRef>
+            <a:effectRef idx="2">
+              <a:schemeClr val="accent1"/>
+            </a:effectRef>
+            <a:fontRef idx="minor">
+              <a:schemeClr val="lt1"/>
+            </a:fontRef>
+          </p:style>
+          <p:txBody>
+            <a:bodyPr rtlCol="0" anchor="ctr"/>
+            <a:lstStyle/>
+            <a:p>
+              <a:pPr algn="ctr"/>
+              <a:endParaRPr lang="en-US">
+                <a:solidFill>
+                  <a:schemeClr val="tx1"/>
+                </a:solidFill>
+              </a:endParaRPr>
+            </a:p>
+          </p:txBody>
+        </p:sp>
+        <p:cxnSp>
+          <p:nvCxnSpPr>
+            <p:cNvPr id="15" name="Straight Connector 14"/>
+            <p:cNvCxnSpPr>
+              <a:endCxn id="2" idx="2"/>
+            </p:cNvCxnSpPr>
+            <p:nvPr/>
+          </p:nvCxnSpPr>
+          <p:spPr>
+            <a:xfrm>
+              <a:off x="4578047" y="6435725"/>
+              <a:ext cx="0" cy="422275"/>
+            </a:xfrm>
+            <a:prstGeom prst="line">
+              <a:avLst/>
+            </a:prstGeom>
+            <a:ln w="889000">
+              <a:solidFill>
+                <a:srgbClr val="0000FF"/>
+              </a:solidFill>
+            </a:ln>
+            <a:effectLst/>
+          </p:spPr>
+          <p:style>
+            <a:lnRef idx="2">
+              <a:schemeClr val="accent1"/>
+            </a:lnRef>
+            <a:fillRef idx="0">
+              <a:schemeClr val="accent1"/>
+            </a:fillRef>
+            <a:effectRef idx="1">
+              <a:schemeClr val="accent1"/>
+            </a:effectRef>
+            <a:fontRef idx="minor">
+              <a:schemeClr val="tx1"/>
+            </a:fontRef>
+          </p:style>
+        </p:cxnSp>
+        <p:cxnSp>
+          <p:nvCxnSpPr>
+            <p:cNvPr id="16" name="Straight Connector 15"/>
+            <p:cNvCxnSpPr/>
+            <p:nvPr/>
+          </p:nvCxnSpPr>
+          <p:spPr>
+            <a:xfrm flipH="1" flipV="1">
+              <a:off x="1149047" y="3429000"/>
+              <a:ext cx="457503" cy="1"/>
+            </a:xfrm>
+            <a:prstGeom prst="line">
+              <a:avLst/>
+            </a:prstGeom>
+            <a:ln w="889000">
+              <a:solidFill>
+                <a:srgbClr val="0000FF"/>
+              </a:solidFill>
+            </a:ln>
+            <a:effectLst/>
+          </p:spPr>
+          <p:style>
+            <a:lnRef idx="2">
+              <a:schemeClr val="accent1"/>
+            </a:lnRef>
+            <a:fillRef idx="0">
+              <a:schemeClr val="accent1"/>
+            </a:fillRef>
+            <a:effectRef idx="1">
+              <a:schemeClr val="accent1"/>
+            </a:effectRef>
+            <a:fontRef idx="minor">
+              <a:schemeClr val="tx1"/>
+            </a:fontRef>
+          </p:style>
+        </p:cxnSp>
+      </p:grpSp>
+    </p:spTree>
+    <p:extLst>
+      <p:ext uri="{BB962C8B-B14F-4D97-AF65-F5344CB8AC3E}">
+        <p14:creationId xmlns:p14="http://schemas.microsoft.com/office/powerpoint/2010/main" val="1721232741"/>
+      </p:ext>
+    </p:extLst>
+  </p:cSld>
+  <p:clrMapOvr>
+    <a:masterClrMapping/>
+  </p:clrMapOvr>
+</p:sld>
+</file>
+
+<file path=ppt/slides/slide37.xml><?xml version="1.0" encoding="utf-8"?>
 <p:sld xmlns:a="http://schemas.openxmlformats.org/drawingml/2006/main" xmlns:r="http://schemas.openxmlformats.org/officeDocument/2006/relationships" xmlns:p="http://schemas.openxmlformats.org/presentationml/2006/main">
   <p:cSld>
     <p:bg>
@@ -23178,96 +25993,6 @@
 </p:sld>
 </file>
 
-<file path=ppt/slides/slide3.xml><?xml version="1.0" encoding="utf-8"?>
-<p:sld xmlns:a="http://schemas.openxmlformats.org/drawingml/2006/main" xmlns:r="http://schemas.openxmlformats.org/officeDocument/2006/relationships" xmlns:p="http://schemas.openxmlformats.org/presentationml/2006/main">
-  <p:cSld>
-    <p:spTree>
-      <p:nvGrpSpPr>
-        <p:cNvPr id="1" name=""/>
-        <p:cNvGrpSpPr/>
-        <p:nvPr/>
-      </p:nvGrpSpPr>
-      <p:grpSpPr>
-        <a:xfrm>
-          <a:off x="0" y="0"/>
-          <a:ext cx="0" cy="0"/>
-          <a:chOff x="0" y="0"/>
-          <a:chExt cx="0" cy="0"/>
-        </a:xfrm>
-      </p:grpSpPr>
-      <p:sp>
-        <p:nvSpPr>
-          <p:cNvPr id="5" name="Pie 4"/>
-          <p:cNvSpPr>
-            <a:spLocks noChangeAspect="1"/>
-          </p:cNvSpPr>
-          <p:nvPr/>
-        </p:nvSpPr>
-        <p:spPr>
-          <a:xfrm rot="18900000">
-            <a:off x="1004955" y="0"/>
-            <a:ext cx="6858000" cy="6858000"/>
-          </a:xfrm>
-          <a:prstGeom prst="pie">
-            <a:avLst/>
-          </a:prstGeom>
-          <a:solidFill>
-            <a:srgbClr val="FFFF00"/>
-          </a:solidFill>
-          <a:ln>
-            <a:solidFill>
-              <a:srgbClr val="FFFF00"/>
-            </a:solidFill>
-          </a:ln>
-          <a:effectLst/>
-        </p:spPr>
-        <p:style>
-          <a:lnRef idx="1">
-            <a:schemeClr val="accent1"/>
-          </a:lnRef>
-          <a:fillRef idx="3">
-            <a:schemeClr val="accent1"/>
-          </a:fillRef>
-          <a:effectRef idx="2">
-            <a:schemeClr val="accent1"/>
-          </a:effectRef>
-          <a:fontRef idx="minor">
-            <a:schemeClr val="lt1"/>
-          </a:fontRef>
-        </p:style>
-        <p:txBody>
-          <a:bodyPr rtlCol="0" anchor="ctr"/>
-          <a:lstStyle/>
-          <a:p>
-            <a:pPr algn="ctr"/>
-            <a:endParaRPr lang="en-US">
-              <a:solidFill>
-                <a:schemeClr val="tx1"/>
-              </a:solidFill>
-            </a:endParaRPr>
-          </a:p>
-        </p:txBody>
-      </p:sp>
-    </p:spTree>
-    <p:extLst>
-      <p:ext uri="{BB962C8B-B14F-4D97-AF65-F5344CB8AC3E}">
-        <p14:creationId xmlns:p14="http://schemas.microsoft.com/office/powerpoint/2010/main" val="1484191675"/>
-      </p:ext>
-    </p:extLst>
-  </p:cSld>
-  <p:clrMapOvr>
-    <a:masterClrMapping/>
-  </p:clrMapOvr>
-  <p:timing>
-    <p:tnLst>
-      <p:par>
-        <p:cTn xmlns:p14="http://schemas.microsoft.com/office/powerpoint/2010/main" id="1" dur="indefinite" restart="never" nodeType="tmRoot"/>
-      </p:par>
-    </p:tnLst>
-  </p:timing>
-</p:sld>
-</file>
-
 <file path=ppt/slides/slide4.xml><?xml version="1.0" encoding="utf-8"?>
 <p:sld xmlns:a="http://schemas.openxmlformats.org/drawingml/2006/main" xmlns:r="http://schemas.openxmlformats.org/officeDocument/2006/relationships" xmlns:p="http://schemas.openxmlformats.org/presentationml/2006/main">
   <p:cSld>

--- a/Pictures/Pictures.pptx
+++ b/Pictures/Pictures.pptx
@@ -5,7 +5,7 @@
     <p:sldMasterId id="2147483648" r:id="rId1"/>
   </p:sldMasterIdLst>
   <p:notesMasterIdLst>
-    <p:notesMasterId r:id="rId39"/>
+    <p:notesMasterId r:id="rId41"/>
   </p:notesMasterIdLst>
   <p:sldIdLst>
     <p:sldId id="256" r:id="rId2"/>
@@ -44,7 +44,9 @@
     <p:sldId id="291" r:id="rId35"/>
     <p:sldId id="288" r:id="rId36"/>
     <p:sldId id="292" r:id="rId37"/>
-    <p:sldId id="257" r:id="rId38"/>
+    <p:sldId id="293" r:id="rId38"/>
+    <p:sldId id="294" r:id="rId39"/>
+    <p:sldId id="257" r:id="rId40"/>
   </p:sldIdLst>
   <p:sldSz cx="9144000" cy="6858000" type="screen4x3"/>
   <p:notesSz cx="6858000" cy="9144000"/>
@@ -561,7 +563,7 @@
           <a:p>
             <a:fld id="{59E917ED-6ECC-B444-A1F4-2F4F0C4F768C}" type="slidenum">
               <a:rPr lang="en-US" smtClean="0"/>
-              <a:t>37</a:t>
+              <a:t>39</a:t>
             </a:fld>
             <a:endParaRPr lang="en-US"/>
           </a:p>
@@ -14915,6 +14917,270 @@
 </file>
 
 <file path=ppt/slides/slide37.xml><?xml version="1.0" encoding="utf-8"?>
+<p:sld xmlns:a="http://schemas.openxmlformats.org/drawingml/2006/main" xmlns:r="http://schemas.openxmlformats.org/officeDocument/2006/relationships" xmlns:p="http://schemas.openxmlformats.org/presentationml/2006/main">
+  <p:cSld>
+    <p:bg>
+      <p:bgPr>
+        <a:solidFill>
+          <a:schemeClr val="tx1">
+            <a:lumMod val="50000"/>
+            <a:lumOff val="50000"/>
+          </a:schemeClr>
+        </a:solidFill>
+        <a:effectLst/>
+      </p:bgPr>
+    </p:bg>
+    <p:spTree>
+      <p:nvGrpSpPr>
+        <p:cNvPr id="1" name=""/>
+        <p:cNvGrpSpPr/>
+        <p:nvPr/>
+      </p:nvGrpSpPr>
+      <p:grpSpPr>
+        <a:xfrm>
+          <a:off x="0" y="0"/>
+          <a:ext cx="0" cy="0"/>
+          <a:chOff x="0" y="0"/>
+          <a:chExt cx="0" cy="0"/>
+        </a:xfrm>
+      </p:grpSpPr>
+      <p:sp>
+        <p:nvSpPr>
+          <p:cNvPr id="2" name="Rectangle 1"/>
+          <p:cNvSpPr/>
+          <p:nvPr/>
+        </p:nvSpPr>
+        <p:spPr>
+          <a:xfrm>
+            <a:off x="1149047" y="0"/>
+            <a:ext cx="6858000" cy="6858000"/>
+          </a:xfrm>
+          <a:prstGeom prst="rect">
+            <a:avLst/>
+          </a:prstGeom>
+          <a:noFill/>
+          <a:ln>
+            <a:noFill/>
+          </a:ln>
+          <a:effectLst/>
+        </p:spPr>
+        <p:style>
+          <a:lnRef idx="1">
+            <a:schemeClr val="accent1"/>
+          </a:lnRef>
+          <a:fillRef idx="3">
+            <a:schemeClr val="accent1"/>
+          </a:fillRef>
+          <a:effectRef idx="2">
+            <a:schemeClr val="accent1"/>
+          </a:effectRef>
+          <a:fontRef idx="minor">
+            <a:schemeClr val="lt1"/>
+          </a:fontRef>
+        </p:style>
+        <p:txBody>
+          <a:bodyPr rtlCol="0" anchor="ctr"/>
+          <a:lstStyle/>
+          <a:p>
+            <a:pPr algn="ctr"/>
+            <a:endParaRPr lang="en-US" dirty="0"/>
+          </a:p>
+        </p:txBody>
+      </p:sp>
+      <p:sp>
+        <p:nvSpPr>
+          <p:cNvPr id="3" name="Oval 2"/>
+          <p:cNvSpPr/>
+          <p:nvPr/>
+        </p:nvSpPr>
+        <p:spPr>
+          <a:xfrm>
+            <a:off x="3797904" y="2648857"/>
+            <a:ext cx="1548190" cy="1548190"/>
+          </a:xfrm>
+          <a:prstGeom prst="ellipse">
+            <a:avLst/>
+          </a:prstGeom>
+          <a:solidFill>
+            <a:schemeClr val="bg1"/>
+          </a:solidFill>
+          <a:ln>
+            <a:solidFill>
+              <a:srgbClr val="FFFFFF"/>
+            </a:solidFill>
+          </a:ln>
+          <a:effectLst/>
+        </p:spPr>
+        <p:style>
+          <a:lnRef idx="1">
+            <a:schemeClr val="accent1"/>
+          </a:lnRef>
+          <a:fillRef idx="3">
+            <a:schemeClr val="accent1"/>
+          </a:fillRef>
+          <a:effectRef idx="2">
+            <a:schemeClr val="accent1"/>
+          </a:effectRef>
+          <a:fontRef idx="minor">
+            <a:schemeClr val="lt1"/>
+          </a:fontRef>
+        </p:style>
+        <p:txBody>
+          <a:bodyPr rtlCol="0" anchor="ctr"/>
+          <a:lstStyle/>
+          <a:p>
+            <a:pPr algn="ctr"/>
+            <a:endParaRPr lang="en-US"/>
+          </a:p>
+        </p:txBody>
+      </p:sp>
+    </p:spTree>
+    <p:extLst>
+      <p:ext uri="{BB962C8B-B14F-4D97-AF65-F5344CB8AC3E}">
+        <p14:creationId xmlns:p14="http://schemas.microsoft.com/office/powerpoint/2010/main" val="2320658216"/>
+      </p:ext>
+    </p:extLst>
+  </p:cSld>
+  <p:clrMapOvr>
+    <a:masterClrMapping/>
+  </p:clrMapOvr>
+</p:sld>
+</file>
+
+<file path=ppt/slides/slide38.xml><?xml version="1.0" encoding="utf-8"?>
+<p:sld xmlns:a="http://schemas.openxmlformats.org/drawingml/2006/main" xmlns:r="http://schemas.openxmlformats.org/officeDocument/2006/relationships" xmlns:p="http://schemas.openxmlformats.org/presentationml/2006/main">
+  <p:cSld>
+    <p:bg>
+      <p:bgPr>
+        <a:solidFill>
+          <a:schemeClr val="tx1">
+            <a:lumMod val="50000"/>
+            <a:lumOff val="50000"/>
+          </a:schemeClr>
+        </a:solidFill>
+        <a:effectLst/>
+      </p:bgPr>
+    </p:bg>
+    <p:spTree>
+      <p:nvGrpSpPr>
+        <p:cNvPr id="1" name=""/>
+        <p:cNvGrpSpPr/>
+        <p:nvPr/>
+      </p:nvGrpSpPr>
+      <p:grpSpPr>
+        <a:xfrm>
+          <a:off x="0" y="0"/>
+          <a:ext cx="0" cy="0"/>
+          <a:chOff x="0" y="0"/>
+          <a:chExt cx="0" cy="0"/>
+        </a:xfrm>
+      </p:grpSpPr>
+      <p:sp>
+        <p:nvSpPr>
+          <p:cNvPr id="2" name="Rectangle 1"/>
+          <p:cNvSpPr/>
+          <p:nvPr/>
+        </p:nvSpPr>
+        <p:spPr>
+          <a:xfrm>
+            <a:off x="1149047" y="0"/>
+            <a:ext cx="6858000" cy="6858000"/>
+          </a:xfrm>
+          <a:prstGeom prst="rect">
+            <a:avLst/>
+          </a:prstGeom>
+          <a:noFill/>
+          <a:ln>
+            <a:noFill/>
+          </a:ln>
+          <a:effectLst/>
+        </p:spPr>
+        <p:style>
+          <a:lnRef idx="1">
+            <a:schemeClr val="accent1"/>
+          </a:lnRef>
+          <a:fillRef idx="3">
+            <a:schemeClr val="accent1"/>
+          </a:fillRef>
+          <a:effectRef idx="2">
+            <a:schemeClr val="accent1"/>
+          </a:effectRef>
+          <a:fontRef idx="minor">
+            <a:schemeClr val="lt1"/>
+          </a:fontRef>
+        </p:style>
+        <p:txBody>
+          <a:bodyPr rtlCol="0" anchor="ctr"/>
+          <a:lstStyle/>
+          <a:p>
+            <a:pPr algn="ctr"/>
+            <a:endParaRPr lang="en-US" dirty="0"/>
+          </a:p>
+        </p:txBody>
+      </p:sp>
+      <p:sp>
+        <p:nvSpPr>
+          <p:cNvPr id="3" name="Oval 2"/>
+          <p:cNvSpPr>
+            <a:spLocks noChangeAspect="1"/>
+          </p:cNvSpPr>
+          <p:nvPr/>
+        </p:nvSpPr>
+        <p:spPr>
+          <a:xfrm>
+            <a:off x="1338412" y="189365"/>
+            <a:ext cx="6467174" cy="6467174"/>
+          </a:xfrm>
+          <a:prstGeom prst="ellipse">
+            <a:avLst/>
+          </a:prstGeom>
+          <a:solidFill>
+            <a:schemeClr val="bg1"/>
+          </a:solidFill>
+          <a:ln>
+            <a:solidFill>
+              <a:srgbClr val="FFFFFF"/>
+            </a:solidFill>
+          </a:ln>
+          <a:effectLst/>
+        </p:spPr>
+        <p:style>
+          <a:lnRef idx="1">
+            <a:schemeClr val="accent1"/>
+          </a:lnRef>
+          <a:fillRef idx="3">
+            <a:schemeClr val="accent1"/>
+          </a:fillRef>
+          <a:effectRef idx="2">
+            <a:schemeClr val="accent1"/>
+          </a:effectRef>
+          <a:fontRef idx="minor">
+            <a:schemeClr val="lt1"/>
+          </a:fontRef>
+        </p:style>
+        <p:txBody>
+          <a:bodyPr rtlCol="0" anchor="ctr"/>
+          <a:lstStyle/>
+          <a:p>
+            <a:pPr algn="ctr"/>
+            <a:endParaRPr lang="en-US"/>
+          </a:p>
+        </p:txBody>
+      </p:sp>
+    </p:spTree>
+    <p:extLst>
+      <p:ext uri="{BB962C8B-B14F-4D97-AF65-F5344CB8AC3E}">
+        <p14:creationId xmlns:p14="http://schemas.microsoft.com/office/powerpoint/2010/main" val="369060116"/>
+      </p:ext>
+    </p:extLst>
+  </p:cSld>
+  <p:clrMapOvr>
+    <a:masterClrMapping/>
+  </p:clrMapOvr>
+</p:sld>
+</file>
+
+<file path=ppt/slides/slide39.xml><?xml version="1.0" encoding="utf-8"?>
 <p:sld xmlns:a="http://schemas.openxmlformats.org/drawingml/2006/main" xmlns:r="http://schemas.openxmlformats.org/officeDocument/2006/relationships" xmlns:p="http://schemas.openxmlformats.org/presentationml/2006/main">
   <p:cSld>
     <p:bg>

--- a/Pictures/Pictures.pptx
+++ b/Pictures/Pictures.pptx
@@ -5,7 +5,7 @@
     <p:sldMasterId id="2147483648" r:id="rId1"/>
   </p:sldMasterIdLst>
   <p:notesMasterIdLst>
-    <p:notesMasterId r:id="rId41"/>
+    <p:notesMasterId r:id="rId44"/>
   </p:notesMasterIdLst>
   <p:sldIdLst>
     <p:sldId id="256" r:id="rId2"/>
@@ -44,9 +44,12 @@
     <p:sldId id="291" r:id="rId35"/>
     <p:sldId id="288" r:id="rId36"/>
     <p:sldId id="292" r:id="rId37"/>
-    <p:sldId id="293" r:id="rId38"/>
-    <p:sldId id="294" r:id="rId39"/>
-    <p:sldId id="257" r:id="rId40"/>
+    <p:sldId id="295" r:id="rId38"/>
+    <p:sldId id="296" r:id="rId39"/>
+    <p:sldId id="293" r:id="rId40"/>
+    <p:sldId id="294" r:id="rId41"/>
+    <p:sldId id="297" r:id="rId42"/>
+    <p:sldId id="257" r:id="rId43"/>
   </p:sldIdLst>
   <p:sldSz cx="9144000" cy="6858000" type="screen4x3"/>
   <p:notesSz cx="6858000" cy="9144000"/>
@@ -563,7 +566,7 @@
           <a:p>
             <a:fld id="{59E917ED-6ECC-B444-A1F4-2F4F0C4F768C}" type="slidenum">
               <a:rPr lang="en-US" smtClean="0"/>
-              <a:t>39</a:t>
+              <a:t>42</a:t>
             </a:fld>
             <a:endParaRPr lang="en-US"/>
           </a:p>
@@ -3623,6 +3626,49 @@
           </a:p>
         </p:txBody>
       </p:sp>
+      <p:sp>
+        <p:nvSpPr>
+          <p:cNvPr id="2" name="Rectangle 1"/>
+          <p:cNvSpPr/>
+          <p:nvPr/>
+        </p:nvSpPr>
+        <p:spPr>
+          <a:xfrm>
+            <a:off x="996950" y="0"/>
+            <a:ext cx="6858000" cy="6858000"/>
+          </a:xfrm>
+          <a:prstGeom prst="rect">
+            <a:avLst/>
+          </a:prstGeom>
+          <a:noFill/>
+          <a:ln>
+            <a:noFill/>
+          </a:ln>
+          <a:effectLst/>
+        </p:spPr>
+        <p:style>
+          <a:lnRef idx="1">
+            <a:schemeClr val="accent1"/>
+          </a:lnRef>
+          <a:fillRef idx="3">
+            <a:schemeClr val="accent1"/>
+          </a:fillRef>
+          <a:effectRef idx="2">
+            <a:schemeClr val="accent1"/>
+          </a:effectRef>
+          <a:fontRef idx="minor">
+            <a:schemeClr val="lt1"/>
+          </a:fontRef>
+        </p:style>
+        <p:txBody>
+          <a:bodyPr rtlCol="0" anchor="ctr"/>
+          <a:lstStyle/>
+          <a:p>
+            <a:pPr algn="ctr"/>
+            <a:endParaRPr lang="en-US"/>
+          </a:p>
+        </p:txBody>
+      </p:sp>
     </p:spTree>
     <p:extLst>
       <p:ext uri="{BB962C8B-B14F-4D97-AF65-F5344CB8AC3E}">
@@ -9988,6 +10034,49 @@
                 <a:schemeClr val="tx1"/>
               </a:solidFill>
             </a:endParaRPr>
+          </a:p>
+        </p:txBody>
+      </p:sp>
+      <p:sp>
+        <p:nvSpPr>
+          <p:cNvPr id="3" name="Rectangle 2"/>
+          <p:cNvSpPr/>
+          <p:nvPr/>
+        </p:nvSpPr>
+        <p:spPr>
+          <a:xfrm>
+            <a:off x="996950" y="0"/>
+            <a:ext cx="6858000" cy="6858000"/>
+          </a:xfrm>
+          <a:prstGeom prst="rect">
+            <a:avLst/>
+          </a:prstGeom>
+          <a:noFill/>
+          <a:ln>
+            <a:noFill/>
+          </a:ln>
+          <a:effectLst/>
+        </p:spPr>
+        <p:style>
+          <a:lnRef idx="1">
+            <a:schemeClr val="accent1"/>
+          </a:lnRef>
+          <a:fillRef idx="3">
+            <a:schemeClr val="accent1"/>
+          </a:fillRef>
+          <a:effectRef idx="2">
+            <a:schemeClr val="accent1"/>
+          </a:effectRef>
+          <a:fontRef idx="minor">
+            <a:schemeClr val="lt1"/>
+          </a:fontRef>
+        </p:style>
+        <p:txBody>
+          <a:bodyPr rtlCol="0" anchor="ctr"/>
+          <a:lstStyle/>
+          <a:p>
+            <a:pPr algn="ctr"/>
+            <a:endParaRPr lang="en-US"/>
           </a:p>
         </p:txBody>
       </p:sp>
@@ -12996,6 +13085,49 @@
           </a:p>
         </p:txBody>
       </p:sp>
+      <p:sp>
+        <p:nvSpPr>
+          <p:cNvPr id="3" name="Rectangle 2"/>
+          <p:cNvSpPr/>
+          <p:nvPr/>
+        </p:nvSpPr>
+        <p:spPr>
+          <a:xfrm>
+            <a:off x="996950" y="12700"/>
+            <a:ext cx="6858000" cy="6858000"/>
+          </a:xfrm>
+          <a:prstGeom prst="rect">
+            <a:avLst/>
+          </a:prstGeom>
+          <a:noFill/>
+          <a:ln>
+            <a:noFill/>
+          </a:ln>
+          <a:effectLst/>
+        </p:spPr>
+        <p:style>
+          <a:lnRef idx="1">
+            <a:schemeClr val="accent1"/>
+          </a:lnRef>
+          <a:fillRef idx="3">
+            <a:schemeClr val="accent1"/>
+          </a:fillRef>
+          <a:effectRef idx="2">
+            <a:schemeClr val="accent1"/>
+          </a:effectRef>
+          <a:fontRef idx="minor">
+            <a:schemeClr val="lt1"/>
+          </a:fontRef>
+        </p:style>
+        <p:txBody>
+          <a:bodyPr rtlCol="0" anchor="ctr"/>
+          <a:lstStyle/>
+          <a:p>
+            <a:pPr algn="ctr"/>
+            <a:endParaRPr lang="en-US"/>
+          </a:p>
+        </p:txBody>
+      </p:sp>
     </p:spTree>
     <p:extLst>
       <p:ext uri="{BB962C8B-B14F-4D97-AF65-F5344CB8AC3E}">
@@ -14723,8 +14855,8 @@
           <p:nvPr/>
         </p:nvGrpSpPr>
         <p:grpSpPr>
-          <a:xfrm rot="16200000">
-            <a:off x="-1840141" y="0"/>
+          <a:xfrm rot="5400000">
+            <a:off x="-2091301" y="-2993044"/>
             <a:ext cx="9847188" cy="9849758"/>
             <a:chOff x="-1840141" y="0"/>
             <a:chExt cx="9847188" cy="9849758"/>
@@ -14903,6 +15035,42 @@
           </p:style>
         </p:cxnSp>
       </p:grpSp>
+      <p:cxnSp>
+        <p:nvCxnSpPr>
+          <p:cNvPr id="7" name="Straight Connector 6"/>
+          <p:cNvCxnSpPr/>
+          <p:nvPr/>
+        </p:nvCxnSpPr>
+        <p:spPr>
+          <a:xfrm flipV="1">
+            <a:off x="7312496" y="-2572"/>
+            <a:ext cx="0" cy="6858001"/>
+          </a:xfrm>
+          <a:prstGeom prst="line">
+            <a:avLst/>
+          </a:prstGeom>
+          <a:ln w="889000">
+            <a:solidFill>
+              <a:srgbClr val="0000FF"/>
+            </a:solidFill>
+          </a:ln>
+          <a:effectLst/>
+        </p:spPr>
+        <p:style>
+          <a:lnRef idx="2">
+            <a:schemeClr val="accent1"/>
+          </a:lnRef>
+          <a:fillRef idx="0">
+            <a:schemeClr val="accent1"/>
+          </a:fillRef>
+          <a:effectRef idx="1">
+            <a:schemeClr val="accent1"/>
+          </a:effectRef>
+          <a:fontRef idx="minor">
+            <a:schemeClr val="tx1"/>
+          </a:fontRef>
+        </p:style>
+      </p:cxnSp>
     </p:spTree>
     <p:extLst>
       <p:ext uri="{BB962C8B-B14F-4D97-AF65-F5344CB8AC3E}">
@@ -14917,6 +15085,290 @@
 </file>
 
 <file path=ppt/slides/slide37.xml><?xml version="1.0" encoding="utf-8"?>
+<p:sld xmlns:a="http://schemas.openxmlformats.org/drawingml/2006/main" xmlns:r="http://schemas.openxmlformats.org/officeDocument/2006/relationships" xmlns:p="http://schemas.openxmlformats.org/presentationml/2006/main">
+  <p:cSld>
+    <p:spTree>
+      <p:nvGrpSpPr>
+        <p:cNvPr id="1" name=""/>
+        <p:cNvGrpSpPr/>
+        <p:nvPr/>
+      </p:nvGrpSpPr>
+      <p:grpSpPr>
+        <a:xfrm>
+          <a:off x="0" y="0"/>
+          <a:ext cx="0" cy="0"/>
+          <a:chOff x="0" y="0"/>
+          <a:chExt cx="0" cy="0"/>
+        </a:xfrm>
+      </p:grpSpPr>
+      <p:grpSp>
+        <p:nvGrpSpPr>
+          <p:cNvPr id="9" name="Group 8"/>
+          <p:cNvGrpSpPr/>
+          <p:nvPr/>
+        </p:nvGrpSpPr>
+        <p:grpSpPr>
+          <a:xfrm rot="16200000">
+            <a:off x="1149047" y="0"/>
+            <a:ext cx="6858000" cy="6858000"/>
+            <a:chOff x="1149047" y="0"/>
+            <a:chExt cx="6858000" cy="6858000"/>
+          </a:xfrm>
+        </p:grpSpPr>
+        <p:sp>
+          <p:nvSpPr>
+            <p:cNvPr id="2" name="Rectangle 1"/>
+            <p:cNvSpPr/>
+            <p:nvPr/>
+          </p:nvSpPr>
+          <p:spPr>
+            <a:xfrm>
+              <a:off x="1149047" y="0"/>
+              <a:ext cx="6858000" cy="6858000"/>
+            </a:xfrm>
+            <a:prstGeom prst="rect">
+              <a:avLst/>
+            </a:prstGeom>
+            <a:noFill/>
+            <a:ln>
+              <a:noFill/>
+            </a:ln>
+            <a:effectLst/>
+          </p:spPr>
+          <p:style>
+            <a:lnRef idx="1">
+              <a:schemeClr val="accent1"/>
+            </a:lnRef>
+            <a:fillRef idx="3">
+              <a:schemeClr val="accent1"/>
+            </a:fillRef>
+            <a:effectRef idx="2">
+              <a:schemeClr val="accent1"/>
+            </a:effectRef>
+            <a:fontRef idx="minor">
+              <a:schemeClr val="lt1"/>
+            </a:fontRef>
+          </p:style>
+          <p:txBody>
+            <a:bodyPr rtlCol="0" anchor="ctr"/>
+            <a:lstStyle/>
+            <a:p>
+              <a:pPr algn="ctr"/>
+              <a:endParaRPr lang="en-US" dirty="0"/>
+            </a:p>
+          </p:txBody>
+        </p:sp>
+        <p:cxnSp>
+          <p:nvCxnSpPr>
+            <p:cNvPr id="4" name="Straight Connector 3"/>
+            <p:cNvCxnSpPr>
+              <a:stCxn id="2" idx="3"/>
+            </p:cNvCxnSpPr>
+            <p:nvPr/>
+          </p:nvCxnSpPr>
+          <p:spPr>
+            <a:xfrm flipH="1">
+              <a:off x="4572000" y="3429000"/>
+              <a:ext cx="3435047" cy="6048"/>
+            </a:xfrm>
+            <a:prstGeom prst="line">
+              <a:avLst/>
+            </a:prstGeom>
+            <a:ln w="889000">
+              <a:solidFill>
+                <a:srgbClr val="0000FF"/>
+              </a:solidFill>
+            </a:ln>
+            <a:effectLst/>
+          </p:spPr>
+          <p:style>
+            <a:lnRef idx="2">
+              <a:schemeClr val="accent1"/>
+            </a:lnRef>
+            <a:fillRef idx="0">
+              <a:schemeClr val="accent1"/>
+            </a:fillRef>
+            <a:effectRef idx="1">
+              <a:schemeClr val="accent1"/>
+            </a:effectRef>
+            <a:fontRef idx="minor">
+              <a:schemeClr val="tx1"/>
+            </a:fontRef>
+          </p:style>
+        </p:cxnSp>
+        <p:cxnSp>
+          <p:nvCxnSpPr>
+            <p:cNvPr id="6" name="Straight Connector 5"/>
+            <p:cNvCxnSpPr>
+              <a:stCxn id="2" idx="2"/>
+            </p:cNvCxnSpPr>
+            <p:nvPr/>
+          </p:nvCxnSpPr>
+          <p:spPr>
+            <a:xfrm flipV="1">
+              <a:off x="4578047" y="2990850"/>
+              <a:ext cx="0" cy="3867150"/>
+            </a:xfrm>
+            <a:prstGeom prst="line">
+              <a:avLst/>
+            </a:prstGeom>
+            <a:ln w="889000">
+              <a:solidFill>
+                <a:srgbClr val="0000FF"/>
+              </a:solidFill>
+            </a:ln>
+            <a:effectLst/>
+          </p:spPr>
+          <p:style>
+            <a:lnRef idx="2">
+              <a:schemeClr val="accent1"/>
+            </a:lnRef>
+            <a:fillRef idx="0">
+              <a:schemeClr val="accent1"/>
+            </a:fillRef>
+            <a:effectRef idx="1">
+              <a:schemeClr val="accent1"/>
+            </a:effectRef>
+            <a:fontRef idx="minor">
+              <a:schemeClr val="tx1"/>
+            </a:fontRef>
+          </p:style>
+        </p:cxnSp>
+      </p:grpSp>
+    </p:spTree>
+    <p:extLst>
+      <p:ext uri="{BB962C8B-B14F-4D97-AF65-F5344CB8AC3E}">
+        <p14:creationId xmlns:p14="http://schemas.microsoft.com/office/powerpoint/2010/main" val="1712600345"/>
+      </p:ext>
+    </p:extLst>
+  </p:cSld>
+  <p:clrMapOvr>
+    <a:masterClrMapping/>
+  </p:clrMapOvr>
+</p:sld>
+</file>
+
+<file path=ppt/slides/slide38.xml><?xml version="1.0" encoding="utf-8"?>
+<p:sld xmlns:a="http://schemas.openxmlformats.org/drawingml/2006/main" xmlns:r="http://schemas.openxmlformats.org/officeDocument/2006/relationships" xmlns:p="http://schemas.openxmlformats.org/presentationml/2006/main">
+  <p:cSld>
+    <p:spTree>
+      <p:nvGrpSpPr>
+        <p:cNvPr id="1" name=""/>
+        <p:cNvGrpSpPr/>
+        <p:nvPr/>
+      </p:nvGrpSpPr>
+      <p:grpSpPr>
+        <a:xfrm>
+          <a:off x="0" y="0"/>
+          <a:ext cx="0" cy="0"/>
+          <a:chOff x="0" y="0"/>
+          <a:chExt cx="0" cy="0"/>
+        </a:xfrm>
+      </p:grpSpPr>
+      <p:sp>
+        <p:nvSpPr>
+          <p:cNvPr id="2" name="Rectangle 1"/>
+          <p:cNvSpPr/>
+          <p:nvPr/>
+        </p:nvSpPr>
+        <p:spPr>
+          <a:xfrm>
+            <a:off x="1149047" y="0"/>
+            <a:ext cx="6858000" cy="6858000"/>
+          </a:xfrm>
+          <a:prstGeom prst="rect">
+            <a:avLst/>
+          </a:prstGeom>
+          <a:noFill/>
+          <a:ln>
+            <a:noFill/>
+          </a:ln>
+          <a:effectLst/>
+        </p:spPr>
+        <p:style>
+          <a:lnRef idx="1">
+            <a:schemeClr val="accent1"/>
+          </a:lnRef>
+          <a:fillRef idx="3">
+            <a:schemeClr val="accent1"/>
+          </a:fillRef>
+          <a:effectRef idx="2">
+            <a:schemeClr val="accent1"/>
+          </a:effectRef>
+          <a:fontRef idx="minor">
+            <a:schemeClr val="lt1"/>
+          </a:fontRef>
+        </p:style>
+        <p:txBody>
+          <a:bodyPr rtlCol="0" anchor="ctr"/>
+          <a:lstStyle/>
+          <a:p>
+            <a:pPr algn="ctr"/>
+            <a:endParaRPr lang="en-US" dirty="0"/>
+          </a:p>
+        </p:txBody>
+      </p:sp>
+      <p:sp>
+        <p:nvSpPr>
+          <p:cNvPr id="3" name="Rectangle 2"/>
+          <p:cNvSpPr/>
+          <p:nvPr/>
+        </p:nvSpPr>
+        <p:spPr>
+          <a:xfrm>
+            <a:off x="1149047" y="3918857"/>
+            <a:ext cx="6858000" cy="1995714"/>
+          </a:xfrm>
+          <a:prstGeom prst="rect">
+            <a:avLst/>
+          </a:prstGeom>
+          <a:solidFill>
+            <a:srgbClr val="FF8281"/>
+          </a:solidFill>
+          <a:ln>
+            <a:solidFill>
+              <a:srgbClr val="FF8281"/>
+            </a:solidFill>
+          </a:ln>
+          <a:effectLst/>
+        </p:spPr>
+        <p:style>
+          <a:lnRef idx="1">
+            <a:schemeClr val="accent1"/>
+          </a:lnRef>
+          <a:fillRef idx="3">
+            <a:schemeClr val="accent1"/>
+          </a:fillRef>
+          <a:effectRef idx="2">
+            <a:schemeClr val="accent1"/>
+          </a:effectRef>
+          <a:fontRef idx="minor">
+            <a:schemeClr val="lt1"/>
+          </a:fontRef>
+        </p:style>
+        <p:txBody>
+          <a:bodyPr rtlCol="0" anchor="ctr"/>
+          <a:lstStyle/>
+          <a:p>
+            <a:pPr algn="ctr"/>
+            <a:endParaRPr lang="en-US"/>
+          </a:p>
+        </p:txBody>
+      </p:sp>
+    </p:spTree>
+    <p:extLst>
+      <p:ext uri="{BB962C8B-B14F-4D97-AF65-F5344CB8AC3E}">
+        <p14:creationId xmlns:p14="http://schemas.microsoft.com/office/powerpoint/2010/main" val="4278111663"/>
+      </p:ext>
+    </p:extLst>
+  </p:cSld>
+  <p:clrMapOvr>
+    <a:masterClrMapping/>
+  </p:clrMapOvr>
+</p:sld>
+</file>
+
+<file path=ppt/slides/slide39.xml><?xml version="1.0" encoding="utf-8"?>
 <p:sld xmlns:a="http://schemas.openxmlformats.org/drawingml/2006/main" xmlns:r="http://schemas.openxmlformats.org/officeDocument/2006/relationships" xmlns:p="http://schemas.openxmlformats.org/presentationml/2006/main">
   <p:cSld>
     <p:bg>
@@ -15047,7 +15499,143 @@
 </p:sld>
 </file>
 
-<file path=ppt/slides/slide38.xml><?xml version="1.0" encoding="utf-8"?>
+<file path=ppt/slides/slide4.xml><?xml version="1.0" encoding="utf-8"?>
+<p:sld xmlns:a="http://schemas.openxmlformats.org/drawingml/2006/main" xmlns:r="http://schemas.openxmlformats.org/officeDocument/2006/relationships" xmlns:p="http://schemas.openxmlformats.org/presentationml/2006/main">
+  <p:cSld>
+    <p:spTree>
+      <p:nvGrpSpPr>
+        <p:cNvPr id="1" name=""/>
+        <p:cNvGrpSpPr/>
+        <p:nvPr/>
+      </p:nvGrpSpPr>
+      <p:grpSpPr>
+        <a:xfrm>
+          <a:off x="0" y="0"/>
+          <a:ext cx="0" cy="0"/>
+          <a:chOff x="0" y="0"/>
+          <a:chExt cx="0" cy="0"/>
+        </a:xfrm>
+      </p:grpSpPr>
+      <p:sp>
+        <p:nvSpPr>
+          <p:cNvPr id="5" name="Pie 4"/>
+          <p:cNvSpPr>
+            <a:spLocks noChangeAspect="1"/>
+          </p:cNvSpPr>
+          <p:nvPr/>
+        </p:nvSpPr>
+        <p:spPr>
+          <a:xfrm rot="17572434">
+            <a:off x="1004955" y="0"/>
+            <a:ext cx="6858000" cy="6858000"/>
+          </a:xfrm>
+          <a:prstGeom prst="pie">
+            <a:avLst>
+              <a:gd name="adj1" fmla="val 0"/>
+              <a:gd name="adj2" fmla="val 18872836"/>
+            </a:avLst>
+          </a:prstGeom>
+          <a:solidFill>
+            <a:srgbClr val="FFFF00"/>
+          </a:solidFill>
+          <a:ln>
+            <a:solidFill>
+              <a:srgbClr val="FFFF00"/>
+            </a:solidFill>
+          </a:ln>
+          <a:effectLst/>
+        </p:spPr>
+        <p:style>
+          <a:lnRef idx="1">
+            <a:schemeClr val="accent1"/>
+          </a:lnRef>
+          <a:fillRef idx="3">
+            <a:schemeClr val="accent1"/>
+          </a:fillRef>
+          <a:effectRef idx="2">
+            <a:schemeClr val="accent1"/>
+          </a:effectRef>
+          <a:fontRef idx="minor">
+            <a:schemeClr val="lt1"/>
+          </a:fontRef>
+        </p:style>
+        <p:txBody>
+          <a:bodyPr rtlCol="0" anchor="ctr"/>
+          <a:lstStyle/>
+          <a:p>
+            <a:pPr algn="ctr"/>
+            <a:endParaRPr lang="en-US">
+              <a:solidFill>
+                <a:schemeClr val="tx1"/>
+              </a:solidFill>
+            </a:endParaRPr>
+          </a:p>
+        </p:txBody>
+      </p:sp>
+      <p:sp>
+        <p:nvSpPr>
+          <p:cNvPr id="3" name="Rectangle 2"/>
+          <p:cNvSpPr/>
+          <p:nvPr/>
+        </p:nvSpPr>
+        <p:spPr>
+          <a:xfrm>
+            <a:off x="996950" y="0"/>
+            <a:ext cx="6858000" cy="6858000"/>
+          </a:xfrm>
+          <a:prstGeom prst="rect">
+            <a:avLst/>
+          </a:prstGeom>
+          <a:noFill/>
+          <a:ln>
+            <a:noFill/>
+          </a:ln>
+          <a:effectLst/>
+        </p:spPr>
+        <p:style>
+          <a:lnRef idx="1">
+            <a:schemeClr val="accent1"/>
+          </a:lnRef>
+          <a:fillRef idx="3">
+            <a:schemeClr val="accent1"/>
+          </a:fillRef>
+          <a:effectRef idx="2">
+            <a:schemeClr val="accent1"/>
+          </a:effectRef>
+          <a:fontRef idx="minor">
+            <a:schemeClr val="lt1"/>
+          </a:fontRef>
+        </p:style>
+        <p:txBody>
+          <a:bodyPr rtlCol="0" anchor="ctr"/>
+          <a:lstStyle/>
+          <a:p>
+            <a:pPr algn="ctr"/>
+            <a:endParaRPr lang="en-US"/>
+          </a:p>
+        </p:txBody>
+      </p:sp>
+    </p:spTree>
+    <p:extLst>
+      <p:ext uri="{BB962C8B-B14F-4D97-AF65-F5344CB8AC3E}">
+        <p14:creationId xmlns:p14="http://schemas.microsoft.com/office/powerpoint/2010/main" val="1986757556"/>
+      </p:ext>
+    </p:extLst>
+  </p:cSld>
+  <p:clrMapOvr>
+    <a:masterClrMapping/>
+  </p:clrMapOvr>
+  <p:timing>
+    <p:tnLst>
+      <p:par>
+        <p:cTn xmlns:p14="http://schemas.microsoft.com/office/powerpoint/2010/main" id="1" dur="indefinite" restart="never" nodeType="tmRoot"/>
+      </p:par>
+    </p:tnLst>
+  </p:timing>
+</p:sld>
+</file>
+
+<file path=ppt/slides/slide40.xml><?xml version="1.0" encoding="utf-8"?>
 <p:sld xmlns:a="http://schemas.openxmlformats.org/drawingml/2006/main" xmlns:r="http://schemas.openxmlformats.org/officeDocument/2006/relationships" xmlns:p="http://schemas.openxmlformats.org/presentationml/2006/main">
   <p:cSld>
     <p:bg>
@@ -15180,7 +15768,79 @@
 </p:sld>
 </file>
 
-<file path=ppt/slides/slide39.xml><?xml version="1.0" encoding="utf-8"?>
+<file path=ppt/slides/slide41.xml><?xml version="1.0" encoding="utf-8"?>
+<p:sld xmlns:a="http://schemas.openxmlformats.org/drawingml/2006/main" xmlns:r="http://schemas.openxmlformats.org/officeDocument/2006/relationships" xmlns:p="http://schemas.openxmlformats.org/presentationml/2006/main">
+  <p:cSld>
+    <p:spTree>
+      <p:nvGrpSpPr>
+        <p:cNvPr id="1" name=""/>
+        <p:cNvGrpSpPr/>
+        <p:nvPr/>
+      </p:nvGrpSpPr>
+      <p:grpSpPr>
+        <a:xfrm>
+          <a:off x="0" y="0"/>
+          <a:ext cx="0" cy="0"/>
+          <a:chOff x="0" y="0"/>
+          <a:chExt cx="0" cy="0"/>
+        </a:xfrm>
+      </p:grpSpPr>
+      <p:sp>
+        <p:nvSpPr>
+          <p:cNvPr id="2" name="TextBox 1"/>
+          <p:cNvSpPr txBox="1"/>
+          <p:nvPr/>
+        </p:nvSpPr>
+        <p:spPr>
+          <a:xfrm>
+            <a:off x="373542" y="1905173"/>
+            <a:ext cx="7674697" cy="1569660"/>
+          </a:xfrm>
+          <a:prstGeom prst="rect">
+            <a:avLst/>
+          </a:prstGeom>
+          <a:noFill/>
+        </p:spPr>
+        <p:txBody>
+          <a:bodyPr wrap="none" rtlCol="0">
+            <a:spAutoFit/>
+          </a:bodyPr>
+          <a:lstStyle/>
+          <a:p>
+            <a:r>
+              <a:rPr lang="en-US" sz="9600" dirty="0" smtClean="0">
+                <a:solidFill>
+                  <a:srgbClr val="FF0000"/>
+                </a:solidFill>
+                <a:latin typeface="Verdana"/>
+                <a:cs typeface="Verdana"/>
+              </a:rPr>
+              <a:t>GAME OVER</a:t>
+            </a:r>
+            <a:endParaRPr lang="en-US" sz="9600" dirty="0">
+              <a:solidFill>
+                <a:srgbClr val="FF0000"/>
+              </a:solidFill>
+              <a:latin typeface="Verdana"/>
+              <a:cs typeface="Verdana"/>
+            </a:endParaRPr>
+          </a:p>
+        </p:txBody>
+      </p:sp>
+    </p:spTree>
+    <p:extLst>
+      <p:ext uri="{BB962C8B-B14F-4D97-AF65-F5344CB8AC3E}">
+        <p14:creationId xmlns:p14="http://schemas.microsoft.com/office/powerpoint/2010/main" val="3371448851"/>
+      </p:ext>
+    </p:extLst>
+  </p:cSld>
+  <p:clrMapOvr>
+    <a:masterClrMapping/>
+  </p:clrMapOvr>
+</p:sld>
+</file>
+
+<file path=ppt/slides/slide42.xml><?xml version="1.0" encoding="utf-8"?>
 <p:sld xmlns:a="http://schemas.openxmlformats.org/drawingml/2006/main" xmlns:r="http://schemas.openxmlformats.org/officeDocument/2006/relationships" xmlns:p="http://schemas.openxmlformats.org/presentationml/2006/main">
   <p:cSld>
     <p:bg>
@@ -26259,99 +26919,6 @@
 </p:sld>
 </file>
 
-<file path=ppt/slides/slide4.xml><?xml version="1.0" encoding="utf-8"?>
-<p:sld xmlns:a="http://schemas.openxmlformats.org/drawingml/2006/main" xmlns:r="http://schemas.openxmlformats.org/officeDocument/2006/relationships" xmlns:p="http://schemas.openxmlformats.org/presentationml/2006/main">
-  <p:cSld>
-    <p:spTree>
-      <p:nvGrpSpPr>
-        <p:cNvPr id="1" name=""/>
-        <p:cNvGrpSpPr/>
-        <p:nvPr/>
-      </p:nvGrpSpPr>
-      <p:grpSpPr>
-        <a:xfrm>
-          <a:off x="0" y="0"/>
-          <a:ext cx="0" cy="0"/>
-          <a:chOff x="0" y="0"/>
-          <a:chExt cx="0" cy="0"/>
-        </a:xfrm>
-      </p:grpSpPr>
-      <p:sp>
-        <p:nvSpPr>
-          <p:cNvPr id="5" name="Pie 4"/>
-          <p:cNvSpPr>
-            <a:spLocks noChangeAspect="1"/>
-          </p:cNvSpPr>
-          <p:nvPr/>
-        </p:nvSpPr>
-        <p:spPr>
-          <a:xfrm rot="17572434">
-            <a:off x="1004955" y="0"/>
-            <a:ext cx="6858000" cy="6858000"/>
-          </a:xfrm>
-          <a:prstGeom prst="pie">
-            <a:avLst>
-              <a:gd name="adj1" fmla="val 0"/>
-              <a:gd name="adj2" fmla="val 18872836"/>
-            </a:avLst>
-          </a:prstGeom>
-          <a:solidFill>
-            <a:srgbClr val="FFFF00"/>
-          </a:solidFill>
-          <a:ln>
-            <a:solidFill>
-              <a:srgbClr val="FFFF00"/>
-            </a:solidFill>
-          </a:ln>
-          <a:effectLst/>
-        </p:spPr>
-        <p:style>
-          <a:lnRef idx="1">
-            <a:schemeClr val="accent1"/>
-          </a:lnRef>
-          <a:fillRef idx="3">
-            <a:schemeClr val="accent1"/>
-          </a:fillRef>
-          <a:effectRef idx="2">
-            <a:schemeClr val="accent1"/>
-          </a:effectRef>
-          <a:fontRef idx="minor">
-            <a:schemeClr val="lt1"/>
-          </a:fontRef>
-        </p:style>
-        <p:txBody>
-          <a:bodyPr rtlCol="0" anchor="ctr"/>
-          <a:lstStyle/>
-          <a:p>
-            <a:pPr algn="ctr"/>
-            <a:endParaRPr lang="en-US">
-              <a:solidFill>
-                <a:schemeClr val="tx1"/>
-              </a:solidFill>
-            </a:endParaRPr>
-          </a:p>
-        </p:txBody>
-      </p:sp>
-    </p:spTree>
-    <p:extLst>
-      <p:ext uri="{BB962C8B-B14F-4D97-AF65-F5344CB8AC3E}">
-        <p14:creationId xmlns:p14="http://schemas.microsoft.com/office/powerpoint/2010/main" val="1986757556"/>
-      </p:ext>
-    </p:extLst>
-  </p:cSld>
-  <p:clrMapOvr>
-    <a:masterClrMapping/>
-  </p:clrMapOvr>
-  <p:timing>
-    <p:tnLst>
-      <p:par>
-        <p:cTn xmlns:p14="http://schemas.microsoft.com/office/powerpoint/2010/main" id="1" dur="indefinite" restart="never" nodeType="tmRoot"/>
-      </p:par>
-    </p:tnLst>
-  </p:timing>
-</p:sld>
-</file>
-
 <file path=ppt/slides/slide5.xml><?xml version="1.0" encoding="utf-8"?>
 <p:sld xmlns:a="http://schemas.openxmlformats.org/drawingml/2006/main" xmlns:r="http://schemas.openxmlformats.org/officeDocument/2006/relationships" xmlns:p="http://schemas.openxmlformats.org/presentationml/2006/main">
   <p:cSld>
@@ -26419,6 +26986,49 @@
                 <a:schemeClr val="tx1"/>
               </a:solidFill>
             </a:endParaRPr>
+          </a:p>
+        </p:txBody>
+      </p:sp>
+      <p:sp>
+        <p:nvSpPr>
+          <p:cNvPr id="3" name="Rectangle 2"/>
+          <p:cNvSpPr/>
+          <p:nvPr/>
+        </p:nvSpPr>
+        <p:spPr>
+          <a:xfrm>
+            <a:off x="996950" y="0"/>
+            <a:ext cx="6858000" cy="6858000"/>
+          </a:xfrm>
+          <a:prstGeom prst="rect">
+            <a:avLst/>
+          </a:prstGeom>
+          <a:noFill/>
+          <a:ln>
+            <a:noFill/>
+          </a:ln>
+          <a:effectLst/>
+        </p:spPr>
+        <p:style>
+          <a:lnRef idx="1">
+            <a:schemeClr val="accent1"/>
+          </a:lnRef>
+          <a:fillRef idx="3">
+            <a:schemeClr val="accent1"/>
+          </a:fillRef>
+          <a:effectRef idx="2">
+            <a:schemeClr val="accent1"/>
+          </a:effectRef>
+          <a:fontRef idx="minor">
+            <a:schemeClr val="lt1"/>
+          </a:fontRef>
+        </p:style>
+        <p:txBody>
+          <a:bodyPr rtlCol="0" anchor="ctr"/>
+          <a:lstStyle/>
+          <a:p>
+            <a:pPr algn="ctr"/>
+            <a:endParaRPr lang="en-US"/>
           </a:p>
         </p:txBody>
       </p:sp>
@@ -26515,6 +27125,49 @@
           </a:p>
         </p:txBody>
       </p:sp>
+      <p:sp>
+        <p:nvSpPr>
+          <p:cNvPr id="3" name="Rectangle 2"/>
+          <p:cNvSpPr/>
+          <p:nvPr/>
+        </p:nvSpPr>
+        <p:spPr>
+          <a:xfrm>
+            <a:off x="996950" y="0"/>
+            <a:ext cx="6858000" cy="6858000"/>
+          </a:xfrm>
+          <a:prstGeom prst="rect">
+            <a:avLst/>
+          </a:prstGeom>
+          <a:noFill/>
+          <a:ln>
+            <a:noFill/>
+          </a:ln>
+          <a:effectLst/>
+        </p:spPr>
+        <p:style>
+          <a:lnRef idx="1">
+            <a:schemeClr val="accent1"/>
+          </a:lnRef>
+          <a:fillRef idx="3">
+            <a:schemeClr val="accent1"/>
+          </a:fillRef>
+          <a:effectRef idx="2">
+            <a:schemeClr val="accent1"/>
+          </a:effectRef>
+          <a:fontRef idx="minor">
+            <a:schemeClr val="lt1"/>
+          </a:fontRef>
+        </p:style>
+        <p:txBody>
+          <a:bodyPr rtlCol="0" anchor="ctr"/>
+          <a:lstStyle/>
+          <a:p>
+            <a:pPr algn="ctr"/>
+            <a:endParaRPr lang="en-US"/>
+          </a:p>
+        </p:txBody>
+      </p:sp>
     </p:spTree>
     <p:extLst>
       <p:ext uri="{BB962C8B-B14F-4D97-AF65-F5344CB8AC3E}">
@@ -26602,6 +27255,49 @@
                 <a:schemeClr val="tx1"/>
               </a:solidFill>
             </a:endParaRPr>
+          </a:p>
+        </p:txBody>
+      </p:sp>
+      <p:sp>
+        <p:nvSpPr>
+          <p:cNvPr id="3" name="Rectangle 2"/>
+          <p:cNvSpPr/>
+          <p:nvPr/>
+        </p:nvSpPr>
+        <p:spPr>
+          <a:xfrm>
+            <a:off x="996950" y="0"/>
+            <a:ext cx="6858000" cy="6858000"/>
+          </a:xfrm>
+          <a:prstGeom prst="rect">
+            <a:avLst/>
+          </a:prstGeom>
+          <a:noFill/>
+          <a:ln>
+            <a:noFill/>
+          </a:ln>
+          <a:effectLst/>
+        </p:spPr>
+        <p:style>
+          <a:lnRef idx="1">
+            <a:schemeClr val="accent1"/>
+          </a:lnRef>
+          <a:fillRef idx="3">
+            <a:schemeClr val="accent1"/>
+          </a:fillRef>
+          <a:effectRef idx="2">
+            <a:schemeClr val="accent1"/>
+          </a:effectRef>
+          <a:fontRef idx="minor">
+            <a:schemeClr val="lt1"/>
+          </a:fontRef>
+        </p:style>
+        <p:txBody>
+          <a:bodyPr rtlCol="0" anchor="ctr"/>
+          <a:lstStyle/>
+          <a:p>
+            <a:pPr algn="ctr"/>
+            <a:endParaRPr lang="en-US"/>
           </a:p>
         </p:txBody>
       </p:sp>
@@ -26695,6 +27391,49 @@
                 <a:schemeClr val="tx1"/>
               </a:solidFill>
             </a:endParaRPr>
+          </a:p>
+        </p:txBody>
+      </p:sp>
+      <p:sp>
+        <p:nvSpPr>
+          <p:cNvPr id="3" name="Rectangle 2"/>
+          <p:cNvSpPr/>
+          <p:nvPr/>
+        </p:nvSpPr>
+        <p:spPr>
+          <a:xfrm>
+            <a:off x="996950" y="0"/>
+            <a:ext cx="6858000" cy="6858000"/>
+          </a:xfrm>
+          <a:prstGeom prst="rect">
+            <a:avLst/>
+          </a:prstGeom>
+          <a:noFill/>
+          <a:ln>
+            <a:noFill/>
+          </a:ln>
+          <a:effectLst/>
+        </p:spPr>
+        <p:style>
+          <a:lnRef idx="1">
+            <a:schemeClr val="accent1"/>
+          </a:lnRef>
+          <a:fillRef idx="3">
+            <a:schemeClr val="accent1"/>
+          </a:fillRef>
+          <a:effectRef idx="2">
+            <a:schemeClr val="accent1"/>
+          </a:effectRef>
+          <a:fontRef idx="minor">
+            <a:schemeClr val="lt1"/>
+          </a:fontRef>
+        </p:style>
+        <p:txBody>
+          <a:bodyPr rtlCol="0" anchor="ctr"/>
+          <a:lstStyle/>
+          <a:p>
+            <a:pPr algn="ctr"/>
+            <a:endParaRPr lang="en-US"/>
           </a:p>
         </p:txBody>
       </p:sp>
